--- a/Presentation/Email and Roster Manager.pptx
+++ b/Presentation/Email and Roster Manager.pptx
@@ -2,10 +2,16 @@
 <file path=ppt/presentation.xml><?xml version="1.0" encoding="utf-8"?>
 <p:presentation xmlns:a="http://schemas.openxmlformats.org/drawingml/2006/main" xmlns:r="http://schemas.openxmlformats.org/officeDocument/2006/relationships" xmlns:p="http://schemas.openxmlformats.org/presentationml/2006/main" saveSubsetFonts="1">
   <p:sldMasterIdLst>
-    <p:sldMasterId id="2147483648" r:id="rId1"/>
+    <p:sldMasterId id="2147483660" r:id="rId1"/>
   </p:sldMasterIdLst>
   <p:sldIdLst>
-    <p:sldId id="256" r:id="rId2"/>
+    <p:sldId id="260" r:id="rId2"/>
+    <p:sldId id="257" r:id="rId3"/>
+    <p:sldId id="258" r:id="rId4"/>
+    <p:sldId id="259" r:id="rId5"/>
+    <p:sldId id="261" r:id="rId6"/>
+    <p:sldId id="262" r:id="rId7"/>
+    <p:sldId id="263" r:id="rId8"/>
   </p:sldIdLst>
   <p:sldSz cx="12192000" cy="6858000"/>
   <p:notesSz cx="6858000" cy="9144000"/>
@@ -13,7 +19,7 @@
     <a:defPPr>
       <a:defRPr lang="en-US"/>
     </a:defPPr>
-    <a:lvl1pPr marL="0" algn="l" defTabSz="914400" rtl="0" eaLnBrk="1" latinLnBrk="0" hangingPunct="1">
+    <a:lvl1pPr marL="0" algn="l" defTabSz="457200" rtl="0" eaLnBrk="1" latinLnBrk="0" hangingPunct="1">
       <a:defRPr sz="1800" kern="1200">
         <a:solidFill>
           <a:schemeClr val="tx1"/>
@@ -23,7 +29,7 @@
         <a:cs typeface="+mn-cs"/>
       </a:defRPr>
     </a:lvl1pPr>
-    <a:lvl2pPr marL="457200" algn="l" defTabSz="914400" rtl="0" eaLnBrk="1" latinLnBrk="0" hangingPunct="1">
+    <a:lvl2pPr marL="457200" algn="l" defTabSz="457200" rtl="0" eaLnBrk="1" latinLnBrk="0" hangingPunct="1">
       <a:defRPr sz="1800" kern="1200">
         <a:solidFill>
           <a:schemeClr val="tx1"/>
@@ -33,7 +39,7 @@
         <a:cs typeface="+mn-cs"/>
       </a:defRPr>
     </a:lvl2pPr>
-    <a:lvl3pPr marL="914400" algn="l" defTabSz="914400" rtl="0" eaLnBrk="1" latinLnBrk="0" hangingPunct="1">
+    <a:lvl3pPr marL="914400" algn="l" defTabSz="457200" rtl="0" eaLnBrk="1" latinLnBrk="0" hangingPunct="1">
       <a:defRPr sz="1800" kern="1200">
         <a:solidFill>
           <a:schemeClr val="tx1"/>
@@ -43,7 +49,7 @@
         <a:cs typeface="+mn-cs"/>
       </a:defRPr>
     </a:lvl3pPr>
-    <a:lvl4pPr marL="1371600" algn="l" defTabSz="914400" rtl="0" eaLnBrk="1" latinLnBrk="0" hangingPunct="1">
+    <a:lvl4pPr marL="1371600" algn="l" defTabSz="457200" rtl="0" eaLnBrk="1" latinLnBrk="0" hangingPunct="1">
       <a:defRPr sz="1800" kern="1200">
         <a:solidFill>
           <a:schemeClr val="tx1"/>
@@ -53,7 +59,7 @@
         <a:cs typeface="+mn-cs"/>
       </a:defRPr>
     </a:lvl4pPr>
-    <a:lvl5pPr marL="1828800" algn="l" defTabSz="914400" rtl="0" eaLnBrk="1" latinLnBrk="0" hangingPunct="1">
+    <a:lvl5pPr marL="1828800" algn="l" defTabSz="457200" rtl="0" eaLnBrk="1" latinLnBrk="0" hangingPunct="1">
       <a:defRPr sz="1800" kern="1200">
         <a:solidFill>
           <a:schemeClr val="tx1"/>
@@ -63,7 +69,7 @@
         <a:cs typeface="+mn-cs"/>
       </a:defRPr>
     </a:lvl5pPr>
-    <a:lvl6pPr marL="2286000" algn="l" defTabSz="914400" rtl="0" eaLnBrk="1" latinLnBrk="0" hangingPunct="1">
+    <a:lvl6pPr marL="2286000" algn="l" defTabSz="457200" rtl="0" eaLnBrk="1" latinLnBrk="0" hangingPunct="1">
       <a:defRPr sz="1800" kern="1200">
         <a:solidFill>
           <a:schemeClr val="tx1"/>
@@ -73,7 +79,7 @@
         <a:cs typeface="+mn-cs"/>
       </a:defRPr>
     </a:lvl6pPr>
-    <a:lvl7pPr marL="2743200" algn="l" defTabSz="914400" rtl="0" eaLnBrk="1" latinLnBrk="0" hangingPunct="1">
+    <a:lvl7pPr marL="2743200" algn="l" defTabSz="457200" rtl="0" eaLnBrk="1" latinLnBrk="0" hangingPunct="1">
       <a:defRPr sz="1800" kern="1200">
         <a:solidFill>
           <a:schemeClr val="tx1"/>
@@ -83,7 +89,7 @@
         <a:cs typeface="+mn-cs"/>
       </a:defRPr>
     </a:lvl7pPr>
-    <a:lvl8pPr marL="3200400" algn="l" defTabSz="914400" rtl="0" eaLnBrk="1" latinLnBrk="0" hangingPunct="1">
+    <a:lvl8pPr marL="3200400" algn="l" defTabSz="457200" rtl="0" eaLnBrk="1" latinLnBrk="0" hangingPunct="1">
       <a:defRPr sz="1800" kern="1200">
         <a:solidFill>
           <a:schemeClr val="tx1"/>
@@ -93,7 +99,7 @@
         <a:cs typeface="+mn-cs"/>
       </a:defRPr>
     </a:lvl8pPr>
-    <a:lvl9pPr marL="3657600" algn="l" defTabSz="914400" rtl="0" eaLnBrk="1" latinLnBrk="0" hangingPunct="1">
+    <a:lvl9pPr marL="3657600" algn="l" defTabSz="457200" rtl="0" eaLnBrk="1" latinLnBrk="0" hangingPunct="1">
       <a:defRPr sz="1800" kern="1200">
         <a:solidFill>
           <a:schemeClr val="tx1"/>
@@ -104,11 +110,333 @@
       </a:defRPr>
     </a:lvl9pPr>
   </p:defaultTextStyle>
+  <p:extLst>
+    <p:ext uri="{EFAFB233-063F-42B5-8137-9DF3F51BA10A}">
+      <p15:sldGuideLst xmlns:p15="http://schemas.microsoft.com/office/powerpoint/2012/main"/>
+    </p:ext>
+  </p:extLst>
 </p:presentation>
 </file>
 
+<file path=ppt/revisionInfo.xml><?xml version="1.0" encoding="utf-8"?>
+<p1510:revInfo xmlns:a="http://schemas.openxmlformats.org/drawingml/2006/main" xmlns:r="http://schemas.openxmlformats.org/officeDocument/2006/relationships" xmlns:p1510="http://schemas.microsoft.com/office/powerpoint/2015/10/main">
+  <p1510:revLst>
+    <p1510:client id="{EC62061A-80C7-47AA-AD29-6CEE5135B2BE}" v="27" dt="2024-04-24T17:57:18.816"/>
+  </p1510:revLst>
+</p1510:revInfo>
+</file>
+
+<file path=ppt/changesInfos/changesInfo1.xml><?xml version="1.0" encoding="utf-8"?>
+<pc:chgInfo xmlns:a="http://schemas.openxmlformats.org/drawingml/2006/main" xmlns:r="http://schemas.openxmlformats.org/officeDocument/2006/relationships" xmlns:ac="http://schemas.microsoft.com/office/drawing/2013/main/command" xmlns:pc="http://schemas.microsoft.com/office/powerpoint/2013/main/command">
+  <pc:docChgLst>
+    <pc:chgData name="Shelby Womack" userId="ad7a5156cd3203ca" providerId="LiveId" clId="{EC62061A-80C7-47AA-AD29-6CEE5135B2BE}"/>
+    <pc:docChg chg="undo redo custSel addSld delSld modSld sldOrd modMainMaster">
+      <pc:chgData name="Shelby Womack" userId="ad7a5156cd3203ca" providerId="LiveId" clId="{EC62061A-80C7-47AA-AD29-6CEE5135B2BE}" dt="2024-04-24T17:57:48.606" v="2307" actId="1076"/>
+      <pc:docMkLst>
+        <pc:docMk/>
+      </pc:docMkLst>
+      <pc:sldChg chg="del">
+        <pc:chgData name="Shelby Womack" userId="ad7a5156cd3203ca" providerId="LiveId" clId="{EC62061A-80C7-47AA-AD29-6CEE5135B2BE}" dt="2024-04-24T16:45:46.438" v="97" actId="2696"/>
+        <pc:sldMkLst>
+          <pc:docMk/>
+          <pc:sldMk cId="2890325253" sldId="256"/>
+        </pc:sldMkLst>
+      </pc:sldChg>
+      <pc:sldChg chg="addSp modSp new mod setBg">
+        <pc:chgData name="Shelby Womack" userId="ad7a5156cd3203ca" providerId="LiveId" clId="{EC62061A-80C7-47AA-AD29-6CEE5135B2BE}" dt="2024-04-24T17:24:28.706" v="1536" actId="12"/>
+        <pc:sldMkLst>
+          <pc:docMk/>
+          <pc:sldMk cId="181132000" sldId="257"/>
+        </pc:sldMkLst>
+        <pc:spChg chg="mod">
+          <ac:chgData name="Shelby Womack" userId="ad7a5156cd3203ca" providerId="LiveId" clId="{EC62061A-80C7-47AA-AD29-6CEE5135B2BE}" dt="2024-04-24T16:59:29.362" v="735" actId="1076"/>
+          <ac:spMkLst>
+            <pc:docMk/>
+            <pc:sldMk cId="181132000" sldId="257"/>
+            <ac:spMk id="2" creationId="{EF702D40-BDFF-8042-ED46-ECB70A1188D2}"/>
+          </ac:spMkLst>
+        </pc:spChg>
+        <pc:spChg chg="mod">
+          <ac:chgData name="Shelby Womack" userId="ad7a5156cd3203ca" providerId="LiveId" clId="{EC62061A-80C7-47AA-AD29-6CEE5135B2BE}" dt="2024-04-24T17:24:28.706" v="1536" actId="12"/>
+          <ac:spMkLst>
+            <pc:docMk/>
+            <pc:sldMk cId="181132000" sldId="257"/>
+            <ac:spMk id="3" creationId="{2120DF0A-49C9-1121-56B0-B0BA5D1527CC}"/>
+          </ac:spMkLst>
+        </pc:spChg>
+        <pc:spChg chg="add">
+          <ac:chgData name="Shelby Womack" userId="ad7a5156cd3203ca" providerId="LiveId" clId="{EC62061A-80C7-47AA-AD29-6CEE5135B2BE}" dt="2024-04-24T16:58:57.462" v="727" actId="26606"/>
+          <ac:spMkLst>
+            <pc:docMk/>
+            <pc:sldMk cId="181132000" sldId="257"/>
+            <ac:spMk id="8" creationId="{781BBDC9-2DC6-4959-AC3D-49A5DCB05DA7}"/>
+          </ac:spMkLst>
+        </pc:spChg>
+        <pc:spChg chg="add">
+          <ac:chgData name="Shelby Womack" userId="ad7a5156cd3203ca" providerId="LiveId" clId="{EC62061A-80C7-47AA-AD29-6CEE5135B2BE}" dt="2024-04-24T16:58:57.462" v="727" actId="26606"/>
+          <ac:spMkLst>
+            <pc:docMk/>
+            <pc:sldMk cId="181132000" sldId="257"/>
+            <ac:spMk id="10" creationId="{4B74BB55-8517-4CFE-9389-81D0E6F81F00}"/>
+          </ac:spMkLst>
+        </pc:spChg>
+        <pc:spChg chg="add">
+          <ac:chgData name="Shelby Womack" userId="ad7a5156cd3203ca" providerId="LiveId" clId="{EC62061A-80C7-47AA-AD29-6CEE5135B2BE}" dt="2024-04-24T16:58:57.462" v="727" actId="26606"/>
+          <ac:spMkLst>
+            <pc:docMk/>
+            <pc:sldMk cId="181132000" sldId="257"/>
+            <ac:spMk id="19" creationId="{08452CCF-4A27-488A-AAF4-424933CFC925}"/>
+          </ac:spMkLst>
+        </pc:spChg>
+        <pc:grpChg chg="add">
+          <ac:chgData name="Shelby Womack" userId="ad7a5156cd3203ca" providerId="LiveId" clId="{EC62061A-80C7-47AA-AD29-6CEE5135B2BE}" dt="2024-04-24T16:58:57.462" v="727" actId="26606"/>
+          <ac:grpSpMkLst>
+            <pc:docMk/>
+            <pc:sldMk cId="181132000" sldId="257"/>
+            <ac:grpSpMk id="12" creationId="{A3F7C935-E41E-4E8D-91DF-D3BAB9521DF0}"/>
+          </ac:grpSpMkLst>
+        </pc:grpChg>
+      </pc:sldChg>
+      <pc:sldChg chg="modSp new mod setBg">
+        <pc:chgData name="Shelby Womack" userId="ad7a5156cd3203ca" providerId="LiveId" clId="{EC62061A-80C7-47AA-AD29-6CEE5135B2BE}" dt="2024-04-24T17:26:05.994" v="1757" actId="20577"/>
+        <pc:sldMkLst>
+          <pc:docMk/>
+          <pc:sldMk cId="2548113628" sldId="258"/>
+        </pc:sldMkLst>
+        <pc:spChg chg="mod">
+          <ac:chgData name="Shelby Womack" userId="ad7a5156cd3203ca" providerId="LiveId" clId="{EC62061A-80C7-47AA-AD29-6CEE5135B2BE}" dt="2024-04-24T17:18:00.857" v="1212" actId="403"/>
+          <ac:spMkLst>
+            <pc:docMk/>
+            <pc:sldMk cId="2548113628" sldId="258"/>
+            <ac:spMk id="2" creationId="{6B7891D5-035E-5D59-C744-96C0987E4276}"/>
+          </ac:spMkLst>
+        </pc:spChg>
+        <pc:spChg chg="mod">
+          <ac:chgData name="Shelby Womack" userId="ad7a5156cd3203ca" providerId="LiveId" clId="{EC62061A-80C7-47AA-AD29-6CEE5135B2BE}" dt="2024-04-24T17:26:05.994" v="1757" actId="20577"/>
+          <ac:spMkLst>
+            <pc:docMk/>
+            <pc:sldMk cId="2548113628" sldId="258"/>
+            <ac:spMk id="3" creationId="{F5CC46BF-C55A-A103-312D-A28B206F959D}"/>
+          </ac:spMkLst>
+        </pc:spChg>
+      </pc:sldChg>
+      <pc:sldChg chg="modSp new mod setBg">
+        <pc:chgData name="Shelby Womack" userId="ad7a5156cd3203ca" providerId="LiveId" clId="{EC62061A-80C7-47AA-AD29-6CEE5135B2BE}" dt="2024-04-24T17:27:09.158" v="1778" actId="20577"/>
+        <pc:sldMkLst>
+          <pc:docMk/>
+          <pc:sldMk cId="1095713568" sldId="259"/>
+        </pc:sldMkLst>
+        <pc:spChg chg="mod">
+          <ac:chgData name="Shelby Womack" userId="ad7a5156cd3203ca" providerId="LiveId" clId="{EC62061A-80C7-47AA-AD29-6CEE5135B2BE}" dt="2024-04-24T17:18:16.394" v="1214" actId="14100"/>
+          <ac:spMkLst>
+            <pc:docMk/>
+            <pc:sldMk cId="1095713568" sldId="259"/>
+            <ac:spMk id="2" creationId="{87D55472-A87D-D05B-095A-9A4049BB67AA}"/>
+          </ac:spMkLst>
+        </pc:spChg>
+        <pc:spChg chg="mod">
+          <ac:chgData name="Shelby Womack" userId="ad7a5156cd3203ca" providerId="LiveId" clId="{EC62061A-80C7-47AA-AD29-6CEE5135B2BE}" dt="2024-04-24T17:27:09.158" v="1778" actId="20577"/>
+          <ac:spMkLst>
+            <pc:docMk/>
+            <pc:sldMk cId="1095713568" sldId="259"/>
+            <ac:spMk id="3" creationId="{04D9A691-405B-E52E-621B-62829A0D72EA}"/>
+          </ac:spMkLst>
+        </pc:spChg>
+      </pc:sldChg>
+      <pc:sldChg chg="addSp delSp modSp new mod ord setBg">
+        <pc:chgData name="Shelby Womack" userId="ad7a5156cd3203ca" providerId="LiveId" clId="{EC62061A-80C7-47AA-AD29-6CEE5135B2BE}" dt="2024-04-24T17:03:20.402" v="754"/>
+        <pc:sldMkLst>
+          <pc:docMk/>
+          <pc:sldMk cId="2306874658" sldId="260"/>
+        </pc:sldMkLst>
+        <pc:spChg chg="del mod">
+          <ac:chgData name="Shelby Womack" userId="ad7a5156cd3203ca" providerId="LiveId" clId="{EC62061A-80C7-47AA-AD29-6CEE5135B2BE}" dt="2024-04-24T16:47:35.789" v="108" actId="478"/>
+          <ac:spMkLst>
+            <pc:docMk/>
+            <pc:sldMk cId="2306874658" sldId="260"/>
+            <ac:spMk id="2" creationId="{1C1587C4-62E8-5309-5A9B-E61D12A057FD}"/>
+          </ac:spMkLst>
+        </pc:spChg>
+        <pc:spChg chg="del">
+          <ac:chgData name="Shelby Womack" userId="ad7a5156cd3203ca" providerId="LiveId" clId="{EC62061A-80C7-47AA-AD29-6CEE5135B2BE}" dt="2024-04-24T16:43:46.985" v="64"/>
+          <ac:spMkLst>
+            <pc:docMk/>
+            <pc:sldMk cId="2306874658" sldId="260"/>
+            <ac:spMk id="3" creationId="{FB9DFD6B-D851-DEC2-8EE3-09345924F9BD}"/>
+          </ac:spMkLst>
+        </pc:spChg>
+        <pc:spChg chg="add del">
+          <ac:chgData name="Shelby Womack" userId="ad7a5156cd3203ca" providerId="LiveId" clId="{EC62061A-80C7-47AA-AD29-6CEE5135B2BE}" dt="2024-04-24T16:44:38.681" v="80" actId="22"/>
+          <ac:spMkLst>
+            <pc:docMk/>
+            <pc:sldMk cId="2306874658" sldId="260"/>
+            <ac:spMk id="7" creationId="{62C4C29F-73D5-94D2-5B27-69FF31B708D7}"/>
+          </ac:spMkLst>
+        </pc:spChg>
+        <pc:spChg chg="add del">
+          <ac:chgData name="Shelby Womack" userId="ad7a5156cd3203ca" providerId="LiveId" clId="{EC62061A-80C7-47AA-AD29-6CEE5135B2BE}" dt="2024-04-24T16:44:42.672" v="86" actId="22"/>
+          <ac:spMkLst>
+            <pc:docMk/>
+            <pc:sldMk cId="2306874658" sldId="260"/>
+            <ac:spMk id="9" creationId="{15757505-9B85-CF56-6781-C8E049D803C1}"/>
+          </ac:spMkLst>
+        </pc:spChg>
+        <pc:spChg chg="add mod">
+          <ac:chgData name="Shelby Womack" userId="ad7a5156cd3203ca" providerId="LiveId" clId="{EC62061A-80C7-47AA-AD29-6CEE5135B2BE}" dt="2024-04-24T16:45:28.409" v="96" actId="1076"/>
+          <ac:spMkLst>
+            <pc:docMk/>
+            <pc:sldMk cId="2306874658" sldId="260"/>
+            <ac:spMk id="11" creationId="{3ACD0347-6C3F-B784-762D-6DCD10240591}"/>
+          </ac:spMkLst>
+        </pc:spChg>
+        <pc:spChg chg="add mod ord">
+          <ac:chgData name="Shelby Womack" userId="ad7a5156cd3203ca" providerId="LiveId" clId="{EC62061A-80C7-47AA-AD29-6CEE5135B2BE}" dt="2024-04-24T16:48:37.966" v="120" actId="166"/>
+          <ac:spMkLst>
+            <pc:docMk/>
+            <pc:sldMk cId="2306874658" sldId="260"/>
+            <ac:spMk id="13" creationId="{C3E849A3-1799-8816-2EE0-E1EF74215784}"/>
+          </ac:spMkLst>
+        </pc:spChg>
+        <pc:spChg chg="add del mod">
+          <ac:chgData name="Shelby Womack" userId="ad7a5156cd3203ca" providerId="LiveId" clId="{EC62061A-80C7-47AA-AD29-6CEE5135B2BE}" dt="2024-04-24T16:47:41.259" v="109" actId="478"/>
+          <ac:spMkLst>
+            <pc:docMk/>
+            <pc:sldMk cId="2306874658" sldId="260"/>
+            <ac:spMk id="15" creationId="{0DAC1618-8269-EFF8-9578-8CE70DA8D3C2}"/>
+          </ac:spMkLst>
+        </pc:spChg>
+        <pc:picChg chg="add del mod">
+          <ac:chgData name="Shelby Womack" userId="ad7a5156cd3203ca" providerId="LiveId" clId="{EC62061A-80C7-47AA-AD29-6CEE5135B2BE}" dt="2024-04-24T16:47:33.371" v="107" actId="478"/>
+          <ac:picMkLst>
+            <pc:docMk/>
+            <pc:sldMk cId="2306874658" sldId="260"/>
+            <ac:picMk id="5" creationId="{F731BBC6-1785-2A4D-E52E-5F2BC2E2488F}"/>
+          </ac:picMkLst>
+        </pc:picChg>
+        <pc:picChg chg="add del mod ord modCrop">
+          <ac:chgData name="Shelby Womack" userId="ad7a5156cd3203ca" providerId="LiveId" clId="{EC62061A-80C7-47AA-AD29-6CEE5135B2BE}" dt="2024-04-24T17:01:22.222" v="746" actId="478"/>
+          <ac:picMkLst>
+            <pc:docMk/>
+            <pc:sldMk cId="2306874658" sldId="260"/>
+            <ac:picMk id="17" creationId="{918EAAB3-3B06-3D59-3C13-47DE425E646E}"/>
+          </ac:picMkLst>
+        </pc:picChg>
+        <pc:picChg chg="add mod">
+          <ac:chgData name="Shelby Womack" userId="ad7a5156cd3203ca" providerId="LiveId" clId="{EC62061A-80C7-47AA-AD29-6CEE5135B2BE}" dt="2024-04-24T17:01:48.379" v="752" actId="1076"/>
+          <ac:picMkLst>
+            <pc:docMk/>
+            <pc:sldMk cId="2306874658" sldId="260"/>
+            <ac:picMk id="19" creationId="{B12B7702-6982-DA6B-92B0-198685CCF8EA}"/>
+          </ac:picMkLst>
+        </pc:picChg>
+        <pc:picChg chg="add mod">
+          <ac:chgData name="Shelby Womack" userId="ad7a5156cd3203ca" providerId="LiveId" clId="{EC62061A-80C7-47AA-AD29-6CEE5135B2BE}" dt="2024-04-24T17:01:35.569" v="749" actId="1076"/>
+          <ac:picMkLst>
+            <pc:docMk/>
+            <pc:sldMk cId="2306874658" sldId="260"/>
+            <ac:picMk id="21" creationId="{5BBF9713-47A9-0E2B-A690-3D7230C9062A}"/>
+          </ac:picMkLst>
+        </pc:picChg>
+        <pc:picChg chg="add del mod">
+          <ac:chgData name="Shelby Womack" userId="ad7a5156cd3203ca" providerId="LiveId" clId="{EC62061A-80C7-47AA-AD29-6CEE5135B2BE}" dt="2024-04-24T17:00:51.444" v="739" actId="478"/>
+          <ac:picMkLst>
+            <pc:docMk/>
+            <pc:sldMk cId="2306874658" sldId="260"/>
+            <ac:picMk id="1026" creationId="{B50DD8D9-6BBA-AF86-1D0C-3168B5A49354}"/>
+          </ac:picMkLst>
+        </pc:picChg>
+      </pc:sldChg>
+      <pc:sldChg chg="modSp new mod">
+        <pc:chgData name="Shelby Womack" userId="ad7a5156cd3203ca" providerId="LiveId" clId="{EC62061A-80C7-47AA-AD29-6CEE5135B2BE}" dt="2024-04-24T17:34:01.955" v="1921" actId="20577"/>
+        <pc:sldMkLst>
+          <pc:docMk/>
+          <pc:sldMk cId="1530604066" sldId="261"/>
+        </pc:sldMkLst>
+        <pc:spChg chg="mod">
+          <ac:chgData name="Shelby Womack" userId="ad7a5156cd3203ca" providerId="LiveId" clId="{EC62061A-80C7-47AA-AD29-6CEE5135B2BE}" dt="2024-04-24T17:29:52.398" v="1808" actId="207"/>
+          <ac:spMkLst>
+            <pc:docMk/>
+            <pc:sldMk cId="1530604066" sldId="261"/>
+            <ac:spMk id="2" creationId="{D3A18D81-713F-C4E8-1A4E-F0707B1E247C}"/>
+          </ac:spMkLst>
+        </pc:spChg>
+        <pc:spChg chg="mod">
+          <ac:chgData name="Shelby Womack" userId="ad7a5156cd3203ca" providerId="LiveId" clId="{EC62061A-80C7-47AA-AD29-6CEE5135B2BE}" dt="2024-04-24T17:34:01.955" v="1921" actId="20577"/>
+          <ac:spMkLst>
+            <pc:docMk/>
+            <pc:sldMk cId="1530604066" sldId="261"/>
+            <ac:spMk id="3" creationId="{E1D25DDD-5754-9690-D7F1-707FED2FAE84}"/>
+          </ac:spMkLst>
+        </pc:spChg>
+      </pc:sldChg>
+      <pc:sldChg chg="addSp delSp modSp new mod">
+        <pc:chgData name="Shelby Womack" userId="ad7a5156cd3203ca" providerId="LiveId" clId="{EC62061A-80C7-47AA-AD29-6CEE5135B2BE}" dt="2024-04-24T17:37:52.690" v="2125" actId="22"/>
+        <pc:sldMkLst>
+          <pc:docMk/>
+          <pc:sldMk cId="3181701884" sldId="262"/>
+        </pc:sldMkLst>
+        <pc:spChg chg="mod">
+          <ac:chgData name="Shelby Womack" userId="ad7a5156cd3203ca" providerId="LiveId" clId="{EC62061A-80C7-47AA-AD29-6CEE5135B2BE}" dt="2024-04-24T17:35:10.962" v="1938" actId="403"/>
+          <ac:spMkLst>
+            <pc:docMk/>
+            <pc:sldMk cId="3181701884" sldId="262"/>
+            <ac:spMk id="2" creationId="{6A5D6BC1-00C5-7CFA-9C9F-82DBEE682C26}"/>
+          </ac:spMkLst>
+        </pc:spChg>
+        <pc:spChg chg="mod">
+          <ac:chgData name="Shelby Womack" userId="ad7a5156cd3203ca" providerId="LiveId" clId="{EC62061A-80C7-47AA-AD29-6CEE5135B2BE}" dt="2024-04-24T17:37:39.935" v="2123" actId="20577"/>
+          <ac:spMkLst>
+            <pc:docMk/>
+            <pc:sldMk cId="3181701884" sldId="262"/>
+            <ac:spMk id="3" creationId="{BFC3C03E-1710-19C5-5F9A-6F535926BB7B}"/>
+          </ac:spMkLst>
+        </pc:spChg>
+        <pc:spChg chg="add del">
+          <ac:chgData name="Shelby Womack" userId="ad7a5156cd3203ca" providerId="LiveId" clId="{EC62061A-80C7-47AA-AD29-6CEE5135B2BE}" dt="2024-04-24T17:37:52.690" v="2125" actId="22"/>
+          <ac:spMkLst>
+            <pc:docMk/>
+            <pc:sldMk cId="3181701884" sldId="262"/>
+            <ac:spMk id="5" creationId="{60E3ABC2-5BC5-9CFF-B2F1-28D0E43CEC66}"/>
+          </ac:spMkLst>
+        </pc:spChg>
+      </pc:sldChg>
+      <pc:sldChg chg="modSp new mod setBg">
+        <pc:chgData name="Shelby Womack" userId="ad7a5156cd3203ca" providerId="LiveId" clId="{EC62061A-80C7-47AA-AD29-6CEE5135B2BE}" dt="2024-04-24T17:57:48.606" v="2307" actId="1076"/>
+        <pc:sldMkLst>
+          <pc:docMk/>
+          <pc:sldMk cId="4148339154" sldId="263"/>
+        </pc:sldMkLst>
+        <pc:spChg chg="mod">
+          <ac:chgData name="Shelby Womack" userId="ad7a5156cd3203ca" providerId="LiveId" clId="{EC62061A-80C7-47AA-AD29-6CEE5135B2BE}" dt="2024-04-24T17:38:18.077" v="2157" actId="1076"/>
+          <ac:spMkLst>
+            <pc:docMk/>
+            <pc:sldMk cId="4148339154" sldId="263"/>
+            <ac:spMk id="2" creationId="{63B9595D-8855-5715-67FB-60F884771896}"/>
+          </ac:spMkLst>
+        </pc:spChg>
+        <pc:spChg chg="mod">
+          <ac:chgData name="Shelby Womack" userId="ad7a5156cd3203ca" providerId="LiveId" clId="{EC62061A-80C7-47AA-AD29-6CEE5135B2BE}" dt="2024-04-24T17:57:48.606" v="2307" actId="1076"/>
+          <ac:spMkLst>
+            <pc:docMk/>
+            <pc:sldMk cId="4148339154" sldId="263"/>
+            <ac:spMk id="3" creationId="{3A66FCBC-95D5-63CF-D51D-7E58A54734EB}"/>
+          </ac:spMkLst>
+        </pc:spChg>
+      </pc:sldChg>
+      <pc:sldMasterChg chg="setBg">
+        <pc:chgData name="Shelby Womack" userId="ad7a5156cd3203ca" providerId="LiveId" clId="{EC62061A-80C7-47AA-AD29-6CEE5135B2BE}" dt="2024-04-24T17:02:32.886" v="753"/>
+        <pc:sldMasterMkLst>
+          <pc:docMk/>
+          <pc:sldMasterMk cId="1011005572" sldId="2147483660"/>
+        </pc:sldMasterMkLst>
+      </pc:sldMasterChg>
+    </pc:docChg>
+  </pc:docChgLst>
+</pc:chgInfo>
+</file>
+
 <file path=ppt/slideLayouts/slideLayout1.xml><?xml version="1.0" encoding="utf-8"?>
-<p:sldLayout xmlns:a="http://schemas.openxmlformats.org/drawingml/2006/main" xmlns:r="http://schemas.openxmlformats.org/officeDocument/2006/relationships" xmlns:p="http://schemas.openxmlformats.org/presentationml/2006/main" type="title" preserve="1">
+<p:sldLayout xmlns:a="http://schemas.openxmlformats.org/drawingml/2006/main" xmlns:r="http://schemas.openxmlformats.org/officeDocument/2006/relationships" xmlns:p="http://schemas.openxmlformats.org/presentationml/2006/main" showMasterSp="0" type="title" preserve="1">
   <p:cSld name="Title Slide">
     <p:spTree>
       <p:nvGrpSpPr>
@@ -126,13 +454,7 @@
       </p:grpSpPr>
       <p:sp>
         <p:nvSpPr>
-          <p:cNvPr id="2" name="Title 1">
-            <a:extLst>
-              <a:ext uri="{FF2B5EF4-FFF2-40B4-BE49-F238E27FC236}">
-                <a16:creationId xmlns:a16="http://schemas.microsoft.com/office/drawing/2014/main" id="{03B6AF8E-8A00-5F40-B402-4F8999DB792A}"/>
-              </a:ext>
-            </a:extLst>
-          </p:cNvPr>
+          <p:cNvPr id="2" name="Title 1"/>
           <p:cNvSpPr>
             <a:spLocks noGrp="1"/>
           </p:cNvSpPr>
@@ -142,15 +464,19 @@
         </p:nvSpPr>
         <p:spPr>
           <a:xfrm>
-            <a:off x="1524000" y="1122363"/>
-            <a:ext cx="9144000" cy="2387600"/>
+            <a:off x="684212" y="685799"/>
+            <a:ext cx="8001000" cy="2971801"/>
           </a:xfrm>
         </p:spPr>
         <p:txBody>
-          <a:bodyPr anchor="b"/>
+          <a:bodyPr anchor="b">
+            <a:normAutofit/>
+          </a:bodyPr>
           <a:lstStyle>
-            <a:lvl1pPr algn="ctr">
-              <a:defRPr sz="6000"/>
+            <a:lvl1pPr algn="l">
+              <a:defRPr sz="4800">
+                <a:effectLst/>
+              </a:defRPr>
             </a:lvl1pPr>
           </a:lstStyle>
           <a:p>
@@ -158,18 +484,13 @@
               <a:rPr lang="en-US"/>
               <a:t>Click to edit Master title style</a:t>
             </a:r>
-          </a:p>
-        </p:txBody>
-      </p:sp>
-      <p:sp>
-        <p:nvSpPr>
-          <p:cNvPr id="3" name="Subtitle 2">
-            <a:extLst>
-              <a:ext uri="{FF2B5EF4-FFF2-40B4-BE49-F238E27FC236}">
-                <a16:creationId xmlns:a16="http://schemas.microsoft.com/office/drawing/2014/main" id="{CAAC3616-E5D1-089A-BDD6-8BCA6295A009}"/>
-              </a:ext>
-            </a:extLst>
-          </p:cNvPr>
+            <a:endParaRPr lang="en-US" dirty="0"/>
+          </a:p>
+        </p:txBody>
+      </p:sp>
+      <p:sp>
+        <p:nvSpPr>
+          <p:cNvPr id="3" name="Subtitle 2"/>
           <p:cNvSpPr>
             <a:spLocks noGrp="1"/>
           </p:cNvSpPr>
@@ -179,48 +500,104 @@
         </p:nvSpPr>
         <p:spPr>
           <a:xfrm>
-            <a:off x="1524000" y="3602038"/>
-            <a:ext cx="9144000" cy="1655762"/>
+            <a:off x="684212" y="3843867"/>
+            <a:ext cx="6400800" cy="1947333"/>
           </a:xfrm>
         </p:spPr>
         <p:txBody>
-          <a:bodyPr/>
+          <a:bodyPr anchor="t">
+            <a:normAutofit/>
+          </a:bodyPr>
           <a:lstStyle>
-            <a:lvl1pPr marL="0" indent="0" algn="ctr">
-              <a:buNone/>
-              <a:defRPr sz="2400"/>
+            <a:lvl1pPr marL="0" indent="0" algn="l">
+              <a:buNone/>
+              <a:defRPr sz="2100">
+                <a:solidFill>
+                  <a:schemeClr val="bg2">
+                    <a:lumMod val="75000"/>
+                  </a:schemeClr>
+                </a:solidFill>
+              </a:defRPr>
             </a:lvl1pPr>
             <a:lvl2pPr marL="457200" indent="0" algn="ctr">
               <a:buNone/>
-              <a:defRPr sz="2000"/>
+              <a:defRPr>
+                <a:solidFill>
+                  <a:schemeClr val="tx1">
+                    <a:tint val="75000"/>
+                  </a:schemeClr>
+                </a:solidFill>
+              </a:defRPr>
             </a:lvl2pPr>
             <a:lvl3pPr marL="914400" indent="0" algn="ctr">
               <a:buNone/>
-              <a:defRPr sz="1800"/>
+              <a:defRPr>
+                <a:solidFill>
+                  <a:schemeClr val="tx1">
+                    <a:tint val="75000"/>
+                  </a:schemeClr>
+                </a:solidFill>
+              </a:defRPr>
             </a:lvl3pPr>
             <a:lvl4pPr marL="1371600" indent="0" algn="ctr">
               <a:buNone/>
-              <a:defRPr sz="1600"/>
+              <a:defRPr>
+                <a:solidFill>
+                  <a:schemeClr val="tx1">
+                    <a:tint val="75000"/>
+                  </a:schemeClr>
+                </a:solidFill>
+              </a:defRPr>
             </a:lvl4pPr>
             <a:lvl5pPr marL="1828800" indent="0" algn="ctr">
               <a:buNone/>
-              <a:defRPr sz="1600"/>
+              <a:defRPr>
+                <a:solidFill>
+                  <a:schemeClr val="tx1">
+                    <a:tint val="75000"/>
+                  </a:schemeClr>
+                </a:solidFill>
+              </a:defRPr>
             </a:lvl5pPr>
             <a:lvl6pPr marL="2286000" indent="0" algn="ctr">
               <a:buNone/>
-              <a:defRPr sz="1600"/>
+              <a:defRPr>
+                <a:solidFill>
+                  <a:schemeClr val="tx1">
+                    <a:tint val="75000"/>
+                  </a:schemeClr>
+                </a:solidFill>
+              </a:defRPr>
             </a:lvl6pPr>
             <a:lvl7pPr marL="2743200" indent="0" algn="ctr">
               <a:buNone/>
-              <a:defRPr sz="1600"/>
+              <a:defRPr>
+                <a:solidFill>
+                  <a:schemeClr val="tx1">
+                    <a:tint val="75000"/>
+                  </a:schemeClr>
+                </a:solidFill>
+              </a:defRPr>
             </a:lvl7pPr>
             <a:lvl8pPr marL="3200400" indent="0" algn="ctr">
               <a:buNone/>
-              <a:defRPr sz="1600"/>
+              <a:defRPr>
+                <a:solidFill>
+                  <a:schemeClr val="tx1">
+                    <a:tint val="75000"/>
+                  </a:schemeClr>
+                </a:solidFill>
+              </a:defRPr>
             </a:lvl8pPr>
             <a:lvl9pPr marL="3657600" indent="0" algn="ctr">
               <a:buNone/>
-              <a:defRPr sz="1600"/>
+              <a:defRPr>
+                <a:solidFill>
+                  <a:schemeClr val="tx1">
+                    <a:tint val="75000"/>
+                  </a:schemeClr>
+                </a:solidFill>
+              </a:defRPr>
             </a:lvl9pPr>
           </a:lstStyle>
           <a:p>
@@ -228,18 +605,13 @@
               <a:rPr lang="en-US"/>
               <a:t>Click to edit Master subtitle style</a:t>
             </a:r>
-          </a:p>
-        </p:txBody>
-      </p:sp>
-      <p:sp>
-        <p:nvSpPr>
-          <p:cNvPr id="4" name="Date Placeholder 3">
-            <a:extLst>
-              <a:ext uri="{FF2B5EF4-FFF2-40B4-BE49-F238E27FC236}">
-                <a16:creationId xmlns:a16="http://schemas.microsoft.com/office/drawing/2014/main" id="{20A7BC82-AC17-EB35-A029-07BBEE281F2A}"/>
-              </a:ext>
-            </a:extLst>
-          </p:cNvPr>
+            <a:endParaRPr lang="en-US" dirty="0"/>
+          </a:p>
+        </p:txBody>
+      </p:sp>
+      <p:sp>
+        <p:nvSpPr>
+          <p:cNvPr id="4" name="Date Placeholder 3"/>
           <p:cNvSpPr>
             <a:spLocks noGrp="1"/>
           </p:cNvSpPr>
@@ -254,7 +626,7 @@
           <a:p>
             <a:fld id="{732EEB44-E32F-4EDD-9550-1B249E681FA6}" type="datetimeFigureOut">
               <a:rPr lang="en-US" smtClean="0"/>
-              <a:t>4/23/2024</a:t>
+              <a:t>4/24/2024</a:t>
             </a:fld>
             <a:endParaRPr lang="en-US"/>
           </a:p>
@@ -262,13 +634,7 @@
       </p:sp>
       <p:sp>
         <p:nvSpPr>
-          <p:cNvPr id="5" name="Footer Placeholder 4">
-            <a:extLst>
-              <a:ext uri="{FF2B5EF4-FFF2-40B4-BE49-F238E27FC236}">
-                <a16:creationId xmlns:a16="http://schemas.microsoft.com/office/drawing/2014/main" id="{25FFA442-8E37-334F-0FE9-0D584FC1CABB}"/>
-              </a:ext>
-            </a:extLst>
-          </p:cNvPr>
+          <p:cNvPr id="5" name="Footer Placeholder 4"/>
           <p:cNvSpPr>
             <a:spLocks noGrp="1"/>
           </p:cNvSpPr>
@@ -287,13 +653,7 @@
       </p:sp>
       <p:sp>
         <p:nvSpPr>
-          <p:cNvPr id="6" name="Slide Number Placeholder 5">
-            <a:extLst>
-              <a:ext uri="{FF2B5EF4-FFF2-40B4-BE49-F238E27FC236}">
-                <a16:creationId xmlns:a16="http://schemas.microsoft.com/office/drawing/2014/main" id="{CAB7259B-EB58-8179-0AA2-F8560921357E}"/>
-              </a:ext>
-            </a:extLst>
-          </p:cNvPr>
+          <p:cNvPr id="6" name="Slide Number Placeholder 5"/>
           <p:cNvSpPr>
             <a:spLocks noGrp="1"/>
           </p:cNvSpPr>
@@ -314,10 +674,185 @@
           </a:p>
         </p:txBody>
       </p:sp>
+      <p:cxnSp>
+        <p:nvCxnSpPr>
+          <p:cNvPr id="16" name="Straight Connector 15"/>
+          <p:cNvCxnSpPr/>
+          <p:nvPr/>
+        </p:nvCxnSpPr>
+        <p:spPr>
+          <a:xfrm flipH="1">
+            <a:off x="8228012" y="8467"/>
+            <a:ext cx="3810000" cy="3810000"/>
+          </a:xfrm>
+          <a:prstGeom prst="line">
+            <a:avLst/>
+          </a:prstGeom>
+          <a:ln w="12700">
+            <a:solidFill>
+              <a:schemeClr val="tx1"/>
+            </a:solidFill>
+          </a:ln>
+        </p:spPr>
+        <p:style>
+          <a:lnRef idx="2">
+            <a:schemeClr val="accent1"/>
+          </a:lnRef>
+          <a:fillRef idx="0">
+            <a:schemeClr val="accent1"/>
+          </a:fillRef>
+          <a:effectRef idx="1">
+            <a:schemeClr val="accent1"/>
+          </a:effectRef>
+          <a:fontRef idx="minor">
+            <a:schemeClr val="tx1"/>
+          </a:fontRef>
+        </p:style>
+      </p:cxnSp>
+      <p:cxnSp>
+        <p:nvCxnSpPr>
+          <p:cNvPr id="17" name="Straight Connector 16"/>
+          <p:cNvCxnSpPr/>
+          <p:nvPr/>
+        </p:nvCxnSpPr>
+        <p:spPr>
+          <a:xfrm flipH="1">
+            <a:off x="6108170" y="91545"/>
+            <a:ext cx="6080655" cy="6080655"/>
+          </a:xfrm>
+          <a:prstGeom prst="line">
+            <a:avLst/>
+          </a:prstGeom>
+          <a:ln w="12700">
+            <a:solidFill>
+              <a:schemeClr val="tx1"/>
+            </a:solidFill>
+          </a:ln>
+        </p:spPr>
+        <p:style>
+          <a:lnRef idx="2">
+            <a:schemeClr val="accent1"/>
+          </a:lnRef>
+          <a:fillRef idx="0">
+            <a:schemeClr val="accent1"/>
+          </a:fillRef>
+          <a:effectRef idx="1">
+            <a:schemeClr val="accent1"/>
+          </a:effectRef>
+          <a:fontRef idx="minor">
+            <a:schemeClr val="tx1"/>
+          </a:fontRef>
+        </p:style>
+      </p:cxnSp>
+      <p:cxnSp>
+        <p:nvCxnSpPr>
+          <p:cNvPr id="19" name="Straight Connector 18"/>
+          <p:cNvCxnSpPr/>
+          <p:nvPr/>
+        </p:nvCxnSpPr>
+        <p:spPr>
+          <a:xfrm flipH="1">
+            <a:off x="7235825" y="228600"/>
+            <a:ext cx="4953000" cy="4953000"/>
+          </a:xfrm>
+          <a:prstGeom prst="line">
+            <a:avLst/>
+          </a:prstGeom>
+          <a:ln w="12700">
+            <a:solidFill>
+              <a:schemeClr val="tx1"/>
+            </a:solidFill>
+          </a:ln>
+        </p:spPr>
+        <p:style>
+          <a:lnRef idx="2">
+            <a:schemeClr val="accent1"/>
+          </a:lnRef>
+          <a:fillRef idx="0">
+            <a:schemeClr val="accent1"/>
+          </a:fillRef>
+          <a:effectRef idx="1">
+            <a:schemeClr val="accent1"/>
+          </a:effectRef>
+          <a:fontRef idx="minor">
+            <a:schemeClr val="tx1"/>
+          </a:fontRef>
+        </p:style>
+      </p:cxnSp>
+      <p:cxnSp>
+        <p:nvCxnSpPr>
+          <p:cNvPr id="21" name="Straight Connector 20"/>
+          <p:cNvCxnSpPr/>
+          <p:nvPr/>
+        </p:nvCxnSpPr>
+        <p:spPr>
+          <a:xfrm flipH="1">
+            <a:off x="7335837" y="32278"/>
+            <a:ext cx="4852989" cy="4852989"/>
+          </a:xfrm>
+          <a:prstGeom prst="line">
+            <a:avLst/>
+          </a:prstGeom>
+          <a:ln w="31750">
+            <a:solidFill>
+              <a:schemeClr val="tx1"/>
+            </a:solidFill>
+          </a:ln>
+        </p:spPr>
+        <p:style>
+          <a:lnRef idx="2">
+            <a:schemeClr val="accent1"/>
+          </a:lnRef>
+          <a:fillRef idx="0">
+            <a:schemeClr val="accent1"/>
+          </a:fillRef>
+          <a:effectRef idx="1">
+            <a:schemeClr val="accent1"/>
+          </a:effectRef>
+          <a:fontRef idx="minor">
+            <a:schemeClr val="tx1"/>
+          </a:fontRef>
+        </p:style>
+      </p:cxnSp>
+      <p:cxnSp>
+        <p:nvCxnSpPr>
+          <p:cNvPr id="23" name="Straight Connector 22"/>
+          <p:cNvCxnSpPr/>
+          <p:nvPr/>
+        </p:nvCxnSpPr>
+        <p:spPr>
+          <a:xfrm flipH="1">
+            <a:off x="7845426" y="609601"/>
+            <a:ext cx="4343399" cy="4343399"/>
+          </a:xfrm>
+          <a:prstGeom prst="line">
+            <a:avLst/>
+          </a:prstGeom>
+          <a:ln w="31750">
+            <a:solidFill>
+              <a:schemeClr val="tx1"/>
+            </a:solidFill>
+          </a:ln>
+        </p:spPr>
+        <p:style>
+          <a:lnRef idx="2">
+            <a:schemeClr val="accent1"/>
+          </a:lnRef>
+          <a:fillRef idx="0">
+            <a:schemeClr val="accent1"/>
+          </a:fillRef>
+          <a:effectRef idx="1">
+            <a:schemeClr val="accent1"/>
+          </a:effectRef>
+          <a:fontRef idx="minor">
+            <a:schemeClr val="tx1"/>
+          </a:fontRef>
+        </p:style>
+      </p:cxnSp>
     </p:spTree>
     <p:extLst>
       <p:ext uri="{BB962C8B-B14F-4D97-AF65-F5344CB8AC3E}">
-        <p14:creationId xmlns:p14="http://schemas.microsoft.com/office/powerpoint/2010/main" val="681006744"/>
+        <p14:creationId xmlns:p14="http://schemas.microsoft.com/office/powerpoint/2010/main" val="2823528398"/>
       </p:ext>
     </p:extLst>
   </p:cSld>
@@ -328,6 +863,1812 @@
 </file>
 
 <file path=ppt/slideLayouts/slideLayout10.xml><?xml version="1.0" encoding="utf-8"?>
+<p:sldLayout xmlns:a="http://schemas.openxmlformats.org/drawingml/2006/main" xmlns:r="http://schemas.openxmlformats.org/officeDocument/2006/relationships" xmlns:p="http://schemas.openxmlformats.org/presentationml/2006/main" preserve="1">
+  <p:cSld name="Panoramic Picture with Caption">
+    <p:spTree>
+      <p:nvGrpSpPr>
+        <p:cNvPr id="1" name=""/>
+        <p:cNvGrpSpPr/>
+        <p:nvPr/>
+      </p:nvGrpSpPr>
+      <p:grpSpPr>
+        <a:xfrm>
+          <a:off x="0" y="0"/>
+          <a:ext cx="0" cy="0"/>
+          <a:chOff x="0" y="0"/>
+          <a:chExt cx="0" cy="0"/>
+        </a:xfrm>
+      </p:grpSpPr>
+      <p:sp>
+        <p:nvSpPr>
+          <p:cNvPr id="2" name="Title 1"/>
+          <p:cNvSpPr>
+            <a:spLocks noGrp="1"/>
+          </p:cNvSpPr>
+          <p:nvPr>
+            <p:ph type="title"/>
+          </p:nvPr>
+        </p:nvSpPr>
+        <p:spPr/>
+        <p:txBody>
+          <a:bodyPr/>
+          <a:lstStyle/>
+          <a:p>
+            <a:r>
+              <a:rPr lang="en-US"/>
+              <a:t>Click to edit Master title style</a:t>
+            </a:r>
+            <a:endParaRPr lang="en-US" dirty="0"/>
+          </a:p>
+        </p:txBody>
+      </p:sp>
+      <p:sp>
+        <p:nvSpPr>
+          <p:cNvPr id="17" name="Picture Placeholder 2"/>
+          <p:cNvSpPr>
+            <a:spLocks noGrp="1" noChangeAspect="1"/>
+          </p:cNvSpPr>
+          <p:nvPr>
+            <p:ph type="pic" idx="13"/>
+          </p:nvPr>
+        </p:nvSpPr>
+        <p:spPr>
+          <a:xfrm>
+            <a:off x="685800" y="533400"/>
+            <a:ext cx="10818812" cy="3124200"/>
+          </a:xfrm>
+          <a:prstGeom prst="snip2DiagRect">
+            <a:avLst>
+              <a:gd name="adj1" fmla="val 10815"/>
+              <a:gd name="adj2" fmla="val 0"/>
+            </a:avLst>
+          </a:prstGeom>
+          <a:ln w="15875">
+            <a:solidFill>
+              <a:schemeClr val="tx1">
+                <a:alpha val="40000"/>
+              </a:schemeClr>
+            </a:solidFill>
+          </a:ln>
+          <a:effectLst>
+            <a:innerShdw blurRad="57150" dist="38100" dir="14460000">
+              <a:srgbClr val="000000">
+                <a:alpha val="70000"/>
+              </a:srgbClr>
+            </a:innerShdw>
+          </a:effectLst>
+        </p:spPr>
+        <p:txBody>
+          <a:bodyPr anchor="t">
+            <a:normAutofit/>
+          </a:bodyPr>
+          <a:lstStyle>
+            <a:lvl1pPr marL="0" indent="0" algn="ctr">
+              <a:buNone/>
+              <a:defRPr sz="1600"/>
+            </a:lvl1pPr>
+            <a:lvl2pPr marL="457200" indent="0">
+              <a:buNone/>
+              <a:defRPr sz="1600"/>
+            </a:lvl2pPr>
+            <a:lvl3pPr marL="914400" indent="0">
+              <a:buNone/>
+              <a:defRPr sz="1600"/>
+            </a:lvl3pPr>
+            <a:lvl4pPr marL="1371600" indent="0">
+              <a:buNone/>
+              <a:defRPr sz="1600"/>
+            </a:lvl4pPr>
+            <a:lvl5pPr marL="1828800" indent="0">
+              <a:buNone/>
+              <a:defRPr sz="1600"/>
+            </a:lvl5pPr>
+            <a:lvl6pPr marL="2286000" indent="0">
+              <a:buNone/>
+              <a:defRPr sz="1600"/>
+            </a:lvl6pPr>
+            <a:lvl7pPr marL="2743200" indent="0">
+              <a:buNone/>
+              <a:defRPr sz="1600"/>
+            </a:lvl7pPr>
+            <a:lvl8pPr marL="3200400" indent="0">
+              <a:buNone/>
+              <a:defRPr sz="1600"/>
+            </a:lvl8pPr>
+            <a:lvl9pPr marL="3657600" indent="0">
+              <a:buNone/>
+              <a:defRPr sz="1600"/>
+            </a:lvl9pPr>
+          </a:lstStyle>
+          <a:p>
+            <a:r>
+              <a:rPr lang="en-US"/>
+              <a:t>Click icon to add picture</a:t>
+            </a:r>
+            <a:endParaRPr lang="en-US" dirty="0"/>
+          </a:p>
+        </p:txBody>
+      </p:sp>
+      <p:sp>
+        <p:nvSpPr>
+          <p:cNvPr id="16" name="Text Placeholder 9"/>
+          <p:cNvSpPr>
+            <a:spLocks noGrp="1"/>
+          </p:cNvSpPr>
+          <p:nvPr>
+            <p:ph type="body" sz="quarter" idx="14"/>
+          </p:nvPr>
+        </p:nvSpPr>
+        <p:spPr>
+          <a:xfrm>
+            <a:off x="914402" y="3843867"/>
+            <a:ext cx="8304210" cy="457200"/>
+          </a:xfrm>
+        </p:spPr>
+        <p:txBody>
+          <a:bodyPr anchor="t">
+            <a:normAutofit/>
+          </a:bodyPr>
+          <a:lstStyle>
+            <a:lvl1pPr marL="0" indent="0">
+              <a:buFontTx/>
+              <a:buNone/>
+              <a:defRPr sz="1600"/>
+            </a:lvl1pPr>
+            <a:lvl2pPr marL="457200" indent="0">
+              <a:buFontTx/>
+              <a:buNone/>
+              <a:defRPr/>
+            </a:lvl2pPr>
+            <a:lvl3pPr marL="914400" indent="0">
+              <a:buFontTx/>
+              <a:buNone/>
+              <a:defRPr/>
+            </a:lvl3pPr>
+            <a:lvl4pPr marL="1371600" indent="0">
+              <a:buFontTx/>
+              <a:buNone/>
+              <a:defRPr/>
+            </a:lvl4pPr>
+            <a:lvl5pPr marL="1828800" indent="0">
+              <a:buFontTx/>
+              <a:buNone/>
+              <a:defRPr/>
+            </a:lvl5pPr>
+          </a:lstStyle>
+          <a:p>
+            <a:pPr lvl="0"/>
+            <a:r>
+              <a:rPr lang="en-US"/>
+              <a:t>Click to edit Master text styles</a:t>
+            </a:r>
+          </a:p>
+        </p:txBody>
+      </p:sp>
+      <p:sp>
+        <p:nvSpPr>
+          <p:cNvPr id="3" name="Date Placeholder 2"/>
+          <p:cNvSpPr>
+            <a:spLocks noGrp="1"/>
+          </p:cNvSpPr>
+          <p:nvPr>
+            <p:ph type="dt" sz="half" idx="10"/>
+          </p:nvPr>
+        </p:nvSpPr>
+        <p:spPr/>
+        <p:txBody>
+          <a:bodyPr/>
+          <a:lstStyle/>
+          <a:p>
+            <a:fld id="{732EEB44-E32F-4EDD-9550-1B249E681FA6}" type="datetimeFigureOut">
+              <a:rPr lang="en-US" smtClean="0"/>
+              <a:t>4/24/2024</a:t>
+            </a:fld>
+            <a:endParaRPr lang="en-US"/>
+          </a:p>
+        </p:txBody>
+      </p:sp>
+      <p:sp>
+        <p:nvSpPr>
+          <p:cNvPr id="4" name="Footer Placeholder 3"/>
+          <p:cNvSpPr>
+            <a:spLocks noGrp="1"/>
+          </p:cNvSpPr>
+          <p:nvPr>
+            <p:ph type="ftr" sz="quarter" idx="11"/>
+          </p:nvPr>
+        </p:nvSpPr>
+        <p:spPr/>
+        <p:txBody>
+          <a:bodyPr/>
+          <a:lstStyle/>
+          <a:p>
+            <a:endParaRPr lang="en-US"/>
+          </a:p>
+        </p:txBody>
+      </p:sp>
+      <p:sp>
+        <p:nvSpPr>
+          <p:cNvPr id="5" name="Slide Number Placeholder 4"/>
+          <p:cNvSpPr>
+            <a:spLocks noGrp="1"/>
+          </p:cNvSpPr>
+          <p:nvPr>
+            <p:ph type="sldNum" sz="quarter" idx="12"/>
+          </p:nvPr>
+        </p:nvSpPr>
+        <p:spPr/>
+        <p:txBody>
+          <a:bodyPr/>
+          <a:lstStyle/>
+          <a:p>
+            <a:fld id="{37AF1C2E-A720-4AE5-9A50-FB90977E5D54}" type="slidenum">
+              <a:rPr lang="en-US" smtClean="0"/>
+              <a:t>‹#›</a:t>
+            </a:fld>
+            <a:endParaRPr lang="en-US"/>
+          </a:p>
+        </p:txBody>
+      </p:sp>
+    </p:spTree>
+    <p:extLst>
+      <p:ext uri="{BB962C8B-B14F-4D97-AF65-F5344CB8AC3E}">
+        <p14:creationId xmlns:p14="http://schemas.microsoft.com/office/powerpoint/2010/main" val="366559684"/>
+      </p:ext>
+    </p:extLst>
+  </p:cSld>
+  <p:clrMapOvr>
+    <a:masterClrMapping/>
+  </p:clrMapOvr>
+</p:sldLayout>
+</file>
+
+<file path=ppt/slideLayouts/slideLayout11.xml><?xml version="1.0" encoding="utf-8"?>
+<p:sldLayout xmlns:a="http://schemas.openxmlformats.org/drawingml/2006/main" xmlns:r="http://schemas.openxmlformats.org/officeDocument/2006/relationships" xmlns:p="http://schemas.openxmlformats.org/presentationml/2006/main" preserve="1">
+  <p:cSld name="Title and Caption">
+    <p:spTree>
+      <p:nvGrpSpPr>
+        <p:cNvPr id="1" name=""/>
+        <p:cNvGrpSpPr/>
+        <p:nvPr/>
+      </p:nvGrpSpPr>
+      <p:grpSpPr>
+        <a:xfrm>
+          <a:off x="0" y="0"/>
+          <a:ext cx="0" cy="0"/>
+          <a:chOff x="0" y="0"/>
+          <a:chExt cx="0" cy="0"/>
+        </a:xfrm>
+      </p:grpSpPr>
+      <p:sp>
+        <p:nvSpPr>
+          <p:cNvPr id="2" name="Title 1"/>
+          <p:cNvSpPr>
+            <a:spLocks noGrp="1"/>
+          </p:cNvSpPr>
+          <p:nvPr>
+            <p:ph type="title"/>
+          </p:nvPr>
+        </p:nvSpPr>
+        <p:spPr>
+          <a:xfrm>
+            <a:off x="684213" y="685800"/>
+            <a:ext cx="10058400" cy="2743200"/>
+          </a:xfrm>
+        </p:spPr>
+        <p:txBody>
+          <a:bodyPr anchor="ctr">
+            <a:normAutofit/>
+          </a:bodyPr>
+          <a:lstStyle>
+            <a:lvl1pPr algn="l">
+              <a:defRPr sz="3200" b="0" cap="all"/>
+            </a:lvl1pPr>
+          </a:lstStyle>
+          <a:p>
+            <a:r>
+              <a:rPr lang="en-US"/>
+              <a:t>Click to edit Master title style</a:t>
+            </a:r>
+            <a:endParaRPr lang="en-US" dirty="0"/>
+          </a:p>
+        </p:txBody>
+      </p:sp>
+      <p:sp>
+        <p:nvSpPr>
+          <p:cNvPr id="3" name="Text Placeholder 2"/>
+          <p:cNvSpPr>
+            <a:spLocks noGrp="1"/>
+          </p:cNvSpPr>
+          <p:nvPr>
+            <p:ph type="body" idx="1"/>
+          </p:nvPr>
+        </p:nvSpPr>
+        <p:spPr>
+          <a:xfrm>
+            <a:off x="684212" y="4114800"/>
+            <a:ext cx="8535988" cy="1879600"/>
+          </a:xfrm>
+        </p:spPr>
+        <p:txBody>
+          <a:bodyPr anchor="ctr">
+            <a:normAutofit/>
+          </a:bodyPr>
+          <a:lstStyle>
+            <a:lvl1pPr marL="0" indent="0" algn="l">
+              <a:buNone/>
+              <a:defRPr sz="2000">
+                <a:solidFill>
+                  <a:schemeClr val="bg2">
+                    <a:lumMod val="75000"/>
+                  </a:schemeClr>
+                </a:solidFill>
+              </a:defRPr>
+            </a:lvl1pPr>
+            <a:lvl2pPr marL="457200" indent="0">
+              <a:buNone/>
+              <a:defRPr sz="1800">
+                <a:solidFill>
+                  <a:schemeClr val="tx1">
+                    <a:tint val="75000"/>
+                  </a:schemeClr>
+                </a:solidFill>
+              </a:defRPr>
+            </a:lvl2pPr>
+            <a:lvl3pPr marL="914400" indent="0">
+              <a:buNone/>
+              <a:defRPr sz="1600">
+                <a:solidFill>
+                  <a:schemeClr val="tx1">
+                    <a:tint val="75000"/>
+                  </a:schemeClr>
+                </a:solidFill>
+              </a:defRPr>
+            </a:lvl3pPr>
+            <a:lvl4pPr marL="1371600" indent="0">
+              <a:buNone/>
+              <a:defRPr sz="1400">
+                <a:solidFill>
+                  <a:schemeClr val="tx1">
+                    <a:tint val="75000"/>
+                  </a:schemeClr>
+                </a:solidFill>
+              </a:defRPr>
+            </a:lvl4pPr>
+            <a:lvl5pPr marL="1828800" indent="0">
+              <a:buNone/>
+              <a:defRPr sz="1400">
+                <a:solidFill>
+                  <a:schemeClr val="tx1">
+                    <a:tint val="75000"/>
+                  </a:schemeClr>
+                </a:solidFill>
+              </a:defRPr>
+            </a:lvl5pPr>
+            <a:lvl6pPr marL="2286000" indent="0">
+              <a:buNone/>
+              <a:defRPr sz="1400">
+                <a:solidFill>
+                  <a:schemeClr val="tx1">
+                    <a:tint val="75000"/>
+                  </a:schemeClr>
+                </a:solidFill>
+              </a:defRPr>
+            </a:lvl6pPr>
+            <a:lvl7pPr marL="2743200" indent="0">
+              <a:buNone/>
+              <a:defRPr sz="1400">
+                <a:solidFill>
+                  <a:schemeClr val="tx1">
+                    <a:tint val="75000"/>
+                  </a:schemeClr>
+                </a:solidFill>
+              </a:defRPr>
+            </a:lvl7pPr>
+            <a:lvl8pPr marL="3200400" indent="0">
+              <a:buNone/>
+              <a:defRPr sz="1400">
+                <a:solidFill>
+                  <a:schemeClr val="tx1">
+                    <a:tint val="75000"/>
+                  </a:schemeClr>
+                </a:solidFill>
+              </a:defRPr>
+            </a:lvl8pPr>
+            <a:lvl9pPr marL="3657600" indent="0">
+              <a:buNone/>
+              <a:defRPr sz="1400">
+                <a:solidFill>
+                  <a:schemeClr val="tx1">
+                    <a:tint val="75000"/>
+                  </a:schemeClr>
+                </a:solidFill>
+              </a:defRPr>
+            </a:lvl9pPr>
+          </a:lstStyle>
+          <a:p>
+            <a:pPr lvl="0"/>
+            <a:r>
+              <a:rPr lang="en-US"/>
+              <a:t>Click to edit Master text styles</a:t>
+            </a:r>
+          </a:p>
+        </p:txBody>
+      </p:sp>
+      <p:sp>
+        <p:nvSpPr>
+          <p:cNvPr id="4" name="Date Placeholder 3"/>
+          <p:cNvSpPr>
+            <a:spLocks noGrp="1"/>
+          </p:cNvSpPr>
+          <p:nvPr>
+            <p:ph type="dt" sz="half" idx="10"/>
+          </p:nvPr>
+        </p:nvSpPr>
+        <p:spPr/>
+        <p:txBody>
+          <a:bodyPr/>
+          <a:lstStyle/>
+          <a:p>
+            <a:fld id="{732EEB44-E32F-4EDD-9550-1B249E681FA6}" type="datetimeFigureOut">
+              <a:rPr lang="en-US" smtClean="0"/>
+              <a:t>4/24/2024</a:t>
+            </a:fld>
+            <a:endParaRPr lang="en-US"/>
+          </a:p>
+        </p:txBody>
+      </p:sp>
+      <p:sp>
+        <p:nvSpPr>
+          <p:cNvPr id="5" name="Footer Placeholder 4"/>
+          <p:cNvSpPr>
+            <a:spLocks noGrp="1"/>
+          </p:cNvSpPr>
+          <p:nvPr>
+            <p:ph type="ftr" sz="quarter" idx="11"/>
+          </p:nvPr>
+        </p:nvSpPr>
+        <p:spPr/>
+        <p:txBody>
+          <a:bodyPr/>
+          <a:lstStyle/>
+          <a:p>
+            <a:endParaRPr lang="en-US"/>
+          </a:p>
+        </p:txBody>
+      </p:sp>
+      <p:sp>
+        <p:nvSpPr>
+          <p:cNvPr id="6" name="Slide Number Placeholder 5"/>
+          <p:cNvSpPr>
+            <a:spLocks noGrp="1"/>
+          </p:cNvSpPr>
+          <p:nvPr>
+            <p:ph type="sldNum" sz="quarter" idx="12"/>
+          </p:nvPr>
+        </p:nvSpPr>
+        <p:spPr/>
+        <p:txBody>
+          <a:bodyPr/>
+          <a:lstStyle/>
+          <a:p>
+            <a:fld id="{37AF1C2E-A720-4AE5-9A50-FB90977E5D54}" type="slidenum">
+              <a:rPr lang="en-US" smtClean="0"/>
+              <a:t>‹#›</a:t>
+            </a:fld>
+            <a:endParaRPr lang="en-US"/>
+          </a:p>
+        </p:txBody>
+      </p:sp>
+    </p:spTree>
+    <p:extLst>
+      <p:ext uri="{BB962C8B-B14F-4D97-AF65-F5344CB8AC3E}">
+        <p14:creationId xmlns:p14="http://schemas.microsoft.com/office/powerpoint/2010/main" val="3984554573"/>
+      </p:ext>
+    </p:extLst>
+  </p:cSld>
+  <p:clrMapOvr>
+    <a:masterClrMapping/>
+  </p:clrMapOvr>
+</p:sldLayout>
+</file>
+
+<file path=ppt/slideLayouts/slideLayout12.xml><?xml version="1.0" encoding="utf-8"?>
+<p:sldLayout xmlns:a="http://schemas.openxmlformats.org/drawingml/2006/main" xmlns:r="http://schemas.openxmlformats.org/officeDocument/2006/relationships" xmlns:p="http://schemas.openxmlformats.org/presentationml/2006/main" preserve="1">
+  <p:cSld name="Quote with Caption">
+    <p:spTree>
+      <p:nvGrpSpPr>
+        <p:cNvPr id="1" name=""/>
+        <p:cNvGrpSpPr/>
+        <p:nvPr/>
+      </p:nvGrpSpPr>
+      <p:grpSpPr>
+        <a:xfrm>
+          <a:off x="0" y="0"/>
+          <a:ext cx="0" cy="0"/>
+          <a:chOff x="0" y="0"/>
+          <a:chExt cx="0" cy="0"/>
+        </a:xfrm>
+      </p:grpSpPr>
+      <p:sp>
+        <p:nvSpPr>
+          <p:cNvPr id="2" name="Title 1"/>
+          <p:cNvSpPr>
+            <a:spLocks noGrp="1"/>
+          </p:cNvSpPr>
+          <p:nvPr>
+            <p:ph type="title"/>
+          </p:nvPr>
+        </p:nvSpPr>
+        <p:spPr>
+          <a:xfrm>
+            <a:off x="1141411" y="685800"/>
+            <a:ext cx="9144001" cy="2743200"/>
+          </a:xfrm>
+        </p:spPr>
+        <p:txBody>
+          <a:bodyPr anchor="ctr">
+            <a:normAutofit/>
+          </a:bodyPr>
+          <a:lstStyle>
+            <a:lvl1pPr algn="l">
+              <a:defRPr sz="3200" b="0" cap="all">
+                <a:solidFill>
+                  <a:schemeClr val="tx1"/>
+                </a:solidFill>
+              </a:defRPr>
+            </a:lvl1pPr>
+          </a:lstStyle>
+          <a:p>
+            <a:r>
+              <a:rPr lang="en-US"/>
+              <a:t>Click to edit Master title style</a:t>
+            </a:r>
+            <a:endParaRPr lang="en-US" dirty="0"/>
+          </a:p>
+        </p:txBody>
+      </p:sp>
+      <p:sp>
+        <p:nvSpPr>
+          <p:cNvPr id="10" name="Text Placeholder 9"/>
+          <p:cNvSpPr>
+            <a:spLocks noGrp="1"/>
+          </p:cNvSpPr>
+          <p:nvPr>
+            <p:ph type="body" sz="quarter" idx="13"/>
+          </p:nvPr>
+        </p:nvSpPr>
+        <p:spPr>
+          <a:xfrm>
+            <a:off x="1446212" y="3429000"/>
+            <a:ext cx="8534400" cy="381000"/>
+          </a:xfrm>
+        </p:spPr>
+        <p:txBody>
+          <a:bodyPr anchor="ctr"/>
+          <a:lstStyle>
+            <a:lvl1pPr marL="0" indent="0">
+              <a:buFontTx/>
+              <a:buNone/>
+              <a:defRPr/>
+            </a:lvl1pPr>
+            <a:lvl2pPr marL="457200" indent="0">
+              <a:buFontTx/>
+              <a:buNone/>
+              <a:defRPr/>
+            </a:lvl2pPr>
+            <a:lvl3pPr marL="914400" indent="0">
+              <a:buFontTx/>
+              <a:buNone/>
+              <a:defRPr/>
+            </a:lvl3pPr>
+            <a:lvl4pPr marL="1371600" indent="0">
+              <a:buFontTx/>
+              <a:buNone/>
+              <a:defRPr/>
+            </a:lvl4pPr>
+            <a:lvl5pPr marL="1828800" indent="0">
+              <a:buFontTx/>
+              <a:buNone/>
+              <a:defRPr/>
+            </a:lvl5pPr>
+          </a:lstStyle>
+          <a:p>
+            <a:pPr lvl="0"/>
+            <a:r>
+              <a:rPr lang="en-US"/>
+              <a:t>Click to edit Master text styles</a:t>
+            </a:r>
+          </a:p>
+        </p:txBody>
+      </p:sp>
+      <p:sp>
+        <p:nvSpPr>
+          <p:cNvPr id="3" name="Text Placeholder 2"/>
+          <p:cNvSpPr>
+            <a:spLocks noGrp="1"/>
+          </p:cNvSpPr>
+          <p:nvPr>
+            <p:ph type="body" idx="1"/>
+          </p:nvPr>
+        </p:nvSpPr>
+        <p:spPr>
+          <a:xfrm>
+            <a:off x="684213" y="4301067"/>
+            <a:ext cx="8534400" cy="1684865"/>
+          </a:xfrm>
+        </p:spPr>
+        <p:txBody>
+          <a:bodyPr anchor="ctr">
+            <a:normAutofit/>
+          </a:bodyPr>
+          <a:lstStyle>
+            <a:lvl1pPr marL="0" indent="0" algn="l">
+              <a:buNone/>
+              <a:defRPr sz="2000">
+                <a:solidFill>
+                  <a:schemeClr val="bg2">
+                    <a:lumMod val="75000"/>
+                  </a:schemeClr>
+                </a:solidFill>
+              </a:defRPr>
+            </a:lvl1pPr>
+            <a:lvl2pPr marL="457200" indent="0">
+              <a:buNone/>
+              <a:defRPr sz="1800">
+                <a:solidFill>
+                  <a:schemeClr val="tx1">
+                    <a:tint val="75000"/>
+                  </a:schemeClr>
+                </a:solidFill>
+              </a:defRPr>
+            </a:lvl2pPr>
+            <a:lvl3pPr marL="914400" indent="0">
+              <a:buNone/>
+              <a:defRPr sz="1600">
+                <a:solidFill>
+                  <a:schemeClr val="tx1">
+                    <a:tint val="75000"/>
+                  </a:schemeClr>
+                </a:solidFill>
+              </a:defRPr>
+            </a:lvl3pPr>
+            <a:lvl4pPr marL="1371600" indent="0">
+              <a:buNone/>
+              <a:defRPr sz="1400">
+                <a:solidFill>
+                  <a:schemeClr val="tx1">
+                    <a:tint val="75000"/>
+                  </a:schemeClr>
+                </a:solidFill>
+              </a:defRPr>
+            </a:lvl4pPr>
+            <a:lvl5pPr marL="1828800" indent="0">
+              <a:buNone/>
+              <a:defRPr sz="1400">
+                <a:solidFill>
+                  <a:schemeClr val="tx1">
+                    <a:tint val="75000"/>
+                  </a:schemeClr>
+                </a:solidFill>
+              </a:defRPr>
+            </a:lvl5pPr>
+            <a:lvl6pPr marL="2286000" indent="0">
+              <a:buNone/>
+              <a:defRPr sz="1400">
+                <a:solidFill>
+                  <a:schemeClr val="tx1">
+                    <a:tint val="75000"/>
+                  </a:schemeClr>
+                </a:solidFill>
+              </a:defRPr>
+            </a:lvl6pPr>
+            <a:lvl7pPr marL="2743200" indent="0">
+              <a:buNone/>
+              <a:defRPr sz="1400">
+                <a:solidFill>
+                  <a:schemeClr val="tx1">
+                    <a:tint val="75000"/>
+                  </a:schemeClr>
+                </a:solidFill>
+              </a:defRPr>
+            </a:lvl7pPr>
+            <a:lvl8pPr marL="3200400" indent="0">
+              <a:buNone/>
+              <a:defRPr sz="1400">
+                <a:solidFill>
+                  <a:schemeClr val="tx1">
+                    <a:tint val="75000"/>
+                  </a:schemeClr>
+                </a:solidFill>
+              </a:defRPr>
+            </a:lvl8pPr>
+            <a:lvl9pPr marL="3657600" indent="0">
+              <a:buNone/>
+              <a:defRPr sz="1400">
+                <a:solidFill>
+                  <a:schemeClr val="tx1">
+                    <a:tint val="75000"/>
+                  </a:schemeClr>
+                </a:solidFill>
+              </a:defRPr>
+            </a:lvl9pPr>
+          </a:lstStyle>
+          <a:p>
+            <a:pPr lvl="0"/>
+            <a:r>
+              <a:rPr lang="en-US"/>
+              <a:t>Click to edit Master text styles</a:t>
+            </a:r>
+          </a:p>
+        </p:txBody>
+      </p:sp>
+      <p:sp>
+        <p:nvSpPr>
+          <p:cNvPr id="4" name="Date Placeholder 3"/>
+          <p:cNvSpPr>
+            <a:spLocks noGrp="1"/>
+          </p:cNvSpPr>
+          <p:nvPr>
+            <p:ph type="dt" sz="half" idx="10"/>
+          </p:nvPr>
+        </p:nvSpPr>
+        <p:spPr/>
+        <p:txBody>
+          <a:bodyPr/>
+          <a:lstStyle/>
+          <a:p>
+            <a:fld id="{732EEB44-E32F-4EDD-9550-1B249E681FA6}" type="datetimeFigureOut">
+              <a:rPr lang="en-US" smtClean="0"/>
+              <a:t>4/24/2024</a:t>
+            </a:fld>
+            <a:endParaRPr lang="en-US"/>
+          </a:p>
+        </p:txBody>
+      </p:sp>
+      <p:sp>
+        <p:nvSpPr>
+          <p:cNvPr id="5" name="Footer Placeholder 4"/>
+          <p:cNvSpPr>
+            <a:spLocks noGrp="1"/>
+          </p:cNvSpPr>
+          <p:nvPr>
+            <p:ph type="ftr" sz="quarter" idx="11"/>
+          </p:nvPr>
+        </p:nvSpPr>
+        <p:spPr/>
+        <p:txBody>
+          <a:bodyPr/>
+          <a:lstStyle/>
+          <a:p>
+            <a:endParaRPr lang="en-US"/>
+          </a:p>
+        </p:txBody>
+      </p:sp>
+      <p:sp>
+        <p:nvSpPr>
+          <p:cNvPr id="6" name="Slide Number Placeholder 5"/>
+          <p:cNvSpPr>
+            <a:spLocks noGrp="1"/>
+          </p:cNvSpPr>
+          <p:nvPr>
+            <p:ph type="sldNum" sz="quarter" idx="12"/>
+          </p:nvPr>
+        </p:nvSpPr>
+        <p:spPr/>
+        <p:txBody>
+          <a:bodyPr/>
+          <a:lstStyle/>
+          <a:p>
+            <a:fld id="{37AF1C2E-A720-4AE5-9A50-FB90977E5D54}" type="slidenum">
+              <a:rPr lang="en-US" smtClean="0"/>
+              <a:t>‹#›</a:t>
+            </a:fld>
+            <a:endParaRPr lang="en-US"/>
+          </a:p>
+        </p:txBody>
+      </p:sp>
+      <p:sp>
+        <p:nvSpPr>
+          <p:cNvPr id="14" name="TextBox 13"/>
+          <p:cNvSpPr txBox="1"/>
+          <p:nvPr/>
+        </p:nvSpPr>
+        <p:spPr>
+          <a:xfrm>
+            <a:off x="531812" y="812222"/>
+            <a:ext cx="609600" cy="584776"/>
+          </a:xfrm>
+          <a:prstGeom prst="rect">
+            <a:avLst/>
+          </a:prstGeom>
+        </p:spPr>
+        <p:txBody>
+          <a:bodyPr vert="horz" lIns="91440" tIns="45720" rIns="91440" bIns="45720" rtlCol="0" anchor="ctr">
+            <a:noAutofit/>
+          </a:bodyPr>
+          <a:lstStyle/>
+          <a:p>
+            <a:pPr lvl="0"/>
+            <a:r>
+              <a:rPr lang="en-US" sz="8000" dirty="0">
+                <a:solidFill>
+                  <a:schemeClr val="tx1"/>
+                </a:solidFill>
+                <a:effectLst/>
+              </a:rPr>
+              <a:t>“</a:t>
+            </a:r>
+          </a:p>
+        </p:txBody>
+      </p:sp>
+      <p:sp>
+        <p:nvSpPr>
+          <p:cNvPr id="15" name="TextBox 14"/>
+          <p:cNvSpPr txBox="1"/>
+          <p:nvPr/>
+        </p:nvSpPr>
+        <p:spPr>
+          <a:xfrm>
+            <a:off x="10285412" y="2768601"/>
+            <a:ext cx="609600" cy="584776"/>
+          </a:xfrm>
+          <a:prstGeom prst="rect">
+            <a:avLst/>
+          </a:prstGeom>
+        </p:spPr>
+        <p:txBody>
+          <a:bodyPr vert="horz" lIns="91440" tIns="45720" rIns="91440" bIns="45720" rtlCol="0" anchor="ctr">
+            <a:noAutofit/>
+          </a:bodyPr>
+          <a:lstStyle/>
+          <a:p>
+            <a:pPr lvl="0" algn="r"/>
+            <a:r>
+              <a:rPr lang="en-US" sz="8000" dirty="0">
+                <a:solidFill>
+                  <a:schemeClr val="tx1"/>
+                </a:solidFill>
+                <a:effectLst/>
+              </a:rPr>
+              <a:t>”</a:t>
+            </a:r>
+          </a:p>
+        </p:txBody>
+      </p:sp>
+    </p:spTree>
+    <p:extLst>
+      <p:ext uri="{BB962C8B-B14F-4D97-AF65-F5344CB8AC3E}">
+        <p14:creationId xmlns:p14="http://schemas.microsoft.com/office/powerpoint/2010/main" val="175140417"/>
+      </p:ext>
+    </p:extLst>
+  </p:cSld>
+  <p:clrMapOvr>
+    <a:masterClrMapping/>
+  </p:clrMapOvr>
+</p:sldLayout>
+</file>
+
+<file path=ppt/slideLayouts/slideLayout13.xml><?xml version="1.0" encoding="utf-8"?>
+<p:sldLayout xmlns:a="http://schemas.openxmlformats.org/drawingml/2006/main" xmlns:r="http://schemas.openxmlformats.org/officeDocument/2006/relationships" xmlns:p="http://schemas.openxmlformats.org/presentationml/2006/main" preserve="1">
+  <p:cSld name="Name Card">
+    <p:spTree>
+      <p:nvGrpSpPr>
+        <p:cNvPr id="1" name=""/>
+        <p:cNvGrpSpPr/>
+        <p:nvPr/>
+      </p:nvGrpSpPr>
+      <p:grpSpPr>
+        <a:xfrm>
+          <a:off x="0" y="0"/>
+          <a:ext cx="0" cy="0"/>
+          <a:chOff x="0" y="0"/>
+          <a:chExt cx="0" cy="0"/>
+        </a:xfrm>
+      </p:grpSpPr>
+      <p:sp>
+        <p:nvSpPr>
+          <p:cNvPr id="2" name="Title 1"/>
+          <p:cNvSpPr>
+            <a:spLocks noGrp="1"/>
+          </p:cNvSpPr>
+          <p:nvPr>
+            <p:ph type="title"/>
+          </p:nvPr>
+        </p:nvSpPr>
+        <p:spPr>
+          <a:xfrm>
+            <a:off x="684212" y="3429000"/>
+            <a:ext cx="8534400" cy="1697400"/>
+          </a:xfrm>
+        </p:spPr>
+        <p:txBody>
+          <a:bodyPr anchor="b">
+            <a:normAutofit/>
+          </a:bodyPr>
+          <a:lstStyle>
+            <a:lvl1pPr algn="l">
+              <a:defRPr sz="3200" b="0" cap="all"/>
+            </a:lvl1pPr>
+          </a:lstStyle>
+          <a:p>
+            <a:r>
+              <a:rPr lang="en-US"/>
+              <a:t>Click to edit Master title style</a:t>
+            </a:r>
+            <a:endParaRPr lang="en-US" dirty="0"/>
+          </a:p>
+        </p:txBody>
+      </p:sp>
+      <p:sp>
+        <p:nvSpPr>
+          <p:cNvPr id="3" name="Text Placeholder 2"/>
+          <p:cNvSpPr>
+            <a:spLocks noGrp="1"/>
+          </p:cNvSpPr>
+          <p:nvPr>
+            <p:ph type="body" idx="1"/>
+          </p:nvPr>
+        </p:nvSpPr>
+        <p:spPr>
+          <a:xfrm>
+            <a:off x="684211" y="5132981"/>
+            <a:ext cx="8535990" cy="860400"/>
+          </a:xfrm>
+        </p:spPr>
+        <p:txBody>
+          <a:bodyPr anchor="t">
+            <a:normAutofit/>
+          </a:bodyPr>
+          <a:lstStyle>
+            <a:lvl1pPr marL="0" indent="0" algn="l">
+              <a:buNone/>
+              <a:defRPr sz="2000">
+                <a:solidFill>
+                  <a:schemeClr val="bg2">
+                    <a:lumMod val="75000"/>
+                  </a:schemeClr>
+                </a:solidFill>
+              </a:defRPr>
+            </a:lvl1pPr>
+            <a:lvl2pPr marL="457200" indent="0">
+              <a:buNone/>
+              <a:defRPr sz="1800">
+                <a:solidFill>
+                  <a:schemeClr val="tx1">
+                    <a:tint val="75000"/>
+                  </a:schemeClr>
+                </a:solidFill>
+              </a:defRPr>
+            </a:lvl2pPr>
+            <a:lvl3pPr marL="914400" indent="0">
+              <a:buNone/>
+              <a:defRPr sz="1600">
+                <a:solidFill>
+                  <a:schemeClr val="tx1">
+                    <a:tint val="75000"/>
+                  </a:schemeClr>
+                </a:solidFill>
+              </a:defRPr>
+            </a:lvl3pPr>
+            <a:lvl4pPr marL="1371600" indent="0">
+              <a:buNone/>
+              <a:defRPr sz="1400">
+                <a:solidFill>
+                  <a:schemeClr val="tx1">
+                    <a:tint val="75000"/>
+                  </a:schemeClr>
+                </a:solidFill>
+              </a:defRPr>
+            </a:lvl4pPr>
+            <a:lvl5pPr marL="1828800" indent="0">
+              <a:buNone/>
+              <a:defRPr sz="1400">
+                <a:solidFill>
+                  <a:schemeClr val="tx1">
+                    <a:tint val="75000"/>
+                  </a:schemeClr>
+                </a:solidFill>
+              </a:defRPr>
+            </a:lvl5pPr>
+            <a:lvl6pPr marL="2286000" indent="0">
+              <a:buNone/>
+              <a:defRPr sz="1400">
+                <a:solidFill>
+                  <a:schemeClr val="tx1">
+                    <a:tint val="75000"/>
+                  </a:schemeClr>
+                </a:solidFill>
+              </a:defRPr>
+            </a:lvl6pPr>
+            <a:lvl7pPr marL="2743200" indent="0">
+              <a:buNone/>
+              <a:defRPr sz="1400">
+                <a:solidFill>
+                  <a:schemeClr val="tx1">
+                    <a:tint val="75000"/>
+                  </a:schemeClr>
+                </a:solidFill>
+              </a:defRPr>
+            </a:lvl7pPr>
+            <a:lvl8pPr marL="3200400" indent="0">
+              <a:buNone/>
+              <a:defRPr sz="1400">
+                <a:solidFill>
+                  <a:schemeClr val="tx1">
+                    <a:tint val="75000"/>
+                  </a:schemeClr>
+                </a:solidFill>
+              </a:defRPr>
+            </a:lvl8pPr>
+            <a:lvl9pPr marL="3657600" indent="0">
+              <a:buNone/>
+              <a:defRPr sz="1400">
+                <a:solidFill>
+                  <a:schemeClr val="tx1">
+                    <a:tint val="75000"/>
+                  </a:schemeClr>
+                </a:solidFill>
+              </a:defRPr>
+            </a:lvl9pPr>
+          </a:lstStyle>
+          <a:p>
+            <a:pPr lvl="0"/>
+            <a:r>
+              <a:rPr lang="en-US"/>
+              <a:t>Click to edit Master text styles</a:t>
+            </a:r>
+          </a:p>
+        </p:txBody>
+      </p:sp>
+      <p:sp>
+        <p:nvSpPr>
+          <p:cNvPr id="4" name="Date Placeholder 3"/>
+          <p:cNvSpPr>
+            <a:spLocks noGrp="1"/>
+          </p:cNvSpPr>
+          <p:nvPr>
+            <p:ph type="dt" sz="half" idx="10"/>
+          </p:nvPr>
+        </p:nvSpPr>
+        <p:spPr/>
+        <p:txBody>
+          <a:bodyPr/>
+          <a:lstStyle/>
+          <a:p>
+            <a:fld id="{732EEB44-E32F-4EDD-9550-1B249E681FA6}" type="datetimeFigureOut">
+              <a:rPr lang="en-US" smtClean="0"/>
+              <a:t>4/24/2024</a:t>
+            </a:fld>
+            <a:endParaRPr lang="en-US"/>
+          </a:p>
+        </p:txBody>
+      </p:sp>
+      <p:sp>
+        <p:nvSpPr>
+          <p:cNvPr id="5" name="Footer Placeholder 4"/>
+          <p:cNvSpPr>
+            <a:spLocks noGrp="1"/>
+          </p:cNvSpPr>
+          <p:nvPr>
+            <p:ph type="ftr" sz="quarter" idx="11"/>
+          </p:nvPr>
+        </p:nvSpPr>
+        <p:spPr/>
+        <p:txBody>
+          <a:bodyPr/>
+          <a:lstStyle/>
+          <a:p>
+            <a:endParaRPr lang="en-US"/>
+          </a:p>
+        </p:txBody>
+      </p:sp>
+      <p:sp>
+        <p:nvSpPr>
+          <p:cNvPr id="6" name="Slide Number Placeholder 5"/>
+          <p:cNvSpPr>
+            <a:spLocks noGrp="1"/>
+          </p:cNvSpPr>
+          <p:nvPr>
+            <p:ph type="sldNum" sz="quarter" idx="12"/>
+          </p:nvPr>
+        </p:nvSpPr>
+        <p:spPr/>
+        <p:txBody>
+          <a:bodyPr/>
+          <a:lstStyle/>
+          <a:p>
+            <a:fld id="{37AF1C2E-A720-4AE5-9A50-FB90977E5D54}" type="slidenum">
+              <a:rPr lang="en-US" smtClean="0"/>
+              <a:t>‹#›</a:t>
+            </a:fld>
+            <a:endParaRPr lang="en-US"/>
+          </a:p>
+        </p:txBody>
+      </p:sp>
+    </p:spTree>
+    <p:extLst>
+      <p:ext uri="{BB962C8B-B14F-4D97-AF65-F5344CB8AC3E}">
+        <p14:creationId xmlns:p14="http://schemas.microsoft.com/office/powerpoint/2010/main" val="500077088"/>
+      </p:ext>
+    </p:extLst>
+  </p:cSld>
+  <p:clrMapOvr>
+    <a:masterClrMapping/>
+  </p:clrMapOvr>
+</p:sldLayout>
+</file>
+
+<file path=ppt/slideLayouts/slideLayout14.xml><?xml version="1.0" encoding="utf-8"?>
+<p:sldLayout xmlns:a="http://schemas.openxmlformats.org/drawingml/2006/main" xmlns:r="http://schemas.openxmlformats.org/officeDocument/2006/relationships" xmlns:p="http://schemas.openxmlformats.org/presentationml/2006/main" preserve="1">
+  <p:cSld name="Quote Name Card">
+    <p:spTree>
+      <p:nvGrpSpPr>
+        <p:cNvPr id="1" name=""/>
+        <p:cNvGrpSpPr/>
+        <p:nvPr/>
+      </p:nvGrpSpPr>
+      <p:grpSpPr>
+        <a:xfrm>
+          <a:off x="0" y="0"/>
+          <a:ext cx="0" cy="0"/>
+          <a:chOff x="0" y="0"/>
+          <a:chExt cx="0" cy="0"/>
+        </a:xfrm>
+      </p:grpSpPr>
+      <p:sp>
+        <p:nvSpPr>
+          <p:cNvPr id="2" name="Title 1"/>
+          <p:cNvSpPr>
+            <a:spLocks noGrp="1"/>
+          </p:cNvSpPr>
+          <p:nvPr>
+            <p:ph type="title"/>
+          </p:nvPr>
+        </p:nvSpPr>
+        <p:spPr>
+          <a:xfrm>
+            <a:off x="1141413" y="685800"/>
+            <a:ext cx="9144000" cy="2743200"/>
+          </a:xfrm>
+        </p:spPr>
+        <p:txBody>
+          <a:bodyPr anchor="ctr">
+            <a:normAutofit/>
+          </a:bodyPr>
+          <a:lstStyle>
+            <a:lvl1pPr algn="l">
+              <a:defRPr sz="3200" b="0" cap="all">
+                <a:solidFill>
+                  <a:schemeClr val="tx1"/>
+                </a:solidFill>
+              </a:defRPr>
+            </a:lvl1pPr>
+          </a:lstStyle>
+          <a:p>
+            <a:r>
+              <a:rPr lang="en-US"/>
+              <a:t>Click to edit Master title style</a:t>
+            </a:r>
+            <a:endParaRPr lang="en-US" dirty="0"/>
+          </a:p>
+        </p:txBody>
+      </p:sp>
+      <p:sp>
+        <p:nvSpPr>
+          <p:cNvPr id="10" name="Text Placeholder 9"/>
+          <p:cNvSpPr>
+            <a:spLocks noGrp="1"/>
+          </p:cNvSpPr>
+          <p:nvPr>
+            <p:ph type="body" sz="quarter" idx="13"/>
+          </p:nvPr>
+        </p:nvSpPr>
+        <p:spPr>
+          <a:xfrm>
+            <a:off x="684212" y="3928534"/>
+            <a:ext cx="8534401" cy="1049866"/>
+          </a:xfrm>
+        </p:spPr>
+        <p:txBody>
+          <a:bodyPr vert="horz" lIns="91440" tIns="45720" rIns="91440" bIns="45720" rtlCol="0" anchor="b">
+            <a:normAutofit/>
+          </a:bodyPr>
+          <a:lstStyle>
+            <a:lvl1pPr>
+              <a:buNone/>
+              <a:defRPr lang="en-US" sz="2400" b="0" cap="all" dirty="0">
+                <a:ln w="3175" cmpd="sng">
+                  <a:noFill/>
+                </a:ln>
+                <a:solidFill>
+                  <a:schemeClr val="tx1"/>
+                </a:solidFill>
+                <a:effectLst/>
+              </a:defRPr>
+            </a:lvl1pPr>
+          </a:lstStyle>
+          <a:p>
+            <a:pPr marL="0" lvl="0">
+              <a:spcBef>
+                <a:spcPct val="0"/>
+              </a:spcBef>
+              <a:buNone/>
+            </a:pPr>
+            <a:r>
+              <a:rPr lang="en-US"/>
+              <a:t>Click to edit Master text styles</a:t>
+            </a:r>
+          </a:p>
+        </p:txBody>
+      </p:sp>
+      <p:sp>
+        <p:nvSpPr>
+          <p:cNvPr id="3" name="Text Placeholder 2"/>
+          <p:cNvSpPr>
+            <a:spLocks noGrp="1"/>
+          </p:cNvSpPr>
+          <p:nvPr>
+            <p:ph type="body" idx="1"/>
+          </p:nvPr>
+        </p:nvSpPr>
+        <p:spPr>
+          <a:xfrm>
+            <a:off x="684211" y="4978400"/>
+            <a:ext cx="8534401" cy="1016000"/>
+          </a:xfrm>
+        </p:spPr>
+        <p:txBody>
+          <a:bodyPr anchor="t">
+            <a:normAutofit/>
+          </a:bodyPr>
+          <a:lstStyle>
+            <a:lvl1pPr marL="0" indent="0" algn="l">
+              <a:buNone/>
+              <a:defRPr sz="1800">
+                <a:solidFill>
+                  <a:schemeClr val="bg2">
+                    <a:lumMod val="75000"/>
+                  </a:schemeClr>
+                </a:solidFill>
+              </a:defRPr>
+            </a:lvl1pPr>
+            <a:lvl2pPr marL="457200" indent="0">
+              <a:buNone/>
+              <a:defRPr sz="1800">
+                <a:solidFill>
+                  <a:schemeClr val="tx1">
+                    <a:tint val="75000"/>
+                  </a:schemeClr>
+                </a:solidFill>
+              </a:defRPr>
+            </a:lvl2pPr>
+            <a:lvl3pPr marL="914400" indent="0">
+              <a:buNone/>
+              <a:defRPr sz="1600">
+                <a:solidFill>
+                  <a:schemeClr val="tx1">
+                    <a:tint val="75000"/>
+                  </a:schemeClr>
+                </a:solidFill>
+              </a:defRPr>
+            </a:lvl3pPr>
+            <a:lvl4pPr marL="1371600" indent="0">
+              <a:buNone/>
+              <a:defRPr sz="1400">
+                <a:solidFill>
+                  <a:schemeClr val="tx1">
+                    <a:tint val="75000"/>
+                  </a:schemeClr>
+                </a:solidFill>
+              </a:defRPr>
+            </a:lvl4pPr>
+            <a:lvl5pPr marL="1828800" indent="0">
+              <a:buNone/>
+              <a:defRPr sz="1400">
+                <a:solidFill>
+                  <a:schemeClr val="tx1">
+                    <a:tint val="75000"/>
+                  </a:schemeClr>
+                </a:solidFill>
+              </a:defRPr>
+            </a:lvl5pPr>
+            <a:lvl6pPr marL="2286000" indent="0">
+              <a:buNone/>
+              <a:defRPr sz="1400">
+                <a:solidFill>
+                  <a:schemeClr val="tx1">
+                    <a:tint val="75000"/>
+                  </a:schemeClr>
+                </a:solidFill>
+              </a:defRPr>
+            </a:lvl6pPr>
+            <a:lvl7pPr marL="2743200" indent="0">
+              <a:buNone/>
+              <a:defRPr sz="1400">
+                <a:solidFill>
+                  <a:schemeClr val="tx1">
+                    <a:tint val="75000"/>
+                  </a:schemeClr>
+                </a:solidFill>
+              </a:defRPr>
+            </a:lvl7pPr>
+            <a:lvl8pPr marL="3200400" indent="0">
+              <a:buNone/>
+              <a:defRPr sz="1400">
+                <a:solidFill>
+                  <a:schemeClr val="tx1">
+                    <a:tint val="75000"/>
+                  </a:schemeClr>
+                </a:solidFill>
+              </a:defRPr>
+            </a:lvl8pPr>
+            <a:lvl9pPr marL="3657600" indent="0">
+              <a:buNone/>
+              <a:defRPr sz="1400">
+                <a:solidFill>
+                  <a:schemeClr val="tx1">
+                    <a:tint val="75000"/>
+                  </a:schemeClr>
+                </a:solidFill>
+              </a:defRPr>
+            </a:lvl9pPr>
+          </a:lstStyle>
+          <a:p>
+            <a:pPr lvl="0"/>
+            <a:r>
+              <a:rPr lang="en-US"/>
+              <a:t>Click to edit Master text styles</a:t>
+            </a:r>
+          </a:p>
+        </p:txBody>
+      </p:sp>
+      <p:sp>
+        <p:nvSpPr>
+          <p:cNvPr id="4" name="Date Placeholder 3"/>
+          <p:cNvSpPr>
+            <a:spLocks noGrp="1"/>
+          </p:cNvSpPr>
+          <p:nvPr>
+            <p:ph type="dt" sz="half" idx="10"/>
+          </p:nvPr>
+        </p:nvSpPr>
+        <p:spPr/>
+        <p:txBody>
+          <a:bodyPr/>
+          <a:lstStyle/>
+          <a:p>
+            <a:fld id="{732EEB44-E32F-4EDD-9550-1B249E681FA6}" type="datetimeFigureOut">
+              <a:rPr lang="en-US" smtClean="0"/>
+              <a:t>4/24/2024</a:t>
+            </a:fld>
+            <a:endParaRPr lang="en-US"/>
+          </a:p>
+        </p:txBody>
+      </p:sp>
+      <p:sp>
+        <p:nvSpPr>
+          <p:cNvPr id="5" name="Footer Placeholder 4"/>
+          <p:cNvSpPr>
+            <a:spLocks noGrp="1"/>
+          </p:cNvSpPr>
+          <p:nvPr>
+            <p:ph type="ftr" sz="quarter" idx="11"/>
+          </p:nvPr>
+        </p:nvSpPr>
+        <p:spPr/>
+        <p:txBody>
+          <a:bodyPr/>
+          <a:lstStyle/>
+          <a:p>
+            <a:endParaRPr lang="en-US"/>
+          </a:p>
+        </p:txBody>
+      </p:sp>
+      <p:sp>
+        <p:nvSpPr>
+          <p:cNvPr id="6" name="Slide Number Placeholder 5"/>
+          <p:cNvSpPr>
+            <a:spLocks noGrp="1"/>
+          </p:cNvSpPr>
+          <p:nvPr>
+            <p:ph type="sldNum" sz="quarter" idx="12"/>
+          </p:nvPr>
+        </p:nvSpPr>
+        <p:spPr/>
+        <p:txBody>
+          <a:bodyPr/>
+          <a:lstStyle/>
+          <a:p>
+            <a:fld id="{37AF1C2E-A720-4AE5-9A50-FB90977E5D54}" type="slidenum">
+              <a:rPr lang="en-US" smtClean="0"/>
+              <a:t>‹#›</a:t>
+            </a:fld>
+            <a:endParaRPr lang="en-US"/>
+          </a:p>
+        </p:txBody>
+      </p:sp>
+      <p:sp>
+        <p:nvSpPr>
+          <p:cNvPr id="11" name="TextBox 10"/>
+          <p:cNvSpPr txBox="1"/>
+          <p:nvPr/>
+        </p:nvSpPr>
+        <p:spPr>
+          <a:xfrm>
+            <a:off x="531812" y="812222"/>
+            <a:ext cx="609600" cy="584776"/>
+          </a:xfrm>
+          <a:prstGeom prst="rect">
+            <a:avLst/>
+          </a:prstGeom>
+        </p:spPr>
+        <p:txBody>
+          <a:bodyPr vert="horz" lIns="91440" tIns="45720" rIns="91440" bIns="45720" rtlCol="0" anchor="ctr">
+            <a:noAutofit/>
+          </a:bodyPr>
+          <a:lstStyle/>
+          <a:p>
+            <a:pPr lvl="0"/>
+            <a:r>
+              <a:rPr lang="en-US" sz="8000" dirty="0">
+                <a:solidFill>
+                  <a:schemeClr val="tx1"/>
+                </a:solidFill>
+                <a:effectLst/>
+              </a:rPr>
+              <a:t>“</a:t>
+            </a:r>
+          </a:p>
+        </p:txBody>
+      </p:sp>
+      <p:sp>
+        <p:nvSpPr>
+          <p:cNvPr id="12" name="TextBox 11"/>
+          <p:cNvSpPr txBox="1"/>
+          <p:nvPr/>
+        </p:nvSpPr>
+        <p:spPr>
+          <a:xfrm>
+            <a:off x="10285412" y="2768601"/>
+            <a:ext cx="609600" cy="584776"/>
+          </a:xfrm>
+          <a:prstGeom prst="rect">
+            <a:avLst/>
+          </a:prstGeom>
+        </p:spPr>
+        <p:txBody>
+          <a:bodyPr vert="horz" lIns="91440" tIns="45720" rIns="91440" bIns="45720" rtlCol="0" anchor="ctr">
+            <a:noAutofit/>
+          </a:bodyPr>
+          <a:lstStyle/>
+          <a:p>
+            <a:pPr lvl="0" algn="r"/>
+            <a:r>
+              <a:rPr lang="en-US" sz="8000" dirty="0">
+                <a:solidFill>
+                  <a:schemeClr val="tx1"/>
+                </a:solidFill>
+                <a:effectLst/>
+              </a:rPr>
+              <a:t>”</a:t>
+            </a:r>
+          </a:p>
+        </p:txBody>
+      </p:sp>
+    </p:spTree>
+    <p:extLst>
+      <p:ext uri="{BB962C8B-B14F-4D97-AF65-F5344CB8AC3E}">
+        <p14:creationId xmlns:p14="http://schemas.microsoft.com/office/powerpoint/2010/main" val="855693587"/>
+      </p:ext>
+    </p:extLst>
+  </p:cSld>
+  <p:clrMapOvr>
+    <a:masterClrMapping/>
+  </p:clrMapOvr>
+</p:sldLayout>
+</file>
+
+<file path=ppt/slideLayouts/slideLayout15.xml><?xml version="1.0" encoding="utf-8"?>
+<p:sldLayout xmlns:a="http://schemas.openxmlformats.org/drawingml/2006/main" xmlns:r="http://schemas.openxmlformats.org/officeDocument/2006/relationships" xmlns:p="http://schemas.openxmlformats.org/presentationml/2006/main" preserve="1">
+  <p:cSld name="True or False">
+    <p:spTree>
+      <p:nvGrpSpPr>
+        <p:cNvPr id="1" name=""/>
+        <p:cNvGrpSpPr/>
+        <p:nvPr/>
+      </p:nvGrpSpPr>
+      <p:grpSpPr>
+        <a:xfrm>
+          <a:off x="0" y="0"/>
+          <a:ext cx="0" cy="0"/>
+          <a:chOff x="0" y="0"/>
+          <a:chExt cx="0" cy="0"/>
+        </a:xfrm>
+      </p:grpSpPr>
+      <p:sp>
+        <p:nvSpPr>
+          <p:cNvPr id="2" name="Title 1"/>
+          <p:cNvSpPr>
+            <a:spLocks noGrp="1"/>
+          </p:cNvSpPr>
+          <p:nvPr>
+            <p:ph type="title"/>
+          </p:nvPr>
+        </p:nvSpPr>
+        <p:spPr>
+          <a:xfrm>
+            <a:off x="684213" y="685800"/>
+            <a:ext cx="10058400" cy="2743200"/>
+          </a:xfrm>
+        </p:spPr>
+        <p:txBody>
+          <a:bodyPr vert="horz" lIns="91440" tIns="45720" rIns="91440" bIns="45720" rtlCol="0" anchor="ctr">
+            <a:normAutofit/>
+          </a:bodyPr>
+          <a:lstStyle>
+            <a:lvl1pPr>
+              <a:defRPr lang="en-US" b="0" dirty="0"/>
+            </a:lvl1pPr>
+          </a:lstStyle>
+          <a:p>
+            <a:pPr marL="0" lvl="0"/>
+            <a:r>
+              <a:rPr lang="en-US"/>
+              <a:t>Click to edit Master title style</a:t>
+            </a:r>
+            <a:endParaRPr lang="en-US" dirty="0"/>
+          </a:p>
+        </p:txBody>
+      </p:sp>
+      <p:sp>
+        <p:nvSpPr>
+          <p:cNvPr id="10" name="Text Placeholder 9"/>
+          <p:cNvSpPr>
+            <a:spLocks noGrp="1"/>
+          </p:cNvSpPr>
+          <p:nvPr>
+            <p:ph type="body" sz="quarter" idx="13"/>
+          </p:nvPr>
+        </p:nvSpPr>
+        <p:spPr>
+          <a:xfrm>
+            <a:off x="684212" y="3928534"/>
+            <a:ext cx="8534400" cy="838200"/>
+          </a:xfrm>
+        </p:spPr>
+        <p:txBody>
+          <a:bodyPr vert="horz" lIns="91440" tIns="45720" rIns="91440" bIns="45720" rtlCol="0" anchor="b">
+            <a:normAutofit/>
+          </a:bodyPr>
+          <a:lstStyle>
+            <a:lvl1pPr>
+              <a:buNone/>
+              <a:defRPr lang="en-US" sz="2400" b="0" cap="all" dirty="0">
+                <a:ln w="3175" cmpd="sng">
+                  <a:noFill/>
+                </a:ln>
+                <a:solidFill>
+                  <a:schemeClr val="tx1"/>
+                </a:solidFill>
+                <a:effectLst/>
+              </a:defRPr>
+            </a:lvl1pPr>
+          </a:lstStyle>
+          <a:p>
+            <a:pPr marL="0" lvl="0">
+              <a:spcBef>
+                <a:spcPct val="0"/>
+              </a:spcBef>
+              <a:buNone/>
+            </a:pPr>
+            <a:r>
+              <a:rPr lang="en-US"/>
+              <a:t>Click to edit Master text styles</a:t>
+            </a:r>
+          </a:p>
+        </p:txBody>
+      </p:sp>
+      <p:sp>
+        <p:nvSpPr>
+          <p:cNvPr id="3" name="Text Placeholder 2"/>
+          <p:cNvSpPr>
+            <a:spLocks noGrp="1"/>
+          </p:cNvSpPr>
+          <p:nvPr>
+            <p:ph type="body" idx="1"/>
+          </p:nvPr>
+        </p:nvSpPr>
+        <p:spPr>
+          <a:xfrm>
+            <a:off x="684211" y="4766732"/>
+            <a:ext cx="8534401" cy="1227667"/>
+          </a:xfrm>
+        </p:spPr>
+        <p:txBody>
+          <a:bodyPr anchor="t">
+            <a:normAutofit/>
+          </a:bodyPr>
+          <a:lstStyle>
+            <a:lvl1pPr marL="0" indent="0" algn="l">
+              <a:buNone/>
+              <a:defRPr sz="1800">
+                <a:solidFill>
+                  <a:schemeClr val="bg2">
+                    <a:lumMod val="75000"/>
+                  </a:schemeClr>
+                </a:solidFill>
+              </a:defRPr>
+            </a:lvl1pPr>
+            <a:lvl2pPr marL="457200" indent="0">
+              <a:buNone/>
+              <a:defRPr sz="1800">
+                <a:solidFill>
+                  <a:schemeClr val="tx1">
+                    <a:tint val="75000"/>
+                  </a:schemeClr>
+                </a:solidFill>
+              </a:defRPr>
+            </a:lvl2pPr>
+            <a:lvl3pPr marL="914400" indent="0">
+              <a:buNone/>
+              <a:defRPr sz="1600">
+                <a:solidFill>
+                  <a:schemeClr val="tx1">
+                    <a:tint val="75000"/>
+                  </a:schemeClr>
+                </a:solidFill>
+              </a:defRPr>
+            </a:lvl3pPr>
+            <a:lvl4pPr marL="1371600" indent="0">
+              <a:buNone/>
+              <a:defRPr sz="1400">
+                <a:solidFill>
+                  <a:schemeClr val="tx1">
+                    <a:tint val="75000"/>
+                  </a:schemeClr>
+                </a:solidFill>
+              </a:defRPr>
+            </a:lvl4pPr>
+            <a:lvl5pPr marL="1828800" indent="0">
+              <a:buNone/>
+              <a:defRPr sz="1400">
+                <a:solidFill>
+                  <a:schemeClr val="tx1">
+                    <a:tint val="75000"/>
+                  </a:schemeClr>
+                </a:solidFill>
+              </a:defRPr>
+            </a:lvl5pPr>
+            <a:lvl6pPr marL="2286000" indent="0">
+              <a:buNone/>
+              <a:defRPr sz="1400">
+                <a:solidFill>
+                  <a:schemeClr val="tx1">
+                    <a:tint val="75000"/>
+                  </a:schemeClr>
+                </a:solidFill>
+              </a:defRPr>
+            </a:lvl6pPr>
+            <a:lvl7pPr marL="2743200" indent="0">
+              <a:buNone/>
+              <a:defRPr sz="1400">
+                <a:solidFill>
+                  <a:schemeClr val="tx1">
+                    <a:tint val="75000"/>
+                  </a:schemeClr>
+                </a:solidFill>
+              </a:defRPr>
+            </a:lvl7pPr>
+            <a:lvl8pPr marL="3200400" indent="0">
+              <a:buNone/>
+              <a:defRPr sz="1400">
+                <a:solidFill>
+                  <a:schemeClr val="tx1">
+                    <a:tint val="75000"/>
+                  </a:schemeClr>
+                </a:solidFill>
+              </a:defRPr>
+            </a:lvl8pPr>
+            <a:lvl9pPr marL="3657600" indent="0">
+              <a:buNone/>
+              <a:defRPr sz="1400">
+                <a:solidFill>
+                  <a:schemeClr val="tx1">
+                    <a:tint val="75000"/>
+                  </a:schemeClr>
+                </a:solidFill>
+              </a:defRPr>
+            </a:lvl9pPr>
+          </a:lstStyle>
+          <a:p>
+            <a:pPr lvl="0"/>
+            <a:r>
+              <a:rPr lang="en-US"/>
+              <a:t>Click to edit Master text styles</a:t>
+            </a:r>
+          </a:p>
+        </p:txBody>
+      </p:sp>
+      <p:sp>
+        <p:nvSpPr>
+          <p:cNvPr id="4" name="Date Placeholder 3"/>
+          <p:cNvSpPr>
+            <a:spLocks noGrp="1"/>
+          </p:cNvSpPr>
+          <p:nvPr>
+            <p:ph type="dt" sz="half" idx="10"/>
+          </p:nvPr>
+        </p:nvSpPr>
+        <p:spPr/>
+        <p:txBody>
+          <a:bodyPr/>
+          <a:lstStyle/>
+          <a:p>
+            <a:fld id="{732EEB44-E32F-4EDD-9550-1B249E681FA6}" type="datetimeFigureOut">
+              <a:rPr lang="en-US" smtClean="0"/>
+              <a:t>4/24/2024</a:t>
+            </a:fld>
+            <a:endParaRPr lang="en-US"/>
+          </a:p>
+        </p:txBody>
+      </p:sp>
+      <p:sp>
+        <p:nvSpPr>
+          <p:cNvPr id="5" name="Footer Placeholder 4"/>
+          <p:cNvSpPr>
+            <a:spLocks noGrp="1"/>
+          </p:cNvSpPr>
+          <p:nvPr>
+            <p:ph type="ftr" sz="quarter" idx="11"/>
+          </p:nvPr>
+        </p:nvSpPr>
+        <p:spPr/>
+        <p:txBody>
+          <a:bodyPr/>
+          <a:lstStyle/>
+          <a:p>
+            <a:endParaRPr lang="en-US"/>
+          </a:p>
+        </p:txBody>
+      </p:sp>
+      <p:sp>
+        <p:nvSpPr>
+          <p:cNvPr id="6" name="Slide Number Placeholder 5"/>
+          <p:cNvSpPr>
+            <a:spLocks noGrp="1"/>
+          </p:cNvSpPr>
+          <p:nvPr>
+            <p:ph type="sldNum" sz="quarter" idx="12"/>
+          </p:nvPr>
+        </p:nvSpPr>
+        <p:spPr/>
+        <p:txBody>
+          <a:bodyPr/>
+          <a:lstStyle/>
+          <a:p>
+            <a:fld id="{37AF1C2E-A720-4AE5-9A50-FB90977E5D54}" type="slidenum">
+              <a:rPr lang="en-US" smtClean="0"/>
+              <a:t>‹#›</a:t>
+            </a:fld>
+            <a:endParaRPr lang="en-US"/>
+          </a:p>
+        </p:txBody>
+      </p:sp>
+    </p:spTree>
+    <p:extLst>
+      <p:ext uri="{BB962C8B-B14F-4D97-AF65-F5344CB8AC3E}">
+        <p14:creationId xmlns:p14="http://schemas.microsoft.com/office/powerpoint/2010/main" val="3185434687"/>
+      </p:ext>
+    </p:extLst>
+  </p:cSld>
+  <p:clrMapOvr>
+    <a:masterClrMapping/>
+  </p:clrMapOvr>
+</p:sldLayout>
+</file>
+
+<file path=ppt/slideLayouts/slideLayout16.xml><?xml version="1.0" encoding="utf-8"?>
 <p:sldLayout xmlns:a="http://schemas.openxmlformats.org/drawingml/2006/main" xmlns:r="http://schemas.openxmlformats.org/officeDocument/2006/relationships" xmlns:p="http://schemas.openxmlformats.org/presentationml/2006/main" type="vertTx" preserve="1">
   <p:cSld name="Title and Vertical Text">
     <p:spTree>
@@ -346,13 +2687,7 @@
       </p:grpSpPr>
       <p:sp>
         <p:nvSpPr>
-          <p:cNvPr id="2" name="Title 1">
-            <a:extLst>
-              <a:ext uri="{FF2B5EF4-FFF2-40B4-BE49-F238E27FC236}">
-                <a16:creationId xmlns:a16="http://schemas.microsoft.com/office/drawing/2014/main" id="{CE8A0914-8FBE-1854-9DD4-07768E0819BB}"/>
-              </a:ext>
-            </a:extLst>
-          </p:cNvPr>
+          <p:cNvPr id="2" name="Title 1"/>
           <p:cNvSpPr>
             <a:spLocks noGrp="1"/>
           </p:cNvSpPr>
@@ -363,24 +2698,23 @@
         <p:spPr/>
         <p:txBody>
           <a:bodyPr/>
-          <a:lstStyle/>
+          <a:lstStyle>
+            <a:lvl1pPr algn="l">
+              <a:defRPr/>
+            </a:lvl1pPr>
+          </a:lstStyle>
           <a:p>
             <a:r>
               <a:rPr lang="en-US"/>
               <a:t>Click to edit Master title style</a:t>
             </a:r>
-          </a:p>
-        </p:txBody>
-      </p:sp>
-      <p:sp>
-        <p:nvSpPr>
-          <p:cNvPr id="3" name="Vertical Text Placeholder 2">
-            <a:extLst>
-              <a:ext uri="{FF2B5EF4-FFF2-40B4-BE49-F238E27FC236}">
-                <a16:creationId xmlns:a16="http://schemas.microsoft.com/office/drawing/2014/main" id="{E6E782DB-1803-B3B6-0F02-1537E828B498}"/>
-              </a:ext>
-            </a:extLst>
-          </p:cNvPr>
+            <a:endParaRPr lang="en-US" dirty="0"/>
+          </a:p>
+        </p:txBody>
+      </p:sp>
+      <p:sp>
+        <p:nvSpPr>
+          <p:cNvPr id="3" name="Vertical Text Placeholder 2"/>
           <p:cNvSpPr>
             <a:spLocks noGrp="1"/>
           </p:cNvSpPr>
@@ -390,7 +2724,7 @@
         </p:nvSpPr>
         <p:spPr/>
         <p:txBody>
-          <a:bodyPr vert="eaVert"/>
+          <a:bodyPr vert="eaVert" anchor="t"/>
           <a:lstStyle/>
           <a:p>
             <a:pPr lvl="0"/>
@@ -426,18 +2760,13 @@
               <a:rPr lang="en-US"/>
               <a:t>Fifth level</a:t>
             </a:r>
-          </a:p>
-        </p:txBody>
-      </p:sp>
-      <p:sp>
-        <p:nvSpPr>
-          <p:cNvPr id="4" name="Date Placeholder 3">
-            <a:extLst>
-              <a:ext uri="{FF2B5EF4-FFF2-40B4-BE49-F238E27FC236}">
-                <a16:creationId xmlns:a16="http://schemas.microsoft.com/office/drawing/2014/main" id="{481496AC-3103-0890-2397-F5007C7D5576}"/>
-              </a:ext>
-            </a:extLst>
-          </p:cNvPr>
+            <a:endParaRPr lang="en-US" dirty="0"/>
+          </a:p>
+        </p:txBody>
+      </p:sp>
+      <p:sp>
+        <p:nvSpPr>
+          <p:cNvPr id="4" name="Date Placeholder 3"/>
           <p:cNvSpPr>
             <a:spLocks noGrp="1"/>
           </p:cNvSpPr>
@@ -452,7 +2781,7 @@
           <a:p>
             <a:fld id="{732EEB44-E32F-4EDD-9550-1B249E681FA6}" type="datetimeFigureOut">
               <a:rPr lang="en-US" smtClean="0"/>
-              <a:t>4/23/2024</a:t>
+              <a:t>4/24/2024</a:t>
             </a:fld>
             <a:endParaRPr lang="en-US"/>
           </a:p>
@@ -460,13 +2789,7 @@
       </p:sp>
       <p:sp>
         <p:nvSpPr>
-          <p:cNvPr id="5" name="Footer Placeholder 4">
-            <a:extLst>
-              <a:ext uri="{FF2B5EF4-FFF2-40B4-BE49-F238E27FC236}">
-                <a16:creationId xmlns:a16="http://schemas.microsoft.com/office/drawing/2014/main" id="{8DE87F15-1EFA-0FCF-7649-EF3CF7D3191C}"/>
-              </a:ext>
-            </a:extLst>
-          </p:cNvPr>
+          <p:cNvPr id="5" name="Footer Placeholder 4"/>
           <p:cNvSpPr>
             <a:spLocks noGrp="1"/>
           </p:cNvSpPr>
@@ -485,13 +2808,7 @@
       </p:sp>
       <p:sp>
         <p:nvSpPr>
-          <p:cNvPr id="6" name="Slide Number Placeholder 5">
-            <a:extLst>
-              <a:ext uri="{FF2B5EF4-FFF2-40B4-BE49-F238E27FC236}">
-                <a16:creationId xmlns:a16="http://schemas.microsoft.com/office/drawing/2014/main" id="{F287E5AD-0307-BC02-E233-37D1D3BB0CDE}"/>
-              </a:ext>
-            </a:extLst>
-          </p:cNvPr>
+          <p:cNvPr id="6" name="Slide Number Placeholder 5"/>
           <p:cNvSpPr>
             <a:spLocks noGrp="1"/>
           </p:cNvSpPr>
@@ -515,7 +2832,7 @@
     </p:spTree>
     <p:extLst>
       <p:ext uri="{BB962C8B-B14F-4D97-AF65-F5344CB8AC3E}">
-        <p14:creationId xmlns:p14="http://schemas.microsoft.com/office/powerpoint/2010/main" val="3507513197"/>
+        <p14:creationId xmlns:p14="http://schemas.microsoft.com/office/powerpoint/2010/main" val="3201604172"/>
       </p:ext>
     </p:extLst>
   </p:cSld>
@@ -525,7 +2842,7 @@
 </p:sldLayout>
 </file>
 
-<file path=ppt/slideLayouts/slideLayout11.xml><?xml version="1.0" encoding="utf-8"?>
+<file path=ppt/slideLayouts/slideLayout17.xml><?xml version="1.0" encoding="utf-8"?>
 <p:sldLayout xmlns:a="http://schemas.openxmlformats.org/drawingml/2006/main" xmlns:r="http://schemas.openxmlformats.org/officeDocument/2006/relationships" xmlns:p="http://schemas.openxmlformats.org/presentationml/2006/main" type="vertTitleAndTx" preserve="1">
   <p:cSld name="Vertical Title and Text">
     <p:spTree>
@@ -544,13 +2861,7 @@
       </p:grpSpPr>
       <p:sp>
         <p:nvSpPr>
-          <p:cNvPr id="2" name="Vertical Title 1">
-            <a:extLst>
-              <a:ext uri="{FF2B5EF4-FFF2-40B4-BE49-F238E27FC236}">
-                <a16:creationId xmlns:a16="http://schemas.microsoft.com/office/drawing/2014/main" id="{3EB0CF1C-EAED-437A-B26B-38E24EC01E8C}"/>
-              </a:ext>
-            </a:extLst>
-          </p:cNvPr>
+          <p:cNvPr id="2" name="Vertical Title 1"/>
           <p:cNvSpPr>
             <a:spLocks noGrp="1"/>
           </p:cNvSpPr>
@@ -560,8 +2871,8 @@
         </p:nvSpPr>
         <p:spPr>
           <a:xfrm>
-            <a:off x="8724900" y="365125"/>
-            <a:ext cx="2628900" cy="5811838"/>
+            <a:off x="8685212" y="685800"/>
+            <a:ext cx="2057400" cy="4572000"/>
           </a:xfrm>
         </p:spPr>
         <p:txBody>
@@ -572,18 +2883,13 @@
               <a:rPr lang="en-US"/>
               <a:t>Click to edit Master title style</a:t>
             </a:r>
-          </a:p>
-        </p:txBody>
-      </p:sp>
-      <p:sp>
-        <p:nvSpPr>
-          <p:cNvPr id="3" name="Vertical Text Placeholder 2">
-            <a:extLst>
-              <a:ext uri="{FF2B5EF4-FFF2-40B4-BE49-F238E27FC236}">
-                <a16:creationId xmlns:a16="http://schemas.microsoft.com/office/drawing/2014/main" id="{8A948503-763D-F264-D9E9-91054EC48E9E}"/>
-              </a:ext>
-            </a:extLst>
-          </p:cNvPr>
+            <a:endParaRPr lang="en-US" dirty="0"/>
+          </a:p>
+        </p:txBody>
+      </p:sp>
+      <p:sp>
+        <p:nvSpPr>
+          <p:cNvPr id="3" name="Vertical Text Placeholder 2"/>
           <p:cNvSpPr>
             <a:spLocks noGrp="1"/>
           </p:cNvSpPr>
@@ -593,12 +2899,12 @@
         </p:nvSpPr>
         <p:spPr>
           <a:xfrm>
-            <a:off x="838200" y="365125"/>
-            <a:ext cx="7734300" cy="5811838"/>
+            <a:off x="685800" y="685800"/>
+            <a:ext cx="7823200" cy="5308600"/>
           </a:xfrm>
         </p:spPr>
         <p:txBody>
-          <a:bodyPr vert="eaVert"/>
+          <a:bodyPr vert="eaVert" anchor="t"/>
           <a:lstStyle/>
           <a:p>
             <a:pPr lvl="0"/>
@@ -634,18 +2940,13 @@
               <a:rPr lang="en-US"/>
               <a:t>Fifth level</a:t>
             </a:r>
-          </a:p>
-        </p:txBody>
-      </p:sp>
-      <p:sp>
-        <p:nvSpPr>
-          <p:cNvPr id="4" name="Date Placeholder 3">
-            <a:extLst>
-              <a:ext uri="{FF2B5EF4-FFF2-40B4-BE49-F238E27FC236}">
-                <a16:creationId xmlns:a16="http://schemas.microsoft.com/office/drawing/2014/main" id="{D3AC0695-0EF8-35EA-45D1-4ADF6699D0F6}"/>
-              </a:ext>
-            </a:extLst>
-          </p:cNvPr>
+            <a:endParaRPr lang="en-US" dirty="0"/>
+          </a:p>
+        </p:txBody>
+      </p:sp>
+      <p:sp>
+        <p:nvSpPr>
+          <p:cNvPr id="4" name="Date Placeholder 3"/>
           <p:cNvSpPr>
             <a:spLocks noGrp="1"/>
           </p:cNvSpPr>
@@ -660,7 +2961,7 @@
           <a:p>
             <a:fld id="{732EEB44-E32F-4EDD-9550-1B249E681FA6}" type="datetimeFigureOut">
               <a:rPr lang="en-US" smtClean="0"/>
-              <a:t>4/23/2024</a:t>
+              <a:t>4/24/2024</a:t>
             </a:fld>
             <a:endParaRPr lang="en-US"/>
           </a:p>
@@ -668,13 +2969,7 @@
       </p:sp>
       <p:sp>
         <p:nvSpPr>
-          <p:cNvPr id="5" name="Footer Placeholder 4">
-            <a:extLst>
-              <a:ext uri="{FF2B5EF4-FFF2-40B4-BE49-F238E27FC236}">
-                <a16:creationId xmlns:a16="http://schemas.microsoft.com/office/drawing/2014/main" id="{4E945B6F-44AE-ACF7-26CD-8215E9F82D7D}"/>
-              </a:ext>
-            </a:extLst>
-          </p:cNvPr>
+          <p:cNvPr id="5" name="Footer Placeholder 4"/>
           <p:cNvSpPr>
             <a:spLocks noGrp="1"/>
           </p:cNvSpPr>
@@ -693,13 +2988,7 @@
       </p:sp>
       <p:sp>
         <p:nvSpPr>
-          <p:cNvPr id="6" name="Slide Number Placeholder 5">
-            <a:extLst>
-              <a:ext uri="{FF2B5EF4-FFF2-40B4-BE49-F238E27FC236}">
-                <a16:creationId xmlns:a16="http://schemas.microsoft.com/office/drawing/2014/main" id="{DCF62FC1-68CC-6713-2E3A-E88C7CCC36F2}"/>
-              </a:ext>
-            </a:extLst>
-          </p:cNvPr>
+          <p:cNvPr id="6" name="Slide Number Placeholder 5"/>
           <p:cNvSpPr>
             <a:spLocks noGrp="1"/>
           </p:cNvSpPr>
@@ -723,7 +3012,7 @@
     </p:spTree>
     <p:extLst>
       <p:ext uri="{BB962C8B-B14F-4D97-AF65-F5344CB8AC3E}">
-        <p14:creationId xmlns:p14="http://schemas.microsoft.com/office/powerpoint/2010/main" val="2921278433"/>
+        <p14:creationId xmlns:p14="http://schemas.microsoft.com/office/powerpoint/2010/main" val="4080951759"/>
       </p:ext>
     </p:extLst>
   </p:cSld>
@@ -752,13 +3041,7 @@
       </p:grpSpPr>
       <p:sp>
         <p:nvSpPr>
-          <p:cNvPr id="2" name="Title 1">
-            <a:extLst>
-              <a:ext uri="{FF2B5EF4-FFF2-40B4-BE49-F238E27FC236}">
-                <a16:creationId xmlns:a16="http://schemas.microsoft.com/office/drawing/2014/main" id="{EBC6D0DF-55C4-813D-CB78-40332F71B6E5}"/>
-              </a:ext>
-            </a:extLst>
-          </p:cNvPr>
+          <p:cNvPr id="2" name="Title 1"/>
           <p:cNvSpPr>
             <a:spLocks noGrp="1"/>
           </p:cNvSpPr>
@@ -775,18 +3058,13 @@
               <a:rPr lang="en-US"/>
               <a:t>Click to edit Master title style</a:t>
             </a:r>
-          </a:p>
-        </p:txBody>
-      </p:sp>
-      <p:sp>
-        <p:nvSpPr>
-          <p:cNvPr id="3" name="Content Placeholder 2">
-            <a:extLst>
-              <a:ext uri="{FF2B5EF4-FFF2-40B4-BE49-F238E27FC236}">
-                <a16:creationId xmlns:a16="http://schemas.microsoft.com/office/drawing/2014/main" id="{2A31A372-70A4-A258-0709-006BA67CB238}"/>
-              </a:ext>
-            </a:extLst>
-          </p:cNvPr>
+            <a:endParaRPr lang="en-US" dirty="0"/>
+          </a:p>
+        </p:txBody>
+      </p:sp>
+      <p:sp>
+        <p:nvSpPr>
+          <p:cNvPr id="3" name="Content Placeholder 2"/>
           <p:cNvSpPr>
             <a:spLocks noGrp="1"/>
           </p:cNvSpPr>
@@ -796,7 +3074,7 @@
         </p:nvSpPr>
         <p:spPr/>
         <p:txBody>
-          <a:bodyPr/>
+          <a:bodyPr anchor="ctr"/>
           <a:lstStyle/>
           <a:p>
             <a:pPr lvl="0"/>
@@ -832,18 +3110,13 @@
               <a:rPr lang="en-US"/>
               <a:t>Fifth level</a:t>
             </a:r>
-          </a:p>
-        </p:txBody>
-      </p:sp>
-      <p:sp>
-        <p:nvSpPr>
-          <p:cNvPr id="4" name="Date Placeholder 3">
-            <a:extLst>
-              <a:ext uri="{FF2B5EF4-FFF2-40B4-BE49-F238E27FC236}">
-                <a16:creationId xmlns:a16="http://schemas.microsoft.com/office/drawing/2014/main" id="{9727603E-8865-BDE6-27C2-8940188AEE07}"/>
-              </a:ext>
-            </a:extLst>
-          </p:cNvPr>
+            <a:endParaRPr lang="en-US" dirty="0"/>
+          </a:p>
+        </p:txBody>
+      </p:sp>
+      <p:sp>
+        <p:nvSpPr>
+          <p:cNvPr id="4" name="Date Placeholder 3"/>
           <p:cNvSpPr>
             <a:spLocks noGrp="1"/>
           </p:cNvSpPr>
@@ -858,7 +3131,7 @@
           <a:p>
             <a:fld id="{732EEB44-E32F-4EDD-9550-1B249E681FA6}" type="datetimeFigureOut">
               <a:rPr lang="en-US" smtClean="0"/>
-              <a:t>4/23/2024</a:t>
+              <a:t>4/24/2024</a:t>
             </a:fld>
             <a:endParaRPr lang="en-US"/>
           </a:p>
@@ -866,13 +3139,7 @@
       </p:sp>
       <p:sp>
         <p:nvSpPr>
-          <p:cNvPr id="5" name="Footer Placeholder 4">
-            <a:extLst>
-              <a:ext uri="{FF2B5EF4-FFF2-40B4-BE49-F238E27FC236}">
-                <a16:creationId xmlns:a16="http://schemas.microsoft.com/office/drawing/2014/main" id="{A92C0520-4F7B-6849-ADAA-4650814C5E5F}"/>
-              </a:ext>
-            </a:extLst>
-          </p:cNvPr>
+          <p:cNvPr id="5" name="Footer Placeholder 4"/>
           <p:cNvSpPr>
             <a:spLocks noGrp="1"/>
           </p:cNvSpPr>
@@ -891,13 +3158,7 @@
       </p:sp>
       <p:sp>
         <p:nvSpPr>
-          <p:cNvPr id="6" name="Slide Number Placeholder 5">
-            <a:extLst>
-              <a:ext uri="{FF2B5EF4-FFF2-40B4-BE49-F238E27FC236}">
-                <a16:creationId xmlns:a16="http://schemas.microsoft.com/office/drawing/2014/main" id="{509DCAFA-C50F-9FE4-5345-E2323B197E6D}"/>
-              </a:ext>
-            </a:extLst>
-          </p:cNvPr>
+          <p:cNvPr id="6" name="Slide Number Placeholder 5"/>
           <p:cNvSpPr>
             <a:spLocks noGrp="1"/>
           </p:cNvSpPr>
@@ -921,7 +3182,7 @@
     </p:spTree>
     <p:extLst>
       <p:ext uri="{BB962C8B-B14F-4D97-AF65-F5344CB8AC3E}">
-        <p14:creationId xmlns:p14="http://schemas.microsoft.com/office/powerpoint/2010/main" val="299201724"/>
+        <p14:creationId xmlns:p14="http://schemas.microsoft.com/office/powerpoint/2010/main" val="2612312461"/>
       </p:ext>
     </p:extLst>
   </p:cSld>
@@ -950,13 +3211,7 @@
       </p:grpSpPr>
       <p:sp>
         <p:nvSpPr>
-          <p:cNvPr id="2" name="Title 1">
-            <a:extLst>
-              <a:ext uri="{FF2B5EF4-FFF2-40B4-BE49-F238E27FC236}">
-                <a16:creationId xmlns:a16="http://schemas.microsoft.com/office/drawing/2014/main" id="{D5AEFE9A-0D3F-A47B-26D6-D8265080A783}"/>
-              </a:ext>
-            </a:extLst>
-          </p:cNvPr>
+          <p:cNvPr id="2" name="Title 1"/>
           <p:cNvSpPr>
             <a:spLocks noGrp="1"/>
           </p:cNvSpPr>
@@ -966,15 +3221,17 @@
         </p:nvSpPr>
         <p:spPr>
           <a:xfrm>
-            <a:off x="831850" y="1709738"/>
-            <a:ext cx="10515600" cy="2852737"/>
+            <a:off x="684211" y="2006600"/>
+            <a:ext cx="8534401" cy="2281600"/>
           </a:xfrm>
         </p:spPr>
         <p:txBody>
-          <a:bodyPr anchor="b"/>
+          <a:bodyPr anchor="b">
+            <a:normAutofit/>
+          </a:bodyPr>
           <a:lstStyle>
-            <a:lvl1pPr>
-              <a:defRPr sz="6000"/>
+            <a:lvl1pPr algn="l">
+              <a:defRPr sz="3600" b="0" cap="all"/>
             </a:lvl1pPr>
           </a:lstStyle>
           <a:p>
@@ -982,18 +3239,13 @@
               <a:rPr lang="en-US"/>
               <a:t>Click to edit Master title style</a:t>
             </a:r>
-          </a:p>
-        </p:txBody>
-      </p:sp>
-      <p:sp>
-        <p:nvSpPr>
-          <p:cNvPr id="3" name="Text Placeholder 2">
-            <a:extLst>
-              <a:ext uri="{FF2B5EF4-FFF2-40B4-BE49-F238E27FC236}">
-                <a16:creationId xmlns:a16="http://schemas.microsoft.com/office/drawing/2014/main" id="{3E8CAD39-3EF9-7D2E-0AA7-1BCC4954BE04}"/>
-              </a:ext>
-            </a:extLst>
-          </p:cNvPr>
+            <a:endParaRPr lang="en-US" dirty="0"/>
+          </a:p>
+        </p:txBody>
+      </p:sp>
+      <p:sp>
+        <p:nvSpPr>
+          <p:cNvPr id="3" name="Text Placeholder 2"/>
           <p:cNvSpPr>
             <a:spLocks noGrp="1"/>
           </p:cNvSpPr>
@@ -1003,99 +3255,101 @@
         </p:nvSpPr>
         <p:spPr>
           <a:xfrm>
-            <a:off x="831850" y="4589463"/>
-            <a:ext cx="10515600" cy="1500187"/>
+            <a:off x="684213" y="4495800"/>
+            <a:ext cx="8534400" cy="1498600"/>
           </a:xfrm>
         </p:spPr>
         <p:txBody>
-          <a:bodyPr/>
+          <a:bodyPr anchor="t">
+            <a:normAutofit/>
+          </a:bodyPr>
           <a:lstStyle>
-            <a:lvl1pPr marL="0" indent="0">
-              <a:buNone/>
-              <a:defRPr sz="2400">
-                <a:solidFill>
-                  <a:schemeClr val="tx1">
-                    <a:tint val="82000"/>
+            <a:lvl1pPr marL="0" indent="0" algn="l">
+              <a:buNone/>
+              <a:defRPr sz="1800">
+                <a:solidFill>
+                  <a:schemeClr val="bg2">
+                    <a:lumMod val="75000"/>
                   </a:schemeClr>
                 </a:solidFill>
               </a:defRPr>
             </a:lvl1pPr>
             <a:lvl2pPr marL="457200" indent="0">
               <a:buNone/>
-              <a:defRPr sz="2000">
+              <a:defRPr sz="1800">
                 <a:solidFill>
                   <a:schemeClr val="tx1">
-                    <a:tint val="82000"/>
+                    <a:tint val="75000"/>
                   </a:schemeClr>
                 </a:solidFill>
               </a:defRPr>
             </a:lvl2pPr>
             <a:lvl3pPr marL="914400" indent="0">
               <a:buNone/>
-              <a:defRPr sz="1800">
+              <a:defRPr sz="1600">
                 <a:solidFill>
                   <a:schemeClr val="tx1">
-                    <a:tint val="82000"/>
+                    <a:tint val="75000"/>
                   </a:schemeClr>
                 </a:solidFill>
               </a:defRPr>
             </a:lvl3pPr>
             <a:lvl4pPr marL="1371600" indent="0">
               <a:buNone/>
-              <a:defRPr sz="1600">
+              <a:defRPr sz="1400">
                 <a:solidFill>
                   <a:schemeClr val="tx1">
-                    <a:tint val="82000"/>
+                    <a:tint val="75000"/>
                   </a:schemeClr>
                 </a:solidFill>
               </a:defRPr>
             </a:lvl4pPr>
             <a:lvl5pPr marL="1828800" indent="0">
               <a:buNone/>
-              <a:defRPr sz="1600">
+              <a:defRPr sz="1400">
                 <a:solidFill>
                   <a:schemeClr val="tx1">
-                    <a:tint val="82000"/>
+                    <a:tint val="75000"/>
                   </a:schemeClr>
                 </a:solidFill>
               </a:defRPr>
             </a:lvl5pPr>
             <a:lvl6pPr marL="2286000" indent="0">
               <a:buNone/>
-              <a:defRPr sz="1600">
+              <a:defRPr sz="1400">
                 <a:solidFill>
                   <a:schemeClr val="tx1">
-                    <a:tint val="82000"/>
+                    <a:tint val="75000"/>
                   </a:schemeClr>
                 </a:solidFill>
               </a:defRPr>
             </a:lvl6pPr>
             <a:lvl7pPr marL="2743200" indent="0">
               <a:buNone/>
-              <a:defRPr sz="1600">
+              <a:defRPr sz="1400">
                 <a:solidFill>
                   <a:schemeClr val="tx1">
-                    <a:tint val="82000"/>
+                    <a:tint val="75000"/>
                   </a:schemeClr>
                 </a:solidFill>
               </a:defRPr>
             </a:lvl7pPr>
             <a:lvl8pPr marL="3200400" indent="0">
               <a:buNone/>
-              <a:defRPr sz="1600">
+              <a:defRPr sz="1400">
                 <a:solidFill>
                   <a:schemeClr val="tx1">
-                    <a:tint val="82000"/>
+                    <a:tint val="75000"/>
                   </a:schemeClr>
                 </a:solidFill>
               </a:defRPr>
             </a:lvl8pPr>
             <a:lvl9pPr marL="3657600" indent="0">
               <a:buNone/>
-              <a:defRPr sz="1600">
+              <a:defRPr sz="1400">
                 <a:solidFill>
                   <a:schemeClr val="tx1">
-                    <a:tint val="82000"/>
+                    <a:tint val="75000"/>
                   </a:schemeClr>
                 </a:solidFill>
               </a:defRPr>
@@ -1112,13 +3366,7 @@
       </p:sp>
       <p:sp>
         <p:nvSpPr>
-          <p:cNvPr id="4" name="Date Placeholder 3">
-            <a:extLst>
-              <a:ext uri="{FF2B5EF4-FFF2-40B4-BE49-F238E27FC236}">
-                <a16:creationId xmlns:a16="http://schemas.microsoft.com/office/drawing/2014/main" id="{EEB89FF1-A58B-2E44-92F4-4BF6DF9D0051}"/>
-              </a:ext>
-            </a:extLst>
-          </p:cNvPr>
+          <p:cNvPr id="4" name="Date Placeholder 3"/>
           <p:cNvSpPr>
             <a:spLocks noGrp="1"/>
           </p:cNvSpPr>
@@ -1133,7 +3381,7 @@
           <a:p>
             <a:fld id="{732EEB44-E32F-4EDD-9550-1B249E681FA6}" type="datetimeFigureOut">
               <a:rPr lang="en-US" smtClean="0"/>
-              <a:t>4/23/2024</a:t>
+              <a:t>4/24/2024</a:t>
             </a:fld>
             <a:endParaRPr lang="en-US"/>
           </a:p>
@@ -1141,13 +3389,7 @@
       </p:sp>
       <p:sp>
         <p:nvSpPr>
-          <p:cNvPr id="5" name="Footer Placeholder 4">
-            <a:extLst>
-              <a:ext uri="{FF2B5EF4-FFF2-40B4-BE49-F238E27FC236}">
-                <a16:creationId xmlns:a16="http://schemas.microsoft.com/office/drawing/2014/main" id="{9B9866D6-1BD4-43F6-F0F4-BA24126186E6}"/>
-              </a:ext>
-            </a:extLst>
-          </p:cNvPr>
+          <p:cNvPr id="5" name="Footer Placeholder 4"/>
           <p:cNvSpPr>
             <a:spLocks noGrp="1"/>
           </p:cNvSpPr>
@@ -1166,13 +3408,7 @@
       </p:sp>
       <p:sp>
         <p:nvSpPr>
-          <p:cNvPr id="6" name="Slide Number Placeholder 5">
-            <a:extLst>
-              <a:ext uri="{FF2B5EF4-FFF2-40B4-BE49-F238E27FC236}">
-                <a16:creationId xmlns:a16="http://schemas.microsoft.com/office/drawing/2014/main" id="{DB15B7D6-EDD2-2362-C1B6-18D04FCA74CC}"/>
-              </a:ext>
-            </a:extLst>
-          </p:cNvPr>
+          <p:cNvPr id="6" name="Slide Number Placeholder 5"/>
           <p:cNvSpPr>
             <a:spLocks noGrp="1"/>
           </p:cNvSpPr>
@@ -1196,7 +3432,7 @@
     </p:spTree>
     <p:extLst>
       <p:ext uri="{BB962C8B-B14F-4D97-AF65-F5344CB8AC3E}">
-        <p14:creationId xmlns:p14="http://schemas.microsoft.com/office/powerpoint/2010/main" val="596492203"/>
+        <p14:creationId xmlns:p14="http://schemas.microsoft.com/office/powerpoint/2010/main" val="3646795463"/>
       </p:ext>
     </p:extLst>
   </p:cSld>
@@ -1225,13 +3461,7 @@
       </p:grpSpPr>
       <p:sp>
         <p:nvSpPr>
-          <p:cNvPr id="2" name="Title 1">
-            <a:extLst>
-              <a:ext uri="{FF2B5EF4-FFF2-40B4-BE49-F238E27FC236}">
-                <a16:creationId xmlns:a16="http://schemas.microsoft.com/office/drawing/2014/main" id="{B4A566BE-FF0E-5A0F-955E-2912607B4F73}"/>
-              </a:ext>
-            </a:extLst>
-          </p:cNvPr>
+          <p:cNvPr id="2" name="Title 1"/>
           <p:cNvSpPr>
             <a:spLocks noGrp="1"/>
           </p:cNvSpPr>
@@ -1248,18 +3478,13 @@
               <a:rPr lang="en-US"/>
               <a:t>Click to edit Master title style</a:t>
             </a:r>
-          </a:p>
-        </p:txBody>
-      </p:sp>
-      <p:sp>
-        <p:nvSpPr>
-          <p:cNvPr id="3" name="Content Placeholder 2">
-            <a:extLst>
-              <a:ext uri="{FF2B5EF4-FFF2-40B4-BE49-F238E27FC236}">
-                <a16:creationId xmlns:a16="http://schemas.microsoft.com/office/drawing/2014/main" id="{9576075C-F56E-C9E9-3B91-E374443D8A17}"/>
-              </a:ext>
-            </a:extLst>
-          </p:cNvPr>
+            <a:endParaRPr lang="en-US" dirty="0"/>
+          </a:p>
+        </p:txBody>
+      </p:sp>
+      <p:sp>
+        <p:nvSpPr>
+          <p:cNvPr id="3" name="Content Placeholder 2"/>
           <p:cNvSpPr>
             <a:spLocks noGrp="1"/>
           </p:cNvSpPr>
@@ -1269,12 +3494,14 @@
         </p:nvSpPr>
         <p:spPr>
           <a:xfrm>
-            <a:off x="838200" y="1825625"/>
-            <a:ext cx="5181600" cy="4351338"/>
+            <a:off x="684211" y="685800"/>
+            <a:ext cx="4937655" cy="3615267"/>
           </a:xfrm>
         </p:spPr>
         <p:txBody>
-          <a:bodyPr/>
+          <a:bodyPr>
+            <a:normAutofit/>
+          </a:bodyPr>
           <a:lstStyle/>
           <a:p>
             <a:pPr lvl="0"/>
@@ -1310,18 +3537,13 @@
               <a:rPr lang="en-US"/>
               <a:t>Fifth level</a:t>
             </a:r>
-          </a:p>
-        </p:txBody>
-      </p:sp>
-      <p:sp>
-        <p:nvSpPr>
-          <p:cNvPr id="4" name="Content Placeholder 3">
-            <a:extLst>
-              <a:ext uri="{FF2B5EF4-FFF2-40B4-BE49-F238E27FC236}">
-                <a16:creationId xmlns:a16="http://schemas.microsoft.com/office/drawing/2014/main" id="{7CA94F0C-2476-F931-BD87-7F4BB2746B85}"/>
-              </a:ext>
-            </a:extLst>
-          </p:cNvPr>
+            <a:endParaRPr lang="en-US" dirty="0"/>
+          </a:p>
+        </p:txBody>
+      </p:sp>
+      <p:sp>
+        <p:nvSpPr>
+          <p:cNvPr id="4" name="Content Placeholder 3"/>
           <p:cNvSpPr>
             <a:spLocks noGrp="1"/>
           </p:cNvSpPr>
@@ -1331,12 +3553,14 @@
         </p:nvSpPr>
         <p:spPr>
           <a:xfrm>
-            <a:off x="6172200" y="1825625"/>
-            <a:ext cx="5181600" cy="4351338"/>
+            <a:off x="5808133" y="685801"/>
+            <a:ext cx="4934479" cy="3615266"/>
           </a:xfrm>
         </p:spPr>
         <p:txBody>
-          <a:bodyPr/>
+          <a:bodyPr>
+            <a:normAutofit/>
+          </a:bodyPr>
           <a:lstStyle/>
           <a:p>
             <a:pPr lvl="0"/>
@@ -1372,18 +3596,13 @@
               <a:rPr lang="en-US"/>
               <a:t>Fifth level</a:t>
             </a:r>
-          </a:p>
-        </p:txBody>
-      </p:sp>
-      <p:sp>
-        <p:nvSpPr>
-          <p:cNvPr id="5" name="Date Placeholder 4">
-            <a:extLst>
-              <a:ext uri="{FF2B5EF4-FFF2-40B4-BE49-F238E27FC236}">
-                <a16:creationId xmlns:a16="http://schemas.microsoft.com/office/drawing/2014/main" id="{D456FC43-D6BB-00E6-DF61-3E4708DE84BE}"/>
-              </a:ext>
-            </a:extLst>
-          </p:cNvPr>
+            <a:endParaRPr lang="en-US" dirty="0"/>
+          </a:p>
+        </p:txBody>
+      </p:sp>
+      <p:sp>
+        <p:nvSpPr>
+          <p:cNvPr id="5" name="Date Placeholder 4"/>
           <p:cNvSpPr>
             <a:spLocks noGrp="1"/>
           </p:cNvSpPr>
@@ -1398,7 +3617,7 @@
           <a:p>
             <a:fld id="{732EEB44-E32F-4EDD-9550-1B249E681FA6}" type="datetimeFigureOut">
               <a:rPr lang="en-US" smtClean="0"/>
-              <a:t>4/23/2024</a:t>
+              <a:t>4/24/2024</a:t>
             </a:fld>
             <a:endParaRPr lang="en-US"/>
           </a:p>
@@ -1406,13 +3625,7 @@
       </p:sp>
       <p:sp>
         <p:nvSpPr>
-          <p:cNvPr id="6" name="Footer Placeholder 5">
-            <a:extLst>
-              <a:ext uri="{FF2B5EF4-FFF2-40B4-BE49-F238E27FC236}">
-                <a16:creationId xmlns:a16="http://schemas.microsoft.com/office/drawing/2014/main" id="{E717D7E2-3A43-7BD4-EB21-00845ACABB7A}"/>
-              </a:ext>
-            </a:extLst>
-          </p:cNvPr>
+          <p:cNvPr id="6" name="Footer Placeholder 5"/>
           <p:cNvSpPr>
             <a:spLocks noGrp="1"/>
           </p:cNvSpPr>
@@ -1431,13 +3644,7 @@
       </p:sp>
       <p:sp>
         <p:nvSpPr>
-          <p:cNvPr id="7" name="Slide Number Placeholder 6">
-            <a:extLst>
-              <a:ext uri="{FF2B5EF4-FFF2-40B4-BE49-F238E27FC236}">
-                <a16:creationId xmlns:a16="http://schemas.microsoft.com/office/drawing/2014/main" id="{47674A2B-F53E-3F07-AB0B-270EC79EDB4D}"/>
-              </a:ext>
-            </a:extLst>
-          </p:cNvPr>
+          <p:cNvPr id="7" name="Slide Number Placeholder 6"/>
           <p:cNvSpPr>
             <a:spLocks noGrp="1"/>
           </p:cNvSpPr>
@@ -1461,7 +3668,7 @@
     </p:spTree>
     <p:extLst>
       <p:ext uri="{BB962C8B-B14F-4D97-AF65-F5344CB8AC3E}">
-        <p14:creationId xmlns:p14="http://schemas.microsoft.com/office/powerpoint/2010/main" val="2265645636"/>
+        <p14:creationId xmlns:p14="http://schemas.microsoft.com/office/powerpoint/2010/main" val="4034141004"/>
       </p:ext>
     </p:extLst>
   </p:cSld>
@@ -1490,65 +3697,59 @@
       </p:grpSpPr>
       <p:sp>
         <p:nvSpPr>
-          <p:cNvPr id="2" name="Title 1">
-            <a:extLst>
-              <a:ext uri="{FF2B5EF4-FFF2-40B4-BE49-F238E27FC236}">
-                <a16:creationId xmlns:a16="http://schemas.microsoft.com/office/drawing/2014/main" id="{3EA60C94-3870-2737-B24F-DEF051E85C31}"/>
-              </a:ext>
-            </a:extLst>
-          </p:cNvPr>
+          <p:cNvPr id="2" name="Title 1"/>
           <p:cNvSpPr>
             <a:spLocks noGrp="1"/>
           </p:cNvSpPr>
           <p:nvPr>
             <p:ph type="title"/>
+          </p:nvPr>
+        </p:nvSpPr>
+        <p:spPr/>
+        <p:txBody>
+          <a:bodyPr/>
+          <a:lstStyle>
+            <a:lvl1pPr>
+              <a:defRPr/>
+            </a:lvl1pPr>
+          </a:lstStyle>
+          <a:p>
+            <a:r>
+              <a:rPr lang="en-US"/>
+              <a:t>Click to edit Master title style</a:t>
+            </a:r>
+            <a:endParaRPr lang="en-US" dirty="0"/>
+          </a:p>
+        </p:txBody>
+      </p:sp>
+      <p:sp>
+        <p:nvSpPr>
+          <p:cNvPr id="3" name="Text Placeholder 2"/>
+          <p:cNvSpPr>
+            <a:spLocks noGrp="1"/>
+          </p:cNvSpPr>
+          <p:nvPr>
+            <p:ph type="body" idx="1"/>
           </p:nvPr>
         </p:nvSpPr>
         <p:spPr>
           <a:xfrm>
-            <a:off x="839788" y="365125"/>
-            <a:ext cx="10515600" cy="1325563"/>
+            <a:off x="972080" y="685800"/>
+            <a:ext cx="4649787" cy="576262"/>
           </a:xfrm>
         </p:spPr>
         <p:txBody>
-          <a:bodyPr/>
-          <a:lstStyle/>
-          <a:p>
-            <a:r>
-              <a:rPr lang="en-US"/>
-              <a:t>Click to edit Master title style</a:t>
-            </a:r>
-          </a:p>
-        </p:txBody>
-      </p:sp>
-      <p:sp>
-        <p:nvSpPr>
-          <p:cNvPr id="3" name="Text Placeholder 2">
-            <a:extLst>
-              <a:ext uri="{FF2B5EF4-FFF2-40B4-BE49-F238E27FC236}">
-                <a16:creationId xmlns:a16="http://schemas.microsoft.com/office/drawing/2014/main" id="{22B3A578-94BE-BB39-C056-8470905B853B}"/>
-              </a:ext>
-            </a:extLst>
-          </p:cNvPr>
-          <p:cNvSpPr>
-            <a:spLocks noGrp="1"/>
-          </p:cNvSpPr>
-          <p:nvPr>
-            <p:ph type="body" idx="1"/>
-          </p:nvPr>
-        </p:nvSpPr>
-        <p:spPr>
-          <a:xfrm>
-            <a:off x="839788" y="1681163"/>
-            <a:ext cx="5157787" cy="823912"/>
-          </a:xfrm>
-        </p:spPr>
-        <p:txBody>
-          <a:bodyPr anchor="b"/>
+          <a:bodyPr anchor="b">
+            <a:noAutofit/>
+          </a:bodyPr>
           <a:lstStyle>
             <a:lvl1pPr marL="0" indent="0">
               <a:buNone/>
-              <a:defRPr sz="2400" b="1"/>
+              <a:defRPr sz="2800" b="0">
+                <a:solidFill>
+                  <a:schemeClr val="tx1"/>
+                </a:solidFill>
+              </a:defRPr>
             </a:lvl1pPr>
             <a:lvl2pPr marL="457200" indent="0">
               <a:buNone/>
@@ -1594,13 +3795,7 @@
       </p:sp>
       <p:sp>
         <p:nvSpPr>
-          <p:cNvPr id="4" name="Content Placeholder 3">
-            <a:extLst>
-              <a:ext uri="{FF2B5EF4-FFF2-40B4-BE49-F238E27FC236}">
-                <a16:creationId xmlns:a16="http://schemas.microsoft.com/office/drawing/2014/main" id="{A46EB545-317E-2A68-6D65-446891DA63E7}"/>
-              </a:ext>
-            </a:extLst>
-          </p:cNvPr>
+          <p:cNvPr id="4" name="Content Placeholder 3"/>
           <p:cNvSpPr>
             <a:spLocks noGrp="1"/>
           </p:cNvSpPr>
@@ -1610,12 +3805,14 @@
         </p:nvSpPr>
         <p:spPr>
           <a:xfrm>
-            <a:off x="839788" y="2505075"/>
-            <a:ext cx="5157787" cy="3684588"/>
+            <a:off x="684211" y="1270529"/>
+            <a:ext cx="4937655" cy="3030538"/>
           </a:xfrm>
         </p:spPr>
         <p:txBody>
-          <a:bodyPr/>
+          <a:bodyPr anchor="t">
+            <a:normAutofit/>
+          </a:bodyPr>
           <a:lstStyle/>
           <a:p>
             <a:pPr lvl="0"/>
@@ -1651,18 +3848,13 @@
               <a:rPr lang="en-US"/>
               <a:t>Fifth level</a:t>
             </a:r>
-          </a:p>
-        </p:txBody>
-      </p:sp>
-      <p:sp>
-        <p:nvSpPr>
-          <p:cNvPr id="5" name="Text Placeholder 4">
-            <a:extLst>
-              <a:ext uri="{FF2B5EF4-FFF2-40B4-BE49-F238E27FC236}">
-                <a16:creationId xmlns:a16="http://schemas.microsoft.com/office/drawing/2014/main" id="{1434C651-7022-4583-8DBD-ACE804F4C866}"/>
-              </a:ext>
-            </a:extLst>
-          </p:cNvPr>
+            <a:endParaRPr lang="en-US" dirty="0"/>
+          </a:p>
+        </p:txBody>
+      </p:sp>
+      <p:sp>
+        <p:nvSpPr>
+          <p:cNvPr id="5" name="Text Placeholder 4"/>
           <p:cNvSpPr>
             <a:spLocks noGrp="1"/>
           </p:cNvSpPr>
@@ -1672,16 +3864,22 @@
         </p:nvSpPr>
         <p:spPr>
           <a:xfrm>
-            <a:off x="6172200" y="1681163"/>
-            <a:ext cx="5183188" cy="823912"/>
+            <a:off x="6079066" y="685800"/>
+            <a:ext cx="4665134" cy="576262"/>
           </a:xfrm>
         </p:spPr>
         <p:txBody>
-          <a:bodyPr anchor="b"/>
+          <a:bodyPr anchor="b">
+            <a:noAutofit/>
+          </a:bodyPr>
           <a:lstStyle>
             <a:lvl1pPr marL="0" indent="0">
               <a:buNone/>
-              <a:defRPr sz="2400" b="1"/>
+              <a:defRPr sz="2800" b="0">
+                <a:solidFill>
+                  <a:schemeClr val="tx1"/>
+                </a:solidFill>
+              </a:defRPr>
             </a:lvl1pPr>
             <a:lvl2pPr marL="457200" indent="0">
               <a:buNone/>
@@ -1727,13 +3925,7 @@
       </p:sp>
       <p:sp>
         <p:nvSpPr>
-          <p:cNvPr id="6" name="Content Placeholder 5">
-            <a:extLst>
-              <a:ext uri="{FF2B5EF4-FFF2-40B4-BE49-F238E27FC236}">
-                <a16:creationId xmlns:a16="http://schemas.microsoft.com/office/drawing/2014/main" id="{A39F507E-FB5E-0B6B-E955-44AA850EA549}"/>
-              </a:ext>
-            </a:extLst>
-          </p:cNvPr>
+          <p:cNvPr id="6" name="Content Placeholder 5"/>
           <p:cNvSpPr>
             <a:spLocks noGrp="1"/>
           </p:cNvSpPr>
@@ -1743,12 +3935,14 @@
         </p:nvSpPr>
         <p:spPr>
           <a:xfrm>
-            <a:off x="6172200" y="2505075"/>
-            <a:ext cx="5183188" cy="3684588"/>
+            <a:off x="5806545" y="1262062"/>
+            <a:ext cx="4929188" cy="3030538"/>
           </a:xfrm>
         </p:spPr>
         <p:txBody>
-          <a:bodyPr/>
+          <a:bodyPr anchor="t">
+            <a:normAutofit/>
+          </a:bodyPr>
           <a:lstStyle/>
           <a:p>
             <a:pPr lvl="0"/>
@@ -1784,18 +3978,13 @@
               <a:rPr lang="en-US"/>
               <a:t>Fifth level</a:t>
             </a:r>
-          </a:p>
-        </p:txBody>
-      </p:sp>
-      <p:sp>
-        <p:nvSpPr>
-          <p:cNvPr id="7" name="Date Placeholder 6">
-            <a:extLst>
-              <a:ext uri="{FF2B5EF4-FFF2-40B4-BE49-F238E27FC236}">
-                <a16:creationId xmlns:a16="http://schemas.microsoft.com/office/drawing/2014/main" id="{B918F907-641B-7AEF-4CD0-C69431FB3E86}"/>
-              </a:ext>
-            </a:extLst>
-          </p:cNvPr>
+            <a:endParaRPr lang="en-US" dirty="0"/>
+          </a:p>
+        </p:txBody>
+      </p:sp>
+      <p:sp>
+        <p:nvSpPr>
+          <p:cNvPr id="7" name="Date Placeholder 6"/>
           <p:cNvSpPr>
             <a:spLocks noGrp="1"/>
           </p:cNvSpPr>
@@ -1810,7 +3999,7 @@
           <a:p>
             <a:fld id="{732EEB44-E32F-4EDD-9550-1B249E681FA6}" type="datetimeFigureOut">
               <a:rPr lang="en-US" smtClean="0"/>
-              <a:t>4/23/2024</a:t>
+              <a:t>4/24/2024</a:t>
             </a:fld>
             <a:endParaRPr lang="en-US"/>
           </a:p>
@@ -1818,13 +4007,7 @@
       </p:sp>
       <p:sp>
         <p:nvSpPr>
-          <p:cNvPr id="8" name="Footer Placeholder 7">
-            <a:extLst>
-              <a:ext uri="{FF2B5EF4-FFF2-40B4-BE49-F238E27FC236}">
-                <a16:creationId xmlns:a16="http://schemas.microsoft.com/office/drawing/2014/main" id="{4B2D9466-7424-27F3-F449-69C1B3F29388}"/>
-              </a:ext>
-            </a:extLst>
-          </p:cNvPr>
+          <p:cNvPr id="8" name="Footer Placeholder 7"/>
           <p:cNvSpPr>
             <a:spLocks noGrp="1"/>
           </p:cNvSpPr>
@@ -1843,13 +4026,7 @@
       </p:sp>
       <p:sp>
         <p:nvSpPr>
-          <p:cNvPr id="9" name="Slide Number Placeholder 8">
-            <a:extLst>
-              <a:ext uri="{FF2B5EF4-FFF2-40B4-BE49-F238E27FC236}">
-                <a16:creationId xmlns:a16="http://schemas.microsoft.com/office/drawing/2014/main" id="{439DA4F6-7511-3655-1DB5-AAE3954F680A}"/>
-              </a:ext>
-            </a:extLst>
-          </p:cNvPr>
+          <p:cNvPr id="9" name="Slide Number Placeholder 8"/>
           <p:cNvSpPr>
             <a:spLocks noGrp="1"/>
           </p:cNvSpPr>
@@ -1873,7 +4050,7 @@
     </p:spTree>
     <p:extLst>
       <p:ext uri="{BB962C8B-B14F-4D97-AF65-F5344CB8AC3E}">
-        <p14:creationId xmlns:p14="http://schemas.microsoft.com/office/powerpoint/2010/main" val="3741336021"/>
+        <p14:creationId xmlns:p14="http://schemas.microsoft.com/office/powerpoint/2010/main" val="2365200987"/>
       </p:ext>
     </p:extLst>
   </p:cSld>
@@ -1902,13 +4079,7 @@
       </p:grpSpPr>
       <p:sp>
         <p:nvSpPr>
-          <p:cNvPr id="2" name="Title 1">
-            <a:extLst>
-              <a:ext uri="{FF2B5EF4-FFF2-40B4-BE49-F238E27FC236}">
-                <a16:creationId xmlns:a16="http://schemas.microsoft.com/office/drawing/2014/main" id="{61295D81-312B-E768-D649-34B7B92D4E15}"/>
-              </a:ext>
-            </a:extLst>
-          </p:cNvPr>
+          <p:cNvPr id="2" name="Title 1"/>
           <p:cNvSpPr>
             <a:spLocks noGrp="1"/>
           </p:cNvSpPr>
@@ -1925,18 +4096,13 @@
               <a:rPr lang="en-US"/>
               <a:t>Click to edit Master title style</a:t>
             </a:r>
-          </a:p>
-        </p:txBody>
-      </p:sp>
-      <p:sp>
-        <p:nvSpPr>
-          <p:cNvPr id="3" name="Date Placeholder 2">
-            <a:extLst>
-              <a:ext uri="{FF2B5EF4-FFF2-40B4-BE49-F238E27FC236}">
-                <a16:creationId xmlns:a16="http://schemas.microsoft.com/office/drawing/2014/main" id="{D3C20D9E-93BB-1370-5516-E7FC2ACF8A76}"/>
-              </a:ext>
-            </a:extLst>
-          </p:cNvPr>
+            <a:endParaRPr lang="en-US" dirty="0"/>
+          </a:p>
+        </p:txBody>
+      </p:sp>
+      <p:sp>
+        <p:nvSpPr>
+          <p:cNvPr id="3" name="Date Placeholder 2"/>
           <p:cNvSpPr>
             <a:spLocks noGrp="1"/>
           </p:cNvSpPr>
@@ -1951,7 +4117,7 @@
           <a:p>
             <a:fld id="{732EEB44-E32F-4EDD-9550-1B249E681FA6}" type="datetimeFigureOut">
               <a:rPr lang="en-US" smtClean="0"/>
-              <a:t>4/23/2024</a:t>
+              <a:t>4/24/2024</a:t>
             </a:fld>
             <a:endParaRPr lang="en-US"/>
           </a:p>
@@ -1959,13 +4125,7 @@
       </p:sp>
       <p:sp>
         <p:nvSpPr>
-          <p:cNvPr id="4" name="Footer Placeholder 3">
-            <a:extLst>
-              <a:ext uri="{FF2B5EF4-FFF2-40B4-BE49-F238E27FC236}">
-                <a16:creationId xmlns:a16="http://schemas.microsoft.com/office/drawing/2014/main" id="{75BA53F4-2C07-CEE3-4294-7B7E4D6C5E1F}"/>
-              </a:ext>
-            </a:extLst>
-          </p:cNvPr>
+          <p:cNvPr id="4" name="Footer Placeholder 3"/>
           <p:cNvSpPr>
             <a:spLocks noGrp="1"/>
           </p:cNvSpPr>
@@ -1984,13 +4144,7 @@
       </p:sp>
       <p:sp>
         <p:nvSpPr>
-          <p:cNvPr id="5" name="Slide Number Placeholder 4">
-            <a:extLst>
-              <a:ext uri="{FF2B5EF4-FFF2-40B4-BE49-F238E27FC236}">
-                <a16:creationId xmlns:a16="http://schemas.microsoft.com/office/drawing/2014/main" id="{DB02F791-0526-0EBC-9F2A-AF3CAA728069}"/>
-              </a:ext>
-            </a:extLst>
-          </p:cNvPr>
+          <p:cNvPr id="5" name="Slide Number Placeholder 4"/>
           <p:cNvSpPr>
             <a:spLocks noGrp="1"/>
           </p:cNvSpPr>
@@ -2014,7 +4168,7 @@
     </p:spTree>
     <p:extLst>
       <p:ext uri="{BB962C8B-B14F-4D97-AF65-F5344CB8AC3E}">
-        <p14:creationId xmlns:p14="http://schemas.microsoft.com/office/powerpoint/2010/main" val="3351003036"/>
+        <p14:creationId xmlns:p14="http://schemas.microsoft.com/office/powerpoint/2010/main" val="1923915948"/>
       </p:ext>
     </p:extLst>
   </p:cSld>
@@ -2043,13 +4197,7 @@
       </p:grpSpPr>
       <p:sp>
         <p:nvSpPr>
-          <p:cNvPr id="2" name="Date Placeholder 1">
-            <a:extLst>
-              <a:ext uri="{FF2B5EF4-FFF2-40B4-BE49-F238E27FC236}">
-                <a16:creationId xmlns:a16="http://schemas.microsoft.com/office/drawing/2014/main" id="{127E51E3-64D3-3B88-6C39-62908029AD46}"/>
-              </a:ext>
-            </a:extLst>
-          </p:cNvPr>
+          <p:cNvPr id="2" name="Date Placeholder 1"/>
           <p:cNvSpPr>
             <a:spLocks noGrp="1"/>
           </p:cNvSpPr>
@@ -2064,7 +4212,7 @@
           <a:p>
             <a:fld id="{732EEB44-E32F-4EDD-9550-1B249E681FA6}" type="datetimeFigureOut">
               <a:rPr lang="en-US" smtClean="0"/>
-              <a:t>4/23/2024</a:t>
+              <a:t>4/24/2024</a:t>
             </a:fld>
             <a:endParaRPr lang="en-US"/>
           </a:p>
@@ -2072,13 +4220,7 @@
       </p:sp>
       <p:sp>
         <p:nvSpPr>
-          <p:cNvPr id="3" name="Footer Placeholder 2">
-            <a:extLst>
-              <a:ext uri="{FF2B5EF4-FFF2-40B4-BE49-F238E27FC236}">
-                <a16:creationId xmlns:a16="http://schemas.microsoft.com/office/drawing/2014/main" id="{4C2E15D7-9A77-9944-27DA-D817C65DDAC6}"/>
-              </a:ext>
-            </a:extLst>
-          </p:cNvPr>
+          <p:cNvPr id="3" name="Footer Placeholder 2"/>
           <p:cNvSpPr>
             <a:spLocks noGrp="1"/>
           </p:cNvSpPr>
@@ -2097,13 +4239,7 @@
       </p:sp>
       <p:sp>
         <p:nvSpPr>
-          <p:cNvPr id="4" name="Slide Number Placeholder 3">
-            <a:extLst>
-              <a:ext uri="{FF2B5EF4-FFF2-40B4-BE49-F238E27FC236}">
-                <a16:creationId xmlns:a16="http://schemas.microsoft.com/office/drawing/2014/main" id="{8DBAEB88-7CA6-C277-7E20-26CCE3F49F08}"/>
-              </a:ext>
-            </a:extLst>
-          </p:cNvPr>
+          <p:cNvPr id="4" name="Slide Number Placeholder 3"/>
           <p:cNvSpPr>
             <a:spLocks noGrp="1"/>
           </p:cNvSpPr>
@@ -2127,7 +4263,7 @@
     </p:spTree>
     <p:extLst>
       <p:ext uri="{BB962C8B-B14F-4D97-AF65-F5344CB8AC3E}">
-        <p14:creationId xmlns:p14="http://schemas.microsoft.com/office/powerpoint/2010/main" val="3213703470"/>
+        <p14:creationId xmlns:p14="http://schemas.microsoft.com/office/powerpoint/2010/main" val="1130882718"/>
       </p:ext>
     </p:extLst>
   </p:cSld>
@@ -2156,13 +4292,7 @@
       </p:grpSpPr>
       <p:sp>
         <p:nvSpPr>
-          <p:cNvPr id="2" name="Title 1">
-            <a:extLst>
-              <a:ext uri="{FF2B5EF4-FFF2-40B4-BE49-F238E27FC236}">
-                <a16:creationId xmlns:a16="http://schemas.microsoft.com/office/drawing/2014/main" id="{6D7922F0-4D38-25B6-6F51-B801220E7AE9}"/>
-              </a:ext>
-            </a:extLst>
-          </p:cNvPr>
+          <p:cNvPr id="2" name="Title 1"/>
           <p:cNvSpPr>
             <a:spLocks noGrp="1"/>
           </p:cNvSpPr>
@@ -2172,15 +4302,17 @@
         </p:nvSpPr>
         <p:spPr>
           <a:xfrm>
-            <a:off x="839788" y="457200"/>
-            <a:ext cx="3932237" cy="1600200"/>
+            <a:off x="7085012" y="685800"/>
+            <a:ext cx="3657600" cy="1371600"/>
           </a:xfrm>
         </p:spPr>
         <p:txBody>
-          <a:bodyPr anchor="b"/>
+          <a:bodyPr anchor="b">
+            <a:normAutofit/>
+          </a:bodyPr>
           <a:lstStyle>
-            <a:lvl1pPr>
-              <a:defRPr sz="3200"/>
+            <a:lvl1pPr algn="l">
+              <a:defRPr sz="2400" b="0"/>
             </a:lvl1pPr>
           </a:lstStyle>
           <a:p>
@@ -2188,18 +4320,13 @@
               <a:rPr lang="en-US"/>
               <a:t>Click to edit Master title style</a:t>
             </a:r>
-          </a:p>
-        </p:txBody>
-      </p:sp>
-      <p:sp>
-        <p:nvSpPr>
-          <p:cNvPr id="3" name="Content Placeholder 2">
-            <a:extLst>
-              <a:ext uri="{FF2B5EF4-FFF2-40B4-BE49-F238E27FC236}">
-                <a16:creationId xmlns:a16="http://schemas.microsoft.com/office/drawing/2014/main" id="{A8F4846B-72A7-0F4D-5A0D-1751BA5B95EC}"/>
-              </a:ext>
-            </a:extLst>
-          </p:cNvPr>
+            <a:endParaRPr lang="en-US" dirty="0"/>
+          </a:p>
+        </p:txBody>
+      </p:sp>
+      <p:sp>
+        <p:nvSpPr>
+          <p:cNvPr id="3" name="Content Placeholder 2"/>
           <p:cNvSpPr>
             <a:spLocks noGrp="1"/>
           </p:cNvSpPr>
@@ -2209,41 +4336,15 @@
         </p:nvSpPr>
         <p:spPr>
           <a:xfrm>
-            <a:off x="5183188" y="987425"/>
-            <a:ext cx="6172200" cy="4873625"/>
+            <a:off x="684212" y="685800"/>
+            <a:ext cx="5943601" cy="5308600"/>
           </a:xfrm>
         </p:spPr>
         <p:txBody>
-          <a:bodyPr/>
-          <a:lstStyle>
-            <a:lvl1pPr>
-              <a:defRPr sz="3200"/>
-            </a:lvl1pPr>
-            <a:lvl2pPr>
-              <a:defRPr sz="2800"/>
-            </a:lvl2pPr>
-            <a:lvl3pPr>
-              <a:defRPr sz="2400"/>
-            </a:lvl3pPr>
-            <a:lvl4pPr>
-              <a:defRPr sz="2000"/>
-            </a:lvl4pPr>
-            <a:lvl5pPr>
-              <a:defRPr sz="2000"/>
-            </a:lvl5pPr>
-            <a:lvl6pPr>
-              <a:defRPr sz="2000"/>
-            </a:lvl6pPr>
-            <a:lvl7pPr>
-              <a:defRPr sz="2000"/>
-            </a:lvl7pPr>
-            <a:lvl8pPr>
-              <a:defRPr sz="2000"/>
-            </a:lvl8pPr>
-            <a:lvl9pPr>
-              <a:defRPr sz="2000"/>
-            </a:lvl9pPr>
-          </a:lstStyle>
+          <a:bodyPr anchor="ctr">
+            <a:normAutofit/>
+          </a:bodyPr>
+          <a:lstStyle/>
           <a:p>
             <a:pPr lvl="0"/>
             <a:r>
@@ -2278,18 +4379,13 @@
               <a:rPr lang="en-US"/>
               <a:t>Fifth level</a:t>
             </a:r>
-          </a:p>
-        </p:txBody>
-      </p:sp>
-      <p:sp>
-        <p:nvSpPr>
-          <p:cNvPr id="4" name="Text Placeholder 3">
-            <a:extLst>
-              <a:ext uri="{FF2B5EF4-FFF2-40B4-BE49-F238E27FC236}">
-                <a16:creationId xmlns:a16="http://schemas.microsoft.com/office/drawing/2014/main" id="{F0DA869E-FF3F-2303-EB61-9CC2F33B980E}"/>
-              </a:ext>
-            </a:extLst>
-          </p:cNvPr>
+            <a:endParaRPr lang="en-US" dirty="0"/>
+          </a:p>
+        </p:txBody>
+      </p:sp>
+      <p:sp>
+        <p:nvSpPr>
+          <p:cNvPr id="4" name="Text Placeholder 3"/>
           <p:cNvSpPr>
             <a:spLocks noGrp="1"/>
           </p:cNvSpPr>
@@ -2299,12 +4395,14 @@
         </p:nvSpPr>
         <p:spPr>
           <a:xfrm>
-            <a:off x="839788" y="2057400"/>
-            <a:ext cx="3932237" cy="3811588"/>
+            <a:off x="7085012" y="2209799"/>
+            <a:ext cx="3657600" cy="2091267"/>
           </a:xfrm>
         </p:spPr>
         <p:txBody>
-          <a:bodyPr/>
+          <a:bodyPr anchor="t">
+            <a:normAutofit/>
+          </a:bodyPr>
           <a:lstStyle>
             <a:lvl1pPr marL="0" indent="0">
               <a:buNone/>
@@ -2312,35 +4410,35 @@
             </a:lvl1pPr>
             <a:lvl2pPr marL="457200" indent="0">
               <a:buNone/>
-              <a:defRPr sz="1400"/>
+              <a:defRPr sz="1200"/>
             </a:lvl2pPr>
             <a:lvl3pPr marL="914400" indent="0">
               <a:buNone/>
-              <a:defRPr sz="1200"/>
+              <a:defRPr sz="1000"/>
             </a:lvl3pPr>
             <a:lvl4pPr marL="1371600" indent="0">
               <a:buNone/>
-              <a:defRPr sz="1000"/>
+              <a:defRPr sz="900"/>
             </a:lvl4pPr>
             <a:lvl5pPr marL="1828800" indent="0">
               <a:buNone/>
-              <a:defRPr sz="1000"/>
+              <a:defRPr sz="900"/>
             </a:lvl5pPr>
             <a:lvl6pPr marL="2286000" indent="0">
               <a:buNone/>
-              <a:defRPr sz="1000"/>
+              <a:defRPr sz="900"/>
             </a:lvl6pPr>
             <a:lvl7pPr marL="2743200" indent="0">
               <a:buNone/>
-              <a:defRPr sz="1000"/>
+              <a:defRPr sz="900"/>
             </a:lvl7pPr>
             <a:lvl8pPr marL="3200400" indent="0">
               <a:buNone/>
-              <a:defRPr sz="1000"/>
+              <a:defRPr sz="900"/>
             </a:lvl8pPr>
             <a:lvl9pPr marL="3657600" indent="0">
               <a:buNone/>
-              <a:defRPr sz="1000"/>
+              <a:defRPr sz="900"/>
             </a:lvl9pPr>
           </a:lstStyle>
           <a:p>
@@ -2354,13 +4452,7 @@
       </p:sp>
       <p:sp>
         <p:nvSpPr>
-          <p:cNvPr id="5" name="Date Placeholder 4">
-            <a:extLst>
-              <a:ext uri="{FF2B5EF4-FFF2-40B4-BE49-F238E27FC236}">
-                <a16:creationId xmlns:a16="http://schemas.microsoft.com/office/drawing/2014/main" id="{BF954178-B0DA-D5F3-19B7-510047174644}"/>
-              </a:ext>
-            </a:extLst>
-          </p:cNvPr>
+          <p:cNvPr id="5" name="Date Placeholder 4"/>
           <p:cNvSpPr>
             <a:spLocks noGrp="1"/>
           </p:cNvSpPr>
@@ -2375,7 +4467,7 @@
           <a:p>
             <a:fld id="{732EEB44-E32F-4EDD-9550-1B249E681FA6}" type="datetimeFigureOut">
               <a:rPr lang="en-US" smtClean="0"/>
-              <a:t>4/23/2024</a:t>
+              <a:t>4/24/2024</a:t>
             </a:fld>
             <a:endParaRPr lang="en-US"/>
           </a:p>
@@ -2383,13 +4475,7 @@
       </p:sp>
       <p:sp>
         <p:nvSpPr>
-          <p:cNvPr id="6" name="Footer Placeholder 5">
-            <a:extLst>
-              <a:ext uri="{FF2B5EF4-FFF2-40B4-BE49-F238E27FC236}">
-                <a16:creationId xmlns:a16="http://schemas.microsoft.com/office/drawing/2014/main" id="{13ACEED8-89ED-2DF3-88FF-12CC10731DDF}"/>
-              </a:ext>
-            </a:extLst>
-          </p:cNvPr>
+          <p:cNvPr id="6" name="Footer Placeholder 5"/>
           <p:cNvSpPr>
             <a:spLocks noGrp="1"/>
           </p:cNvSpPr>
@@ -2408,13 +4494,7 @@
       </p:sp>
       <p:sp>
         <p:nvSpPr>
-          <p:cNvPr id="7" name="Slide Number Placeholder 6">
-            <a:extLst>
-              <a:ext uri="{FF2B5EF4-FFF2-40B4-BE49-F238E27FC236}">
-                <a16:creationId xmlns:a16="http://schemas.microsoft.com/office/drawing/2014/main" id="{269D3D4F-7F5D-B7DC-AFC7-1522110D4C12}"/>
-              </a:ext>
-            </a:extLst>
-          </p:cNvPr>
+          <p:cNvPr id="7" name="Slide Number Placeholder 6"/>
           <p:cNvSpPr>
             <a:spLocks noGrp="1"/>
           </p:cNvSpPr>
@@ -2438,7 +4518,7 @@
     </p:spTree>
     <p:extLst>
       <p:ext uri="{BB962C8B-B14F-4D97-AF65-F5344CB8AC3E}">
-        <p14:creationId xmlns:p14="http://schemas.microsoft.com/office/powerpoint/2010/main" val="3182618632"/>
+        <p14:creationId xmlns:p14="http://schemas.microsoft.com/office/powerpoint/2010/main" val="1417527092"/>
       </p:ext>
     </p:extLst>
   </p:cSld>
@@ -2467,13 +4547,7 @@
       </p:grpSpPr>
       <p:sp>
         <p:nvSpPr>
-          <p:cNvPr id="2" name="Title 1">
-            <a:extLst>
-              <a:ext uri="{FF2B5EF4-FFF2-40B4-BE49-F238E27FC236}">
-                <a16:creationId xmlns:a16="http://schemas.microsoft.com/office/drawing/2014/main" id="{D18AB27D-504C-C784-BEE0-89E49CE59EEE}"/>
-              </a:ext>
-            </a:extLst>
-          </p:cNvPr>
+          <p:cNvPr id="2" name="Title 1"/>
           <p:cNvSpPr>
             <a:spLocks noGrp="1"/>
           </p:cNvSpPr>
@@ -2483,15 +4557,17 @@
         </p:nvSpPr>
         <p:spPr>
           <a:xfrm>
-            <a:off x="839788" y="457200"/>
-            <a:ext cx="3932237" cy="1600200"/>
+            <a:off x="4722812" y="1447800"/>
+            <a:ext cx="6019800" cy="1143000"/>
           </a:xfrm>
         </p:spPr>
         <p:txBody>
-          <a:bodyPr anchor="b"/>
+          <a:bodyPr anchor="b">
+            <a:normAutofit/>
+          </a:bodyPr>
           <a:lstStyle>
-            <a:lvl1pPr>
-              <a:defRPr sz="3200"/>
+            <a:lvl1pPr algn="l">
+              <a:defRPr sz="2800" b="0"/>
             </a:lvl1pPr>
           </a:lstStyle>
           <a:p>
@@ -2499,20 +4575,15 @@
               <a:rPr lang="en-US"/>
               <a:t>Click to edit Master title style</a:t>
             </a:r>
-          </a:p>
-        </p:txBody>
-      </p:sp>
-      <p:sp>
-        <p:nvSpPr>
-          <p:cNvPr id="3" name="Picture Placeholder 2">
-            <a:extLst>
-              <a:ext uri="{FF2B5EF4-FFF2-40B4-BE49-F238E27FC236}">
-                <a16:creationId xmlns:a16="http://schemas.microsoft.com/office/drawing/2014/main" id="{36DE1582-6A8E-756F-4453-86B54EF2BC2B}"/>
-              </a:ext>
-            </a:extLst>
-          </p:cNvPr>
-          <p:cNvSpPr>
-            <a:spLocks noGrp="1"/>
+            <a:endParaRPr lang="en-US" dirty="0"/>
+          </a:p>
+        </p:txBody>
+      </p:sp>
+      <p:sp>
+        <p:nvSpPr>
+          <p:cNvPr id="14" name="Picture Placeholder 2"/>
+          <p:cNvSpPr>
+            <a:spLocks noGrp="1" noChangeAspect="1"/>
           </p:cNvSpPr>
           <p:nvPr>
             <p:ph type="pic" idx="1"/>
@@ -2520,118 +4591,140 @@
         </p:nvSpPr>
         <p:spPr>
           <a:xfrm>
-            <a:off x="5183188" y="987425"/>
-            <a:ext cx="6172200" cy="4873625"/>
+            <a:off x="989012" y="914400"/>
+            <a:ext cx="3280974" cy="4572000"/>
           </a:xfrm>
+          <a:prstGeom prst="snip2DiagRect">
+            <a:avLst>
+              <a:gd name="adj1" fmla="val 10815"/>
+              <a:gd name="adj2" fmla="val 0"/>
+            </a:avLst>
+          </a:prstGeom>
+          <a:ln w="15875">
+            <a:solidFill>
+              <a:schemeClr val="tx1">
+                <a:alpha val="40000"/>
+              </a:schemeClr>
+            </a:solidFill>
+          </a:ln>
+          <a:effectLst>
+            <a:innerShdw blurRad="57150" dist="38100" dir="14460000">
+              <a:srgbClr val="000000">
+                <a:alpha val="70000"/>
+              </a:srgbClr>
+            </a:innerShdw>
+          </a:effectLst>
         </p:spPr>
         <p:txBody>
-          <a:bodyPr/>
+          <a:bodyPr anchor="t">
+            <a:normAutofit/>
+          </a:bodyPr>
           <a:lstStyle>
-            <a:lvl1pPr marL="0" indent="0">
-              <a:buNone/>
-              <a:defRPr sz="3200"/>
-            </a:lvl1pPr>
-            <a:lvl2pPr marL="457200" indent="0">
-              <a:buNone/>
-              <a:defRPr sz="2800"/>
-            </a:lvl2pPr>
-            <a:lvl3pPr marL="914400" indent="0">
-              <a:buNone/>
-              <a:defRPr sz="2400"/>
-            </a:lvl3pPr>
-            <a:lvl4pPr marL="1371600" indent="0">
-              <a:buNone/>
-              <a:defRPr sz="2000"/>
-            </a:lvl4pPr>
-            <a:lvl5pPr marL="1828800" indent="0">
-              <a:buNone/>
-              <a:defRPr sz="2000"/>
-            </a:lvl5pPr>
-            <a:lvl6pPr marL="2286000" indent="0">
-              <a:buNone/>
-              <a:defRPr sz="2000"/>
-            </a:lvl6pPr>
-            <a:lvl7pPr marL="2743200" indent="0">
-              <a:buNone/>
-              <a:defRPr sz="2000"/>
-            </a:lvl7pPr>
-            <a:lvl8pPr marL="3200400" indent="0">
-              <a:buNone/>
-              <a:defRPr sz="2000"/>
-            </a:lvl8pPr>
-            <a:lvl9pPr marL="3657600" indent="0">
-              <a:buNone/>
-              <a:defRPr sz="2000"/>
-            </a:lvl9pPr>
-          </a:lstStyle>
-          <a:p>
-            <a:endParaRPr lang="en-US"/>
-          </a:p>
-        </p:txBody>
-      </p:sp>
-      <p:sp>
-        <p:nvSpPr>
-          <p:cNvPr id="4" name="Text Placeholder 3">
-            <a:extLst>
-              <a:ext uri="{FF2B5EF4-FFF2-40B4-BE49-F238E27FC236}">
-                <a16:creationId xmlns:a16="http://schemas.microsoft.com/office/drawing/2014/main" id="{A7658EC1-E5D3-BFDC-3DEB-9829B1A9B38E}"/>
-              </a:ext>
-            </a:extLst>
-          </p:cNvPr>
-          <p:cNvSpPr>
-            <a:spLocks noGrp="1"/>
-          </p:cNvSpPr>
-          <p:nvPr>
-            <p:ph type="body" sz="half" idx="2"/>
-          </p:nvPr>
-        </p:nvSpPr>
-        <p:spPr>
-          <a:xfrm>
-            <a:off x="839788" y="2057400"/>
-            <a:ext cx="3932237" cy="3811588"/>
-          </a:xfrm>
-        </p:spPr>
-        <p:txBody>
-          <a:bodyPr/>
-          <a:lstStyle>
-            <a:lvl1pPr marL="0" indent="0">
+            <a:lvl1pPr marL="0" indent="0" algn="ctr">
               <a:buNone/>
               <a:defRPr sz="1600"/>
             </a:lvl1pPr>
             <a:lvl2pPr marL="457200" indent="0">
               <a:buNone/>
-              <a:defRPr sz="1400"/>
+              <a:defRPr sz="1600"/>
             </a:lvl2pPr>
             <a:lvl3pPr marL="914400" indent="0">
               <a:buNone/>
-              <a:defRPr sz="1200"/>
+              <a:defRPr sz="1600"/>
             </a:lvl3pPr>
             <a:lvl4pPr marL="1371600" indent="0">
               <a:buNone/>
-              <a:defRPr sz="1000"/>
+              <a:defRPr sz="1600"/>
             </a:lvl4pPr>
             <a:lvl5pPr marL="1828800" indent="0">
               <a:buNone/>
-              <a:defRPr sz="1000"/>
+              <a:defRPr sz="1600"/>
             </a:lvl5pPr>
             <a:lvl6pPr marL="2286000" indent="0">
               <a:buNone/>
-              <a:defRPr sz="1000"/>
+              <a:defRPr sz="1600"/>
             </a:lvl6pPr>
             <a:lvl7pPr marL="2743200" indent="0">
               <a:buNone/>
-              <a:defRPr sz="1000"/>
+              <a:defRPr sz="1600"/>
             </a:lvl7pPr>
             <a:lvl8pPr marL="3200400" indent="0">
               <a:buNone/>
-              <a:defRPr sz="1000"/>
+              <a:defRPr sz="1600"/>
             </a:lvl8pPr>
             <a:lvl9pPr marL="3657600" indent="0">
               <a:buNone/>
-              <a:defRPr sz="1000"/>
+              <a:defRPr sz="1600"/>
             </a:lvl9pPr>
           </a:lstStyle>
           <a:p>
+            <a:r>
+              <a:rPr lang="en-US"/>
+              <a:t>Click icon to add picture</a:t>
+            </a:r>
+            <a:endParaRPr lang="en-US" dirty="0"/>
+          </a:p>
+        </p:txBody>
+      </p:sp>
+      <p:sp>
+        <p:nvSpPr>
+          <p:cNvPr id="4" name="Text Placeholder 3"/>
+          <p:cNvSpPr>
+            <a:spLocks noGrp="1"/>
+          </p:cNvSpPr>
+          <p:nvPr>
+            <p:ph type="body" sz="half" idx="2"/>
+          </p:nvPr>
+        </p:nvSpPr>
+        <p:spPr>
+          <a:xfrm>
+            <a:off x="4722812" y="2777066"/>
+            <a:ext cx="6021388" cy="2048933"/>
+          </a:xfrm>
+        </p:spPr>
+        <p:txBody>
+          <a:bodyPr anchor="t">
+            <a:normAutofit/>
+          </a:bodyPr>
+          <a:lstStyle>
+            <a:lvl1pPr marL="0" indent="0">
+              <a:buNone/>
+              <a:defRPr sz="1800"/>
+            </a:lvl1pPr>
+            <a:lvl2pPr marL="457200" indent="0">
+              <a:buNone/>
+              <a:defRPr sz="1200"/>
+            </a:lvl2pPr>
+            <a:lvl3pPr marL="914400" indent="0">
+              <a:buNone/>
+              <a:defRPr sz="1000"/>
+            </a:lvl3pPr>
+            <a:lvl4pPr marL="1371600" indent="0">
+              <a:buNone/>
+              <a:defRPr sz="900"/>
+            </a:lvl4pPr>
+            <a:lvl5pPr marL="1828800" indent="0">
+              <a:buNone/>
+              <a:defRPr sz="900"/>
+            </a:lvl5pPr>
+            <a:lvl6pPr marL="2286000" indent="0">
+              <a:buNone/>
+              <a:defRPr sz="900"/>
+            </a:lvl6pPr>
+            <a:lvl7pPr marL="2743200" indent="0">
+              <a:buNone/>
+              <a:defRPr sz="900"/>
+            </a:lvl7pPr>
+            <a:lvl8pPr marL="3200400" indent="0">
+              <a:buNone/>
+              <a:defRPr sz="900"/>
+            </a:lvl8pPr>
+            <a:lvl9pPr marL="3657600" indent="0">
+              <a:buNone/>
+              <a:defRPr sz="900"/>
+            </a:lvl9pPr>
+          </a:lstStyle>
+          <a:p>
             <a:pPr lvl="0"/>
             <a:r>
               <a:rPr lang="en-US"/>
@@ -2642,13 +4735,7 @@
       </p:sp>
       <p:sp>
         <p:nvSpPr>
-          <p:cNvPr id="5" name="Date Placeholder 4">
-            <a:extLst>
-              <a:ext uri="{FF2B5EF4-FFF2-40B4-BE49-F238E27FC236}">
-                <a16:creationId xmlns:a16="http://schemas.microsoft.com/office/drawing/2014/main" id="{4248F41D-CD6A-9BA3-B4DD-4545C020923E}"/>
-              </a:ext>
-            </a:extLst>
-          </p:cNvPr>
+          <p:cNvPr id="5" name="Date Placeholder 4"/>
           <p:cNvSpPr>
             <a:spLocks noGrp="1"/>
           </p:cNvSpPr>
@@ -2663,7 +4750,7 @@
           <a:p>
             <a:fld id="{732EEB44-E32F-4EDD-9550-1B249E681FA6}" type="datetimeFigureOut">
               <a:rPr lang="en-US" smtClean="0"/>
-              <a:t>4/23/2024</a:t>
+              <a:t>4/24/2024</a:t>
             </a:fld>
             <a:endParaRPr lang="en-US"/>
           </a:p>
@@ -2671,13 +4758,7 @@
       </p:sp>
       <p:sp>
         <p:nvSpPr>
-          <p:cNvPr id="6" name="Footer Placeholder 5">
-            <a:extLst>
-              <a:ext uri="{FF2B5EF4-FFF2-40B4-BE49-F238E27FC236}">
-                <a16:creationId xmlns:a16="http://schemas.microsoft.com/office/drawing/2014/main" id="{500CDA1A-DB1E-5572-B5A3-FFC4CB5DBDAC}"/>
-              </a:ext>
-            </a:extLst>
-          </p:cNvPr>
+          <p:cNvPr id="6" name="Footer Placeholder 5"/>
           <p:cNvSpPr>
             <a:spLocks noGrp="1"/>
           </p:cNvSpPr>
@@ -2696,13 +4777,7 @@
       </p:sp>
       <p:sp>
         <p:nvSpPr>
-          <p:cNvPr id="7" name="Slide Number Placeholder 6">
-            <a:extLst>
-              <a:ext uri="{FF2B5EF4-FFF2-40B4-BE49-F238E27FC236}">
-                <a16:creationId xmlns:a16="http://schemas.microsoft.com/office/drawing/2014/main" id="{6372AF50-9F4E-9897-DA4B-117266BEB1B4}"/>
-              </a:ext>
-            </a:extLst>
-          </p:cNvPr>
+          <p:cNvPr id="7" name="Slide Number Placeholder 6"/>
           <p:cNvSpPr>
             <a:spLocks noGrp="1"/>
           </p:cNvSpPr>
@@ -2726,7 +4801,7 @@
     </p:spTree>
     <p:extLst>
       <p:ext uri="{BB962C8B-B14F-4D97-AF65-F5344CB8AC3E}">
-        <p14:creationId xmlns:p14="http://schemas.microsoft.com/office/powerpoint/2010/main" val="4141614112"/>
+        <p14:creationId xmlns:p14="http://schemas.microsoft.com/office/powerpoint/2010/main" val="2778651390"/>
       </p:ext>
     </p:extLst>
   </p:cSld>
@@ -2741,7 +4816,7 @@
   <p:cSld>
     <p:bg>
       <p:bgRef idx="1001">
-        <a:schemeClr val="bg1"/>
+        <a:schemeClr val="bg2"/>
       </p:bgRef>
     </p:bg>
     <p:spTree>
@@ -2758,15 +4833,199 @@
           <a:chExt cx="0" cy="0"/>
         </a:xfrm>
       </p:grpSpPr>
-      <p:sp>
-        <p:nvSpPr>
-          <p:cNvPr id="2" name="Title Placeholder 1">
-            <a:extLst>
-              <a:ext uri="{FF2B5EF4-FFF2-40B4-BE49-F238E27FC236}">
-                <a16:creationId xmlns:a16="http://schemas.microsoft.com/office/drawing/2014/main" id="{C3A373DD-110F-6769-579A-5421331EE8DB}"/>
-              </a:ext>
-            </a:extLst>
-          </p:cNvPr>
+      <p:grpSp>
+        <p:nvGrpSpPr>
+          <p:cNvPr id="7" name="Group 6"/>
+          <p:cNvGrpSpPr/>
+          <p:nvPr/>
+        </p:nvGrpSpPr>
+        <p:grpSpPr>
+          <a:xfrm>
+            <a:off x="9206969" y="2963333"/>
+            <a:ext cx="2981858" cy="3208867"/>
+            <a:chOff x="9206969" y="2963333"/>
+            <a:chExt cx="2981858" cy="3208867"/>
+          </a:xfrm>
+        </p:grpSpPr>
+        <p:cxnSp>
+          <p:nvCxnSpPr>
+            <p:cNvPr id="8" name="Straight Connector 7"/>
+            <p:cNvCxnSpPr/>
+            <p:nvPr/>
+          </p:nvCxnSpPr>
+          <p:spPr>
+            <a:xfrm flipH="1">
+              <a:off x="11276012" y="2963333"/>
+              <a:ext cx="912814" cy="912812"/>
+            </a:xfrm>
+            <a:prstGeom prst="line">
+              <a:avLst/>
+            </a:prstGeom>
+            <a:ln w="9525">
+              <a:solidFill>
+                <a:schemeClr val="tx1"/>
+              </a:solidFill>
+            </a:ln>
+          </p:spPr>
+          <p:style>
+            <a:lnRef idx="2">
+              <a:schemeClr val="accent1"/>
+            </a:lnRef>
+            <a:fillRef idx="0">
+              <a:schemeClr val="accent1"/>
+            </a:fillRef>
+            <a:effectRef idx="1">
+              <a:schemeClr val="accent1"/>
+            </a:effectRef>
+            <a:fontRef idx="minor">
+              <a:schemeClr val="tx1"/>
+            </a:fontRef>
+          </p:style>
+        </p:cxnSp>
+        <p:cxnSp>
+          <p:nvCxnSpPr>
+            <p:cNvPr id="9" name="Straight Connector 8"/>
+            <p:cNvCxnSpPr/>
+            <p:nvPr/>
+          </p:nvCxnSpPr>
+          <p:spPr>
+            <a:xfrm flipH="1">
+              <a:off x="9206969" y="3190344"/>
+              <a:ext cx="2981857" cy="2981856"/>
+            </a:xfrm>
+            <a:prstGeom prst="line">
+              <a:avLst/>
+            </a:prstGeom>
+            <a:ln w="9525">
+              <a:solidFill>
+                <a:schemeClr val="tx1"/>
+              </a:solidFill>
+            </a:ln>
+          </p:spPr>
+          <p:style>
+            <a:lnRef idx="2">
+              <a:schemeClr val="accent1"/>
+            </a:lnRef>
+            <a:fillRef idx="0">
+              <a:schemeClr val="accent1"/>
+            </a:fillRef>
+            <a:effectRef idx="1">
+              <a:schemeClr val="accent1"/>
+            </a:effectRef>
+            <a:fontRef idx="minor">
+              <a:schemeClr val="tx1"/>
+            </a:fontRef>
+          </p:style>
+        </p:cxnSp>
+        <p:cxnSp>
+          <p:nvCxnSpPr>
+            <p:cNvPr id="10" name="Straight Connector 9"/>
+            <p:cNvCxnSpPr/>
+            <p:nvPr/>
+          </p:nvCxnSpPr>
+          <p:spPr>
+            <a:xfrm flipH="1">
+              <a:off x="10292292" y="3285067"/>
+              <a:ext cx="1896534" cy="1896533"/>
+            </a:xfrm>
+            <a:prstGeom prst="line">
+              <a:avLst/>
+            </a:prstGeom>
+            <a:ln w="9525">
+              <a:solidFill>
+                <a:schemeClr val="tx1"/>
+              </a:solidFill>
+            </a:ln>
+          </p:spPr>
+          <p:style>
+            <a:lnRef idx="2">
+              <a:schemeClr val="accent1"/>
+            </a:lnRef>
+            <a:fillRef idx="0">
+              <a:schemeClr val="accent1"/>
+            </a:fillRef>
+            <a:effectRef idx="1">
+              <a:schemeClr val="accent1"/>
+            </a:effectRef>
+            <a:fontRef idx="minor">
+              <a:schemeClr val="tx1"/>
+            </a:fontRef>
+          </p:style>
+        </p:cxnSp>
+        <p:cxnSp>
+          <p:nvCxnSpPr>
+            <p:cNvPr id="11" name="Straight Connector 10"/>
+            <p:cNvCxnSpPr/>
+            <p:nvPr/>
+          </p:nvCxnSpPr>
+          <p:spPr>
+            <a:xfrm flipH="1">
+              <a:off x="10443103" y="3131080"/>
+              <a:ext cx="1745722" cy="1745720"/>
+            </a:xfrm>
+            <a:prstGeom prst="line">
+              <a:avLst/>
+            </a:prstGeom>
+            <a:ln w="28575">
+              <a:solidFill>
+                <a:schemeClr val="tx1"/>
+              </a:solidFill>
+            </a:ln>
+          </p:spPr>
+          <p:style>
+            <a:lnRef idx="2">
+              <a:schemeClr val="accent1"/>
+            </a:lnRef>
+            <a:fillRef idx="0">
+              <a:schemeClr val="accent1"/>
+            </a:fillRef>
+            <a:effectRef idx="1">
+              <a:schemeClr val="accent1"/>
+            </a:effectRef>
+            <a:fontRef idx="minor">
+              <a:schemeClr val="tx1"/>
+            </a:fontRef>
+          </p:style>
+        </p:cxnSp>
+        <p:cxnSp>
+          <p:nvCxnSpPr>
+            <p:cNvPr id="12" name="Straight Connector 11"/>
+            <p:cNvCxnSpPr/>
+            <p:nvPr/>
+          </p:nvCxnSpPr>
+          <p:spPr>
+            <a:xfrm flipH="1">
+              <a:off x="10918826" y="3683001"/>
+              <a:ext cx="1270001" cy="1269999"/>
+            </a:xfrm>
+            <a:prstGeom prst="line">
+              <a:avLst/>
+            </a:prstGeom>
+            <a:ln w="28575">
+              <a:solidFill>
+                <a:schemeClr val="tx1"/>
+              </a:solidFill>
+            </a:ln>
+          </p:spPr>
+          <p:style>
+            <a:lnRef idx="2">
+              <a:schemeClr val="accent1"/>
+            </a:lnRef>
+            <a:fillRef idx="0">
+              <a:schemeClr val="accent1"/>
+            </a:fillRef>
+            <a:effectRef idx="1">
+              <a:schemeClr val="accent1"/>
+            </a:effectRef>
+            <a:fontRef idx="minor">
+              <a:schemeClr val="tx1"/>
+            </a:fontRef>
+          </p:style>
+        </p:cxnSp>
+      </p:grpSp>
+      <p:sp>
+        <p:nvSpPr>
+          <p:cNvPr id="2" name="Title Placeholder 1"/>
           <p:cNvSpPr>
             <a:spLocks noGrp="1"/>
           </p:cNvSpPr>
@@ -2776,8 +5035,42 @@
         </p:nvSpPr>
         <p:spPr>
           <a:xfrm>
-            <a:off x="838200" y="365125"/>
-            <a:ext cx="10515600" cy="1325563"/>
+            <a:off x="684212" y="4487332"/>
+            <a:ext cx="8534400" cy="1507067"/>
+          </a:xfrm>
+          <a:prstGeom prst="rect">
+            <a:avLst/>
+          </a:prstGeom>
+          <a:effectLst/>
+        </p:spPr>
+        <p:txBody>
+          <a:bodyPr vert="horz" lIns="91440" tIns="45720" rIns="91440" bIns="45720" rtlCol="0" anchor="ctr">
+            <a:normAutofit/>
+          </a:bodyPr>
+          <a:lstStyle/>
+          <a:p>
+            <a:r>
+              <a:rPr lang="en-US"/>
+              <a:t>Click to edit Master title style</a:t>
+            </a:r>
+            <a:endParaRPr lang="en-US" dirty="0"/>
+          </a:p>
+        </p:txBody>
+      </p:sp>
+      <p:sp>
+        <p:nvSpPr>
+          <p:cNvPr id="3" name="Text Placeholder 2"/>
+          <p:cNvSpPr>
+            <a:spLocks noGrp="1"/>
+          </p:cNvSpPr>
+          <p:nvPr>
+            <p:ph type="body" idx="1"/>
+          </p:nvPr>
+        </p:nvSpPr>
+        <p:spPr>
+          <a:xfrm>
+            <a:off x="684212" y="685800"/>
+            <a:ext cx="8534400" cy="3615267"/>
           </a:xfrm>
           <a:prstGeom prst="rect">
             <a:avLst/>
@@ -2789,205 +5082,156 @@
           </a:bodyPr>
           <a:lstStyle/>
           <a:p>
-            <a:r>
-              <a:rPr lang="en-US"/>
-              <a:t>Click to edit Master title style</a:t>
-            </a:r>
-          </a:p>
-        </p:txBody>
-      </p:sp>
-      <p:sp>
-        <p:nvSpPr>
-          <p:cNvPr id="3" name="Text Placeholder 2">
-            <a:extLst>
-              <a:ext uri="{FF2B5EF4-FFF2-40B4-BE49-F238E27FC236}">
-                <a16:creationId xmlns:a16="http://schemas.microsoft.com/office/drawing/2014/main" id="{58DE99DE-C62F-E6BE-9776-CB05913FD9E1}"/>
-              </a:ext>
-            </a:extLst>
-          </p:cNvPr>
-          <p:cNvSpPr>
-            <a:spLocks noGrp="1"/>
-          </p:cNvSpPr>
-          <p:nvPr>
-            <p:ph type="body" idx="1"/>
+            <a:pPr lvl="0"/>
+            <a:r>
+              <a:rPr lang="en-US"/>
+              <a:t>Click to edit Master text styles</a:t>
+            </a:r>
+          </a:p>
+          <a:p>
+            <a:pPr lvl="1"/>
+            <a:r>
+              <a:rPr lang="en-US"/>
+              <a:t>Second level</a:t>
+            </a:r>
+          </a:p>
+          <a:p>
+            <a:pPr lvl="2"/>
+            <a:r>
+              <a:rPr lang="en-US"/>
+              <a:t>Third level</a:t>
+            </a:r>
+          </a:p>
+          <a:p>
+            <a:pPr lvl="3"/>
+            <a:r>
+              <a:rPr lang="en-US"/>
+              <a:t>Fourth level</a:t>
+            </a:r>
+          </a:p>
+          <a:p>
+            <a:pPr lvl="4"/>
+            <a:r>
+              <a:rPr lang="en-US"/>
+              <a:t>Fifth level</a:t>
+            </a:r>
+            <a:endParaRPr lang="en-US" dirty="0"/>
+          </a:p>
+        </p:txBody>
+      </p:sp>
+      <p:sp>
+        <p:nvSpPr>
+          <p:cNvPr id="4" name="Date Placeholder 3"/>
+          <p:cNvSpPr>
+            <a:spLocks noGrp="1"/>
+          </p:cNvSpPr>
+          <p:nvPr>
+            <p:ph type="dt" sz="half" idx="2"/>
           </p:nvPr>
         </p:nvSpPr>
         <p:spPr>
           <a:xfrm>
-            <a:off x="838200" y="1825625"/>
-            <a:ext cx="10515600" cy="4351338"/>
+            <a:off x="9904412" y="6172200"/>
+            <a:ext cx="1600200" cy="365125"/>
           </a:xfrm>
           <a:prstGeom prst="rect">
             <a:avLst/>
           </a:prstGeom>
         </p:spPr>
         <p:txBody>
-          <a:bodyPr vert="horz" lIns="91440" tIns="45720" rIns="91440" bIns="45720" rtlCol="0">
-            <a:normAutofit/>
-          </a:bodyPr>
-          <a:lstStyle/>
-          <a:p>
-            <a:pPr lvl="0"/>
-            <a:r>
-              <a:rPr lang="en-US"/>
-              <a:t>Click to edit Master text styles</a:t>
-            </a:r>
-          </a:p>
-          <a:p>
-            <a:pPr lvl="1"/>
-            <a:r>
-              <a:rPr lang="en-US"/>
-              <a:t>Second level</a:t>
-            </a:r>
-          </a:p>
-          <a:p>
-            <a:pPr lvl="2"/>
-            <a:r>
-              <a:rPr lang="en-US"/>
-              <a:t>Third level</a:t>
-            </a:r>
-          </a:p>
-          <a:p>
-            <a:pPr lvl="3"/>
-            <a:r>
-              <a:rPr lang="en-US"/>
-              <a:t>Fourth level</a:t>
-            </a:r>
-          </a:p>
-          <a:p>
-            <a:pPr lvl="4"/>
-            <a:r>
-              <a:rPr lang="en-US"/>
-              <a:t>Fifth level</a:t>
-            </a:r>
-          </a:p>
-        </p:txBody>
-      </p:sp>
-      <p:sp>
-        <p:nvSpPr>
-          <p:cNvPr id="4" name="Date Placeholder 3">
-            <a:extLst>
-              <a:ext uri="{FF2B5EF4-FFF2-40B4-BE49-F238E27FC236}">
-                <a16:creationId xmlns:a16="http://schemas.microsoft.com/office/drawing/2014/main" id="{8A70CE5B-2FDB-4DD4-3F6D-10068023256A}"/>
-              </a:ext>
-            </a:extLst>
-          </p:cNvPr>
-          <p:cNvSpPr>
-            <a:spLocks noGrp="1"/>
-          </p:cNvSpPr>
-          <p:nvPr>
-            <p:ph type="dt" sz="half" idx="2"/>
+          <a:bodyPr vert="horz" lIns="91440" tIns="45720" rIns="91440" bIns="45720" rtlCol="0" anchor="t"/>
+          <a:lstStyle>
+            <a:lvl1pPr algn="r">
+              <a:defRPr sz="1000" b="0" i="0">
+                <a:solidFill>
+                  <a:schemeClr val="bg2">
+                    <a:lumMod val="50000"/>
+                  </a:schemeClr>
+                </a:solidFill>
+                <a:effectLst/>
+                <a:latin typeface="+mn-lt"/>
+              </a:defRPr>
+            </a:lvl1pPr>
+          </a:lstStyle>
+          <a:p>
+            <a:fld id="{732EEB44-E32F-4EDD-9550-1B249E681FA6}" type="datetimeFigureOut">
+              <a:rPr lang="en-US" smtClean="0"/>
+              <a:t>4/24/2024</a:t>
+            </a:fld>
+            <a:endParaRPr lang="en-US"/>
+          </a:p>
+        </p:txBody>
+      </p:sp>
+      <p:sp>
+        <p:nvSpPr>
+          <p:cNvPr id="5" name="Footer Placeholder 4"/>
+          <p:cNvSpPr>
+            <a:spLocks noGrp="1"/>
+          </p:cNvSpPr>
+          <p:nvPr>
+            <p:ph type="ftr" sz="quarter" idx="3"/>
           </p:nvPr>
         </p:nvSpPr>
         <p:spPr>
           <a:xfrm>
-            <a:off x="838200" y="6356350"/>
-            <a:ext cx="2743200" cy="365125"/>
+            <a:off x="684212" y="6172200"/>
+            <a:ext cx="7543800" cy="365125"/>
           </a:xfrm>
           <a:prstGeom prst="rect">
             <a:avLst/>
           </a:prstGeom>
         </p:spPr>
         <p:txBody>
-          <a:bodyPr vert="horz" lIns="91440" tIns="45720" rIns="91440" bIns="45720" rtlCol="0" anchor="ctr"/>
+          <a:bodyPr vert="horz" lIns="91440" tIns="45720" rIns="91440" bIns="45720" rtlCol="0" anchor="t"/>
           <a:lstStyle>
             <a:lvl1pPr algn="l">
-              <a:defRPr sz="1200">
-                <a:solidFill>
-                  <a:schemeClr val="tx1">
-                    <a:tint val="82000"/>
+              <a:defRPr sz="1000" b="0" i="0">
+                <a:solidFill>
+                  <a:schemeClr val="bg2">
+                    <a:lumMod val="50000"/>
                   </a:schemeClr>
                 </a:solidFill>
+                <a:effectLst/>
+                <a:latin typeface="+mn-lt"/>
               </a:defRPr>
             </a:lvl1pPr>
           </a:lstStyle>
           <a:p>
-            <a:fld id="{732EEB44-E32F-4EDD-9550-1B249E681FA6}" type="datetimeFigureOut">
-              <a:rPr lang="en-US" smtClean="0"/>
-              <a:t>4/23/2024</a:t>
-            </a:fld>
             <a:endParaRPr lang="en-US"/>
           </a:p>
         </p:txBody>
       </p:sp>
       <p:sp>
         <p:nvSpPr>
-          <p:cNvPr id="5" name="Footer Placeholder 4">
-            <a:extLst>
-              <a:ext uri="{FF2B5EF4-FFF2-40B4-BE49-F238E27FC236}">
-                <a16:creationId xmlns:a16="http://schemas.microsoft.com/office/drawing/2014/main" id="{13D1C914-0E86-123E-E0AE-4F675497764B}"/>
-              </a:ext>
-            </a:extLst>
-          </p:cNvPr>
-          <p:cNvSpPr>
-            <a:spLocks noGrp="1"/>
-          </p:cNvSpPr>
-          <p:nvPr>
-            <p:ph type="ftr" sz="quarter" idx="3"/>
+          <p:cNvPr id="6" name="Slide Number Placeholder 5"/>
+          <p:cNvSpPr>
+            <a:spLocks noGrp="1"/>
+          </p:cNvSpPr>
+          <p:nvPr>
+            <p:ph type="sldNum" sz="quarter" idx="4"/>
           </p:nvPr>
         </p:nvSpPr>
         <p:spPr>
           <a:xfrm>
-            <a:off x="4038600" y="6356350"/>
-            <a:ext cx="4114800" cy="365125"/>
+            <a:off x="10363200" y="5578475"/>
+            <a:ext cx="1142245" cy="669925"/>
           </a:xfrm>
           <a:prstGeom prst="rect">
             <a:avLst/>
           </a:prstGeom>
         </p:spPr>
         <p:txBody>
-          <a:bodyPr vert="horz" lIns="91440" tIns="45720" rIns="91440" bIns="45720" rtlCol="0" anchor="ctr"/>
-          <a:lstStyle>
-            <a:lvl1pPr algn="ctr">
-              <a:defRPr sz="1200">
-                <a:solidFill>
-                  <a:schemeClr val="tx1">
-                    <a:tint val="82000"/>
-                  </a:schemeClr>
-                </a:solidFill>
-              </a:defRPr>
-            </a:lvl1pPr>
-          </a:lstStyle>
-          <a:p>
-            <a:endParaRPr lang="en-US"/>
-          </a:p>
-        </p:txBody>
-      </p:sp>
-      <p:sp>
-        <p:nvSpPr>
-          <p:cNvPr id="6" name="Slide Number Placeholder 5">
-            <a:extLst>
-              <a:ext uri="{FF2B5EF4-FFF2-40B4-BE49-F238E27FC236}">
-                <a16:creationId xmlns:a16="http://schemas.microsoft.com/office/drawing/2014/main" id="{536658AE-472F-63F3-0C32-B5AC433CE0D2}"/>
-              </a:ext>
-            </a:extLst>
-          </p:cNvPr>
-          <p:cNvSpPr>
-            <a:spLocks noGrp="1"/>
-          </p:cNvSpPr>
-          <p:nvPr>
-            <p:ph type="sldNum" sz="quarter" idx="4"/>
-          </p:nvPr>
-        </p:nvSpPr>
-        <p:spPr>
-          <a:xfrm>
-            <a:off x="8610600" y="6356350"/>
-            <a:ext cx="2743200" cy="365125"/>
-          </a:xfrm>
-          <a:prstGeom prst="rect">
-            <a:avLst/>
-          </a:prstGeom>
-        </p:spPr>
-        <p:txBody>
-          <a:bodyPr vert="horz" lIns="91440" tIns="45720" rIns="91440" bIns="45720" rtlCol="0" anchor="ctr"/>
+          <a:bodyPr vert="horz" lIns="91440" tIns="45720" rIns="91440" bIns="45720" rtlCol="0" anchor="b"/>
           <a:lstStyle>
             <a:lvl1pPr algn="r">
-              <a:defRPr sz="1200">
-                <a:solidFill>
-                  <a:schemeClr val="tx1">
-                    <a:tint val="82000"/>
+              <a:defRPr sz="3200" b="0" i="0">
+                <a:solidFill>
+                  <a:schemeClr val="bg2">
+                    <a:lumMod val="50000"/>
                   </a:schemeClr>
                 </a:solidFill>
+                <a:effectLst/>
+                <a:latin typeface="+mn-lt"/>
               </a:defRPr>
             </a:lvl1pPr>
           </a:lstStyle>
@@ -3003,202 +5247,328 @@
     </p:spTree>
     <p:extLst>
       <p:ext uri="{BB962C8B-B14F-4D97-AF65-F5344CB8AC3E}">
-        <p14:creationId xmlns:p14="http://schemas.microsoft.com/office/powerpoint/2010/main" val="2361655274"/>
+        <p14:creationId xmlns:p14="http://schemas.microsoft.com/office/powerpoint/2010/main" val="1011005572"/>
       </p:ext>
     </p:extLst>
   </p:cSld>
-  <p:clrMap bg1="lt1" tx1="dk1" bg2="lt2" tx2="dk2" accent1="accent1" accent2="accent2" accent3="accent3" accent4="accent4" accent5="accent5" accent6="accent6" hlink="hlink" folHlink="folHlink"/>
+  <p:clrMap bg1="dk1" tx1="lt1" bg2="dk2" tx2="lt2" accent1="accent1" accent2="accent2" accent3="accent3" accent4="accent4" accent5="accent5" accent6="accent6" hlink="hlink" folHlink="folHlink"/>
   <p:sldLayoutIdLst>
-    <p:sldLayoutId id="2147483649" r:id="rId1"/>
-    <p:sldLayoutId id="2147483650" r:id="rId2"/>
-    <p:sldLayoutId id="2147483651" r:id="rId3"/>
-    <p:sldLayoutId id="2147483652" r:id="rId4"/>
-    <p:sldLayoutId id="2147483653" r:id="rId5"/>
-    <p:sldLayoutId id="2147483654" r:id="rId6"/>
-    <p:sldLayoutId id="2147483655" r:id="rId7"/>
-    <p:sldLayoutId id="2147483656" r:id="rId8"/>
-    <p:sldLayoutId id="2147483657" r:id="rId9"/>
-    <p:sldLayoutId id="2147483658" r:id="rId10"/>
-    <p:sldLayoutId id="2147483659" r:id="rId11"/>
+    <p:sldLayoutId id="2147483661" r:id="rId1"/>
+    <p:sldLayoutId id="2147483662" r:id="rId2"/>
+    <p:sldLayoutId id="2147483663" r:id="rId3"/>
+    <p:sldLayoutId id="2147483664" r:id="rId4"/>
+    <p:sldLayoutId id="2147483665" r:id="rId5"/>
+    <p:sldLayoutId id="2147483666" r:id="rId6"/>
+    <p:sldLayoutId id="2147483667" r:id="rId7"/>
+    <p:sldLayoutId id="2147483668" r:id="rId8"/>
+    <p:sldLayoutId id="2147483669" r:id="rId9"/>
+    <p:sldLayoutId id="2147483670" r:id="rId10"/>
+    <p:sldLayoutId id="2147483671" r:id="rId11"/>
+    <p:sldLayoutId id="2147483672" r:id="rId12"/>
+    <p:sldLayoutId id="2147483673" r:id="rId13"/>
+    <p:sldLayoutId id="2147483674" r:id="rId14"/>
+    <p:sldLayoutId id="2147483675" r:id="rId15"/>
+    <p:sldLayoutId id="2147483676" r:id="rId16"/>
+    <p:sldLayoutId id="2147483677" r:id="rId17"/>
   </p:sldLayoutIdLst>
   <p:txStyles>
     <p:titleStyle>
-      <a:lvl1pPr algn="l" defTabSz="914400" rtl="0" eaLnBrk="1" latinLnBrk="0" hangingPunct="1">
-        <a:lnSpc>
-          <a:spcPct val="90000"/>
-        </a:lnSpc>
+      <a:lvl1pPr algn="l" defTabSz="457200" rtl="0" eaLnBrk="1" latinLnBrk="0" hangingPunct="1">
         <a:spcBef>
           <a:spcPct val="0"/>
         </a:spcBef>
         <a:buNone/>
-        <a:defRPr sz="4400" kern="1200">
+        <a:defRPr sz="3600" kern="1200" cap="all">
+          <a:ln w="3175" cmpd="sng">
+            <a:noFill/>
+          </a:ln>
           <a:solidFill>
             <a:schemeClr val="tx1"/>
           </a:solidFill>
+          <a:effectLst/>
           <a:latin typeface="+mj-lt"/>
           <a:ea typeface="+mj-ea"/>
           <a:cs typeface="+mj-cs"/>
         </a:defRPr>
       </a:lvl1pPr>
+      <a:lvl2pPr eaLnBrk="1" hangingPunct="1">
+        <a:defRPr>
+          <a:solidFill>
+            <a:schemeClr val="tx2"/>
+          </a:solidFill>
+        </a:defRPr>
+      </a:lvl2pPr>
+      <a:lvl3pPr eaLnBrk="1" hangingPunct="1">
+        <a:defRPr>
+          <a:solidFill>
+            <a:schemeClr val="tx2"/>
+          </a:solidFill>
+        </a:defRPr>
+      </a:lvl3pPr>
+      <a:lvl4pPr eaLnBrk="1" hangingPunct="1">
+        <a:defRPr>
+          <a:solidFill>
+            <a:schemeClr val="tx2"/>
+          </a:solidFill>
+        </a:defRPr>
+      </a:lvl4pPr>
+      <a:lvl5pPr eaLnBrk="1" hangingPunct="1">
+        <a:defRPr>
+          <a:solidFill>
+            <a:schemeClr val="tx2"/>
+          </a:solidFill>
+        </a:defRPr>
+      </a:lvl5pPr>
+      <a:lvl6pPr eaLnBrk="1" hangingPunct="1">
+        <a:defRPr>
+          <a:solidFill>
+            <a:schemeClr val="tx2"/>
+          </a:solidFill>
+        </a:defRPr>
+      </a:lvl6pPr>
+      <a:lvl7pPr eaLnBrk="1" hangingPunct="1">
+        <a:defRPr>
+          <a:solidFill>
+            <a:schemeClr val="tx2"/>
+          </a:solidFill>
+        </a:defRPr>
+      </a:lvl7pPr>
+      <a:lvl8pPr eaLnBrk="1" hangingPunct="1">
+        <a:defRPr>
+          <a:solidFill>
+            <a:schemeClr val="tx2"/>
+          </a:solidFill>
+        </a:defRPr>
+      </a:lvl8pPr>
+      <a:lvl9pPr eaLnBrk="1" hangingPunct="1">
+        <a:defRPr>
+          <a:solidFill>
+            <a:schemeClr val="tx2"/>
+          </a:solidFill>
+        </a:defRPr>
+      </a:lvl9pPr>
     </p:titleStyle>
     <p:bodyStyle>
-      <a:lvl1pPr marL="228600" indent="-228600" algn="l" defTabSz="914400" rtl="0" eaLnBrk="1" latinLnBrk="0" hangingPunct="1">
-        <a:lnSpc>
-          <a:spcPct val="90000"/>
-        </a:lnSpc>
+      <a:lvl1pPr marL="285750" indent="-285750" algn="l" defTabSz="457200" rtl="0" eaLnBrk="1" latinLnBrk="0" hangingPunct="1">
         <a:spcBef>
-          <a:spcPts val="1000"/>
+          <a:spcPct val="20000"/>
         </a:spcBef>
-        <a:buFont typeface="Arial" panose="020B0604020202020204" pitchFamily="34" charset="0"/>
-        <a:buChar char="•"/>
-        <a:defRPr sz="2800" kern="1200">
+        <a:spcAft>
+          <a:spcPts val="600"/>
+        </a:spcAft>
+        <a:buClr>
+          <a:schemeClr val="tx1"/>
+        </a:buClr>
+        <a:buSzPct val="80000"/>
+        <a:buFont typeface="Wingdings 3" panose="05040102010807070707" pitchFamily="18" charset="2"/>
+        <a:buChar char=""/>
+        <a:defRPr sz="2000" kern="1200" cap="none">
           <a:solidFill>
-            <a:schemeClr val="tx1"/>
+            <a:schemeClr val="bg2">
+              <a:lumMod val="75000"/>
+            </a:schemeClr>
           </a:solidFill>
+          <a:effectLst/>
           <a:latin typeface="+mn-lt"/>
           <a:ea typeface="+mn-ea"/>
           <a:cs typeface="+mn-cs"/>
         </a:defRPr>
       </a:lvl1pPr>
-      <a:lvl2pPr marL="685800" indent="-228600" algn="l" defTabSz="914400" rtl="0" eaLnBrk="1" latinLnBrk="0" hangingPunct="1">
-        <a:lnSpc>
-          <a:spcPct val="90000"/>
-        </a:lnSpc>
+      <a:lvl2pPr marL="742950" indent="-285750" algn="l" defTabSz="457200" rtl="0" eaLnBrk="1" latinLnBrk="0" hangingPunct="1">
         <a:spcBef>
-          <a:spcPts val="500"/>
+          <a:spcPct val="20000"/>
         </a:spcBef>
-        <a:buFont typeface="Arial" panose="020B0604020202020204" pitchFamily="34" charset="0"/>
-        <a:buChar char="•"/>
-        <a:defRPr sz="2400" kern="1200">
+        <a:spcAft>
+          <a:spcPts val="600"/>
+        </a:spcAft>
+        <a:buClr>
+          <a:schemeClr val="tx1"/>
+        </a:buClr>
+        <a:buSzPct val="80000"/>
+        <a:buFont typeface="Wingdings 3" panose="05040102010807070707" pitchFamily="18" charset="2"/>
+        <a:buChar char=""/>
+        <a:defRPr sz="1800" kern="1200" cap="none">
           <a:solidFill>
-            <a:schemeClr val="tx1"/>
+            <a:schemeClr val="bg2">
+              <a:lumMod val="75000"/>
+            </a:schemeClr>
           </a:solidFill>
+          <a:effectLst/>
           <a:latin typeface="+mn-lt"/>
           <a:ea typeface="+mn-ea"/>
           <a:cs typeface="+mn-cs"/>
         </a:defRPr>
       </a:lvl2pPr>
-      <a:lvl3pPr marL="1143000" indent="-228600" algn="l" defTabSz="914400" rtl="0" eaLnBrk="1" latinLnBrk="0" hangingPunct="1">
-        <a:lnSpc>
-          <a:spcPct val="90000"/>
-        </a:lnSpc>
+      <a:lvl3pPr marL="1200150" indent="-285750" algn="l" defTabSz="457200" rtl="0" eaLnBrk="1" latinLnBrk="0" hangingPunct="1">
         <a:spcBef>
-          <a:spcPts val="500"/>
+          <a:spcPct val="20000"/>
         </a:spcBef>
-        <a:buFont typeface="Arial" panose="020B0604020202020204" pitchFamily="34" charset="0"/>
-        <a:buChar char="•"/>
-        <a:defRPr sz="2000" kern="1200">
+        <a:spcAft>
+          <a:spcPts val="600"/>
+        </a:spcAft>
+        <a:buClr>
+          <a:schemeClr val="tx1"/>
+        </a:buClr>
+        <a:buSzPct val="80000"/>
+        <a:buFont typeface="Wingdings 3" panose="05040102010807070707" pitchFamily="18" charset="2"/>
+        <a:buChar char=""/>
+        <a:defRPr sz="1600" kern="1200" cap="none">
           <a:solidFill>
-            <a:schemeClr val="tx1"/>
+            <a:schemeClr val="bg2">
+              <a:lumMod val="75000"/>
+            </a:schemeClr>
           </a:solidFill>
+          <a:effectLst/>
           <a:latin typeface="+mn-lt"/>
           <a:ea typeface="+mn-ea"/>
           <a:cs typeface="+mn-cs"/>
         </a:defRPr>
       </a:lvl3pPr>
-      <a:lvl4pPr marL="1600200" indent="-228600" algn="l" defTabSz="914400" rtl="0" eaLnBrk="1" latinLnBrk="0" hangingPunct="1">
-        <a:lnSpc>
-          <a:spcPct val="90000"/>
-        </a:lnSpc>
+      <a:lvl4pPr marL="1543050" indent="-171450" algn="l" defTabSz="457200" rtl="0" eaLnBrk="1" latinLnBrk="0" hangingPunct="1">
         <a:spcBef>
-          <a:spcPts val="500"/>
+          <a:spcPct val="20000"/>
         </a:spcBef>
-        <a:buFont typeface="Arial" panose="020B0604020202020204" pitchFamily="34" charset="0"/>
-        <a:buChar char="•"/>
-        <a:defRPr sz="1800" kern="1200">
+        <a:spcAft>
+          <a:spcPts val="600"/>
+        </a:spcAft>
+        <a:buClr>
+          <a:schemeClr val="tx1"/>
+        </a:buClr>
+        <a:buSzPct val="80000"/>
+        <a:buFont typeface="Wingdings 3" panose="05040102010807070707" pitchFamily="18" charset="2"/>
+        <a:buChar char=""/>
+        <a:defRPr sz="1400" kern="1200" cap="none">
           <a:solidFill>
-            <a:schemeClr val="tx1"/>
+            <a:schemeClr val="bg2">
+              <a:lumMod val="75000"/>
+            </a:schemeClr>
           </a:solidFill>
+          <a:effectLst/>
           <a:latin typeface="+mn-lt"/>
           <a:ea typeface="+mn-ea"/>
           <a:cs typeface="+mn-cs"/>
         </a:defRPr>
       </a:lvl4pPr>
-      <a:lvl5pPr marL="2057400" indent="-228600" algn="l" defTabSz="914400" rtl="0" eaLnBrk="1" latinLnBrk="0" hangingPunct="1">
-        <a:lnSpc>
-          <a:spcPct val="90000"/>
-        </a:lnSpc>
+      <a:lvl5pPr marL="2000250" indent="-171450" algn="l" defTabSz="457200" rtl="0" eaLnBrk="1" latinLnBrk="0" hangingPunct="1">
         <a:spcBef>
-          <a:spcPts val="500"/>
+          <a:spcPct val="20000"/>
         </a:spcBef>
-        <a:buFont typeface="Arial" panose="020B0604020202020204" pitchFamily="34" charset="0"/>
-        <a:buChar char="•"/>
-        <a:defRPr sz="1800" kern="1200">
+        <a:spcAft>
+          <a:spcPts val="600"/>
+        </a:spcAft>
+        <a:buClr>
+          <a:schemeClr val="tx1"/>
+        </a:buClr>
+        <a:buSzPct val="80000"/>
+        <a:buFont typeface="Wingdings 3" panose="05040102010807070707" pitchFamily="18" charset="2"/>
+        <a:buChar char=""/>
+        <a:defRPr sz="1400" kern="1200" cap="none">
           <a:solidFill>
-            <a:schemeClr val="tx1"/>
+            <a:schemeClr val="bg2">
+              <a:lumMod val="75000"/>
+            </a:schemeClr>
           </a:solidFill>
+          <a:effectLst/>
           <a:latin typeface="+mn-lt"/>
           <a:ea typeface="+mn-ea"/>
           <a:cs typeface="+mn-cs"/>
         </a:defRPr>
       </a:lvl5pPr>
-      <a:lvl6pPr marL="2514600" indent="-228600" algn="l" defTabSz="914400" rtl="0" eaLnBrk="1" latinLnBrk="0" hangingPunct="1">
-        <a:lnSpc>
-          <a:spcPct val="90000"/>
-        </a:lnSpc>
+      <a:lvl6pPr marL="2514600" indent="-228600" algn="l" defTabSz="457200" rtl="0" eaLnBrk="1" latinLnBrk="0" hangingPunct="1">
         <a:spcBef>
-          <a:spcPts val="500"/>
+          <a:spcPct val="20000"/>
         </a:spcBef>
-        <a:buFont typeface="Arial" panose="020B0604020202020204" pitchFamily="34" charset="0"/>
-        <a:buChar char="•"/>
-        <a:defRPr sz="1800" kern="1200">
+        <a:spcAft>
+          <a:spcPts val="600"/>
+        </a:spcAft>
+        <a:buClr>
+          <a:schemeClr val="tx1"/>
+        </a:buClr>
+        <a:buSzPct val="80000"/>
+        <a:buFont typeface="Wingdings 3" panose="05040102010807070707" pitchFamily="18" charset="2"/>
+        <a:buChar char=""/>
+        <a:defRPr sz="1400" kern="1200" cap="none">
           <a:solidFill>
-            <a:schemeClr val="tx1"/>
+            <a:schemeClr val="bg2">
+              <a:lumMod val="75000"/>
+            </a:schemeClr>
           </a:solidFill>
+          <a:effectLst/>
           <a:latin typeface="+mn-lt"/>
           <a:ea typeface="+mn-ea"/>
           <a:cs typeface="+mn-cs"/>
         </a:defRPr>
       </a:lvl6pPr>
-      <a:lvl7pPr marL="2971800" indent="-228600" algn="l" defTabSz="914400" rtl="0" eaLnBrk="1" latinLnBrk="0" hangingPunct="1">
-        <a:lnSpc>
-          <a:spcPct val="90000"/>
-        </a:lnSpc>
+      <a:lvl7pPr marL="2971800" indent="-228600" algn="l" defTabSz="457200" rtl="0" eaLnBrk="1" latinLnBrk="0" hangingPunct="1">
         <a:spcBef>
-          <a:spcPts val="500"/>
+          <a:spcPct val="20000"/>
         </a:spcBef>
-        <a:buFont typeface="Arial" panose="020B0604020202020204" pitchFamily="34" charset="0"/>
-        <a:buChar char="•"/>
-        <a:defRPr sz="1800" kern="1200">
+        <a:spcAft>
+          <a:spcPts val="600"/>
+        </a:spcAft>
+        <a:buClr>
+          <a:schemeClr val="tx1"/>
+        </a:buClr>
+        <a:buSzPct val="80000"/>
+        <a:buFont typeface="Wingdings 3" panose="05040102010807070707" pitchFamily="18" charset="2"/>
+        <a:buChar char=""/>
+        <a:defRPr sz="1400" kern="1200" cap="none">
           <a:solidFill>
-            <a:schemeClr val="tx1"/>
+            <a:schemeClr val="bg2">
+              <a:lumMod val="75000"/>
+            </a:schemeClr>
           </a:solidFill>
+          <a:effectLst/>
           <a:latin typeface="+mn-lt"/>
           <a:ea typeface="+mn-ea"/>
           <a:cs typeface="+mn-cs"/>
         </a:defRPr>
       </a:lvl7pPr>
-      <a:lvl8pPr marL="3429000" indent="-228600" algn="l" defTabSz="914400" rtl="0" eaLnBrk="1" latinLnBrk="0" hangingPunct="1">
-        <a:lnSpc>
-          <a:spcPct val="90000"/>
-        </a:lnSpc>
+      <a:lvl8pPr marL="3429000" indent="-228600" algn="l" defTabSz="457200" rtl="0" eaLnBrk="1" latinLnBrk="0" hangingPunct="1">
         <a:spcBef>
-          <a:spcPts val="500"/>
+          <a:spcPct val="20000"/>
         </a:spcBef>
-        <a:buFont typeface="Arial" panose="020B0604020202020204" pitchFamily="34" charset="0"/>
-        <a:buChar char="•"/>
-        <a:defRPr sz="1800" kern="1200">
+        <a:spcAft>
+          <a:spcPts val="600"/>
+        </a:spcAft>
+        <a:buClr>
+          <a:schemeClr val="tx1"/>
+        </a:buClr>
+        <a:buSzPct val="80000"/>
+        <a:buFont typeface="Wingdings 3" panose="05040102010807070707" pitchFamily="18" charset="2"/>
+        <a:buChar char=""/>
+        <a:defRPr sz="1400" kern="1200" cap="none">
           <a:solidFill>
-            <a:schemeClr val="tx1"/>
+            <a:schemeClr val="bg2">
+              <a:lumMod val="75000"/>
+            </a:schemeClr>
           </a:solidFill>
+          <a:effectLst/>
           <a:latin typeface="+mn-lt"/>
           <a:ea typeface="+mn-ea"/>
           <a:cs typeface="+mn-cs"/>
         </a:defRPr>
       </a:lvl8pPr>
-      <a:lvl9pPr marL="3886200" indent="-228600" algn="l" defTabSz="914400" rtl="0" eaLnBrk="1" latinLnBrk="0" hangingPunct="1">
-        <a:lnSpc>
-          <a:spcPct val="90000"/>
-        </a:lnSpc>
+      <a:lvl9pPr marL="3886200" indent="-228600" algn="l" defTabSz="457200" rtl="0" eaLnBrk="1" latinLnBrk="0" hangingPunct="1">
         <a:spcBef>
-          <a:spcPts val="500"/>
+          <a:spcPct val="20000"/>
         </a:spcBef>
-        <a:buFont typeface="Arial" panose="020B0604020202020204" pitchFamily="34" charset="0"/>
-        <a:buChar char="•"/>
-        <a:defRPr sz="1800" kern="1200">
+        <a:spcAft>
+          <a:spcPts val="600"/>
+        </a:spcAft>
+        <a:buClr>
+          <a:schemeClr val="tx1"/>
+        </a:buClr>
+        <a:buSzPct val="80000"/>
+        <a:buFont typeface="Wingdings 3" panose="05040102010807070707" pitchFamily="18" charset="2"/>
+        <a:buChar char=""/>
+        <a:defRPr sz="1400" kern="1200" cap="none">
           <a:solidFill>
-            <a:schemeClr val="tx1"/>
+            <a:schemeClr val="bg2">
+              <a:lumMod val="75000"/>
+            </a:schemeClr>
           </a:solidFill>
+          <a:effectLst/>
           <a:latin typeface="+mn-lt"/>
           <a:ea typeface="+mn-ea"/>
           <a:cs typeface="+mn-cs"/>
@@ -3209,7 +5579,7 @@
       <a:defPPr>
         <a:defRPr lang="en-US"/>
       </a:defPPr>
-      <a:lvl1pPr marL="0" algn="l" defTabSz="914400" rtl="0" eaLnBrk="1" latinLnBrk="0" hangingPunct="1">
+      <a:lvl1pPr marL="0" algn="l" defTabSz="457200" rtl="0" eaLnBrk="1" latinLnBrk="0" hangingPunct="1">
         <a:defRPr sz="1800" kern="1200">
           <a:solidFill>
             <a:schemeClr val="tx1"/>
@@ -3219,7 +5589,7 @@
           <a:cs typeface="+mn-cs"/>
         </a:defRPr>
       </a:lvl1pPr>
-      <a:lvl2pPr marL="457200" algn="l" defTabSz="914400" rtl="0" eaLnBrk="1" latinLnBrk="0" hangingPunct="1">
+      <a:lvl2pPr marL="457200" algn="l" defTabSz="457200" rtl="0" eaLnBrk="1" latinLnBrk="0" hangingPunct="1">
         <a:defRPr sz="1800" kern="1200">
           <a:solidFill>
             <a:schemeClr val="tx1"/>
@@ -3229,7 +5599,7 @@
           <a:cs typeface="+mn-cs"/>
         </a:defRPr>
       </a:lvl2pPr>
-      <a:lvl3pPr marL="914400" algn="l" defTabSz="914400" rtl="0" eaLnBrk="1" latinLnBrk="0" hangingPunct="1">
+      <a:lvl3pPr marL="914400" algn="l" defTabSz="457200" rtl="0" eaLnBrk="1" latinLnBrk="0" hangingPunct="1">
         <a:defRPr sz="1800" kern="1200">
           <a:solidFill>
             <a:schemeClr val="tx1"/>
@@ -3239,7 +5609,7 @@
           <a:cs typeface="+mn-cs"/>
         </a:defRPr>
       </a:lvl3pPr>
-      <a:lvl4pPr marL="1371600" algn="l" defTabSz="914400" rtl="0" eaLnBrk="1" latinLnBrk="0" hangingPunct="1">
+      <a:lvl4pPr marL="1371600" algn="l" defTabSz="457200" rtl="0" eaLnBrk="1" latinLnBrk="0" hangingPunct="1">
         <a:defRPr sz="1800" kern="1200">
           <a:solidFill>
             <a:schemeClr val="tx1"/>
@@ -3249,7 +5619,7 @@
           <a:cs typeface="+mn-cs"/>
         </a:defRPr>
       </a:lvl4pPr>
-      <a:lvl5pPr marL="1828800" algn="l" defTabSz="914400" rtl="0" eaLnBrk="1" latinLnBrk="0" hangingPunct="1">
+      <a:lvl5pPr marL="1828800" algn="l" defTabSz="457200" rtl="0" eaLnBrk="1" latinLnBrk="0" hangingPunct="1">
         <a:defRPr sz="1800" kern="1200">
           <a:solidFill>
             <a:schemeClr val="tx1"/>
@@ -3259,7 +5629,7 @@
           <a:cs typeface="+mn-cs"/>
         </a:defRPr>
       </a:lvl5pPr>
-      <a:lvl6pPr marL="2286000" algn="l" defTabSz="914400" rtl="0" eaLnBrk="1" latinLnBrk="0" hangingPunct="1">
+      <a:lvl6pPr marL="2286000" algn="l" defTabSz="457200" rtl="0" eaLnBrk="1" latinLnBrk="0" hangingPunct="1">
         <a:defRPr sz="1800" kern="1200">
           <a:solidFill>
             <a:schemeClr val="tx1"/>
@@ -3269,7 +5639,7 @@
           <a:cs typeface="+mn-cs"/>
         </a:defRPr>
       </a:lvl6pPr>
-      <a:lvl7pPr marL="2743200" algn="l" defTabSz="914400" rtl="0" eaLnBrk="1" latinLnBrk="0" hangingPunct="1">
+      <a:lvl7pPr marL="2743200" algn="l" defTabSz="457200" rtl="0" eaLnBrk="1" latinLnBrk="0" hangingPunct="1">
         <a:defRPr sz="1800" kern="1200">
           <a:solidFill>
             <a:schemeClr val="tx1"/>
@@ -3279,7 +5649,7 @@
           <a:cs typeface="+mn-cs"/>
         </a:defRPr>
       </a:lvl7pPr>
-      <a:lvl8pPr marL="3200400" algn="l" defTabSz="914400" rtl="0" eaLnBrk="1" latinLnBrk="0" hangingPunct="1">
+      <a:lvl8pPr marL="3200400" algn="l" defTabSz="457200" rtl="0" eaLnBrk="1" latinLnBrk="0" hangingPunct="1">
         <a:defRPr sz="1800" kern="1200">
           <a:solidFill>
             <a:schemeClr val="tx1"/>
@@ -3289,7 +5659,7 @@
           <a:cs typeface="+mn-cs"/>
         </a:defRPr>
       </a:lvl8pPr>
-      <a:lvl9pPr marL="3657600" algn="l" defTabSz="914400" rtl="0" eaLnBrk="1" latinLnBrk="0" hangingPunct="1">
+      <a:lvl9pPr marL="3657600" algn="l" defTabSz="457200" rtl="0" eaLnBrk="1" latinLnBrk="0" hangingPunct="1">
         <a:defRPr sz="1800" kern="1200">
           <a:solidFill>
             <a:schemeClr val="tx1"/>
@@ -3307,6 +5677,14 @@
 <file path=ppt/slides/slide1.xml><?xml version="1.0" encoding="utf-8"?>
 <p:sld xmlns:a="http://schemas.openxmlformats.org/drawingml/2006/main" xmlns:r="http://schemas.openxmlformats.org/officeDocument/2006/relationships" xmlns:p="http://schemas.openxmlformats.org/presentationml/2006/main">
   <p:cSld>
+    <p:bg>
+      <p:bgPr>
+        <a:solidFill>
+          <a:schemeClr val="accent1"/>
+        </a:solidFill>
+        <a:effectLst/>
+      </p:bgPr>
+    </p:bg>
     <p:spTree>
       <p:nvGrpSpPr>
         <p:cNvPr id="1" name=""/>
@@ -3323,10 +5701,674 @@
       </p:grpSpPr>
       <p:sp>
         <p:nvSpPr>
+          <p:cNvPr id="11" name="TextBox 10">
+            <a:extLst>
+              <a:ext uri="{FF2B5EF4-FFF2-40B4-BE49-F238E27FC236}">
+                <a16:creationId xmlns:a16="http://schemas.microsoft.com/office/drawing/2014/main" id="{3ACD0347-6C3F-B784-762D-6DCD10240591}"/>
+              </a:ext>
+            </a:extLst>
+          </p:cNvPr>
+          <p:cNvSpPr txBox="1"/>
+          <p:nvPr/>
+        </p:nvSpPr>
+        <p:spPr>
+          <a:xfrm>
+            <a:off x="1038225" y="721192"/>
+            <a:ext cx="10115550" cy="1938992"/>
+          </a:xfrm>
+          <a:prstGeom prst="rect">
+            <a:avLst/>
+          </a:prstGeom>
+          <a:noFill/>
+        </p:spPr>
+        <p:txBody>
+          <a:bodyPr wrap="square">
+            <a:spAutoFit/>
+          </a:bodyPr>
+          <a:lstStyle/>
+          <a:p>
+            <a:r>
+              <a:rPr kumimoji="0" lang="en-US" sz="6000" b="0" i="0" u="none" strike="noStrike" kern="1200" cap="none" spc="0" normalizeH="0" baseline="0" noProof="0" dirty="0">
+                <a:ln>
+                  <a:noFill/>
+                </a:ln>
+                <a:solidFill>
+                  <a:prstClr val="black"/>
+                </a:solidFill>
+                <a:effectLst/>
+                <a:uLnTx/>
+                <a:uFillTx/>
+                <a:latin typeface="ADLaM Display" panose="020F0502020204030204" pitchFamily="2" charset="0"/>
+                <a:ea typeface="ADLaM Display" panose="020F0502020204030204" pitchFamily="2" charset="0"/>
+                <a:cs typeface="ADLaM Display" panose="020F0502020204030204" pitchFamily="2" charset="0"/>
+              </a:rPr>
+              <a:t>Email and Roster Manager	</a:t>
+            </a:r>
+            <a:endParaRPr lang="en-US" dirty="0">
+              <a:latin typeface="ADLaM Display" panose="020F0502020204030204" pitchFamily="2" charset="0"/>
+              <a:ea typeface="ADLaM Display" panose="020F0502020204030204" pitchFamily="2" charset="0"/>
+              <a:cs typeface="ADLaM Display" panose="020F0502020204030204" pitchFamily="2" charset="0"/>
+            </a:endParaRPr>
+          </a:p>
+        </p:txBody>
+      </p:sp>
+      <p:sp>
+        <p:nvSpPr>
+          <p:cNvPr id="13" name="TextBox 12">
+            <a:extLst>
+              <a:ext uri="{FF2B5EF4-FFF2-40B4-BE49-F238E27FC236}">
+                <a16:creationId xmlns:a16="http://schemas.microsoft.com/office/drawing/2014/main" id="{C3E849A3-1799-8816-2EE0-E1EF74215784}"/>
+              </a:ext>
+            </a:extLst>
+          </p:cNvPr>
+          <p:cNvSpPr txBox="1"/>
+          <p:nvPr/>
+        </p:nvSpPr>
+        <p:spPr>
+          <a:xfrm>
+            <a:off x="1824037" y="2198519"/>
+            <a:ext cx="8543925" cy="461665"/>
+          </a:xfrm>
+          <a:prstGeom prst="rect">
+            <a:avLst/>
+          </a:prstGeom>
+          <a:noFill/>
+        </p:spPr>
+        <p:txBody>
+          <a:bodyPr wrap="square">
+            <a:spAutoFit/>
+          </a:bodyPr>
+          <a:lstStyle/>
+          <a:p>
+            <a:r>
+              <a:rPr lang="en-US" sz="2400" dirty="0">
+                <a:latin typeface="ADLaM Display" panose="02010000000000000000" pitchFamily="2" charset="0"/>
+                <a:ea typeface="ADLaM Display" panose="02010000000000000000" pitchFamily="2" charset="0"/>
+                <a:cs typeface="ADLaM Display" panose="02010000000000000000" pitchFamily="2" charset="0"/>
+              </a:rPr>
+              <a:t>A google Scripts Web App Created by Shelby Womack</a:t>
+            </a:r>
+          </a:p>
+        </p:txBody>
+      </p:sp>
+      <p:pic>
+        <p:nvPicPr>
+          <p:cNvPr id="19" name="Picture 18">
+            <a:extLst>
+              <a:ext uri="{FF2B5EF4-FFF2-40B4-BE49-F238E27FC236}">
+                <a16:creationId xmlns:a16="http://schemas.microsoft.com/office/drawing/2014/main" id="{B12B7702-6982-DA6B-92B0-198685CCF8EA}"/>
+              </a:ext>
+            </a:extLst>
+          </p:cNvPr>
+          <p:cNvPicPr>
+            <a:picLocks noChangeAspect="1"/>
+          </p:cNvPicPr>
+          <p:nvPr/>
+        </p:nvPicPr>
+        <p:blipFill>
+          <a:blip r:embed="rId2"/>
+          <a:stretch>
+            <a:fillRect/>
+          </a:stretch>
+        </p:blipFill>
+        <p:spPr>
+          <a:xfrm>
+            <a:off x="478970" y="2962380"/>
+            <a:ext cx="3632415" cy="3489030"/>
+          </a:xfrm>
+          <a:prstGeom prst="rect">
+            <a:avLst/>
+          </a:prstGeom>
+        </p:spPr>
+      </p:pic>
+      <p:pic>
+        <p:nvPicPr>
+          <p:cNvPr id="21" name="Picture 20">
+            <a:extLst>
+              <a:ext uri="{FF2B5EF4-FFF2-40B4-BE49-F238E27FC236}">
+                <a16:creationId xmlns:a16="http://schemas.microsoft.com/office/drawing/2014/main" id="{5BBF9713-47A9-0E2B-A690-3D7230C9062A}"/>
+              </a:ext>
+            </a:extLst>
+          </p:cNvPr>
+          <p:cNvPicPr>
+            <a:picLocks noChangeAspect="1"/>
+          </p:cNvPicPr>
+          <p:nvPr/>
+        </p:nvPicPr>
+        <p:blipFill>
+          <a:blip r:embed="rId3"/>
+          <a:stretch>
+            <a:fillRect/>
+          </a:stretch>
+        </p:blipFill>
+        <p:spPr>
+          <a:xfrm>
+            <a:off x="6569035" y="2316425"/>
+            <a:ext cx="5143995" cy="4920343"/>
+          </a:xfrm>
+          <a:prstGeom prst="rect">
+            <a:avLst/>
+          </a:prstGeom>
+        </p:spPr>
+      </p:pic>
+    </p:spTree>
+    <p:extLst>
+      <p:ext uri="{BB962C8B-B14F-4D97-AF65-F5344CB8AC3E}">
+        <p14:creationId xmlns:p14="http://schemas.microsoft.com/office/powerpoint/2010/main" val="2306874658"/>
+      </p:ext>
+    </p:extLst>
+  </p:cSld>
+  <p:clrMapOvr>
+    <a:masterClrMapping/>
+  </p:clrMapOvr>
+</p:sld>
+</file>
+
+<file path=ppt/slides/slide2.xml><?xml version="1.0" encoding="utf-8"?>
+<p:sld xmlns:a="http://schemas.openxmlformats.org/drawingml/2006/main" xmlns:r="http://schemas.openxmlformats.org/officeDocument/2006/relationships" xmlns:p="http://schemas.openxmlformats.org/presentationml/2006/main">
+  <p:cSld>
+    <p:spTree>
+      <p:nvGrpSpPr>
+        <p:cNvPr id="1" name=""/>
+        <p:cNvGrpSpPr/>
+        <p:nvPr/>
+      </p:nvGrpSpPr>
+      <p:grpSpPr>
+        <a:xfrm>
+          <a:off x="0" y="0"/>
+          <a:ext cx="0" cy="0"/>
+          <a:chOff x="0" y="0"/>
+          <a:chExt cx="0" cy="0"/>
+        </a:xfrm>
+      </p:grpSpPr>
+      <p:sp>
+        <p:nvSpPr>
+          <p:cNvPr id="8" name="Rectangle 7">
+            <a:extLst>
+              <a:ext uri="{FF2B5EF4-FFF2-40B4-BE49-F238E27FC236}">
+                <a16:creationId xmlns:a16="http://schemas.microsoft.com/office/drawing/2014/main" id="{781BBDC9-2DC6-4959-AC3D-49A5DCB05DA7}"/>
+              </a:ext>
+              <a:ext uri="{C183D7F6-B498-43B3-948B-1728B52AA6E4}">
+                <adec:decorative xmlns:adec="http://schemas.microsoft.com/office/drawing/2017/decorative" val="1"/>
+              </a:ext>
+            </a:extLst>
+          </p:cNvPr>
+          <p:cNvSpPr>
+            <a:spLocks noGrp="1" noRot="1" noChangeAspect="1" noMove="1" noResize="1" noEditPoints="1" noAdjustHandles="1" noChangeArrowheads="1" noChangeShapeType="1" noTextEdit="1"/>
+          </p:cNvSpPr>
+          <p:nvPr>
+            <p:extLst>
+              <p:ext uri="{386F3935-93C4-4BCD-93E2-E3B085C9AB24}">
+                <p16:designElem xmlns:p16="http://schemas.microsoft.com/office/powerpoint/2015/main" val="1"/>
+              </p:ext>
+            </p:extLst>
+          </p:nvPr>
+        </p:nvSpPr>
+        <p:spPr>
+          <a:xfrm>
+            <a:off x="0" y="0"/>
+            <a:ext cx="12192000" cy="6858000"/>
+          </a:xfrm>
+          <a:prstGeom prst="rect">
+            <a:avLst/>
+          </a:prstGeom>
+          <a:solidFill>
+            <a:schemeClr val="accent1"/>
+          </a:solidFill>
+          <a:ln>
+            <a:noFill/>
+          </a:ln>
+        </p:spPr>
+        <p:style>
+          <a:lnRef idx="2">
+            <a:schemeClr val="accent1">
+              <a:shade val="50000"/>
+            </a:schemeClr>
+          </a:lnRef>
+          <a:fillRef idx="1">
+            <a:schemeClr val="accent1"/>
+          </a:fillRef>
+          <a:effectRef idx="0">
+            <a:schemeClr val="accent1"/>
+          </a:effectRef>
+          <a:fontRef idx="minor">
+            <a:schemeClr val="lt1"/>
+          </a:fontRef>
+        </p:style>
+        <p:txBody>
+          <a:bodyPr rtlCol="0" anchor="ctr"/>
+          <a:lstStyle/>
+          <a:p>
+            <a:pPr algn="ctr"/>
+            <a:endParaRPr lang="en-US"/>
+          </a:p>
+        </p:txBody>
+      </p:sp>
+      <p:sp>
+        <p:nvSpPr>
+          <p:cNvPr id="10" name="Rectangle 9">
+            <a:extLst>
+              <a:ext uri="{FF2B5EF4-FFF2-40B4-BE49-F238E27FC236}">
+                <a16:creationId xmlns:a16="http://schemas.microsoft.com/office/drawing/2014/main" id="{4B74BB55-8517-4CFE-9389-81D0E6F81F00}"/>
+              </a:ext>
+              <a:ext uri="{C183D7F6-B498-43B3-948B-1728B52AA6E4}">
+                <adec:decorative xmlns:adec="http://schemas.microsoft.com/office/drawing/2017/decorative" val="1"/>
+              </a:ext>
+            </a:extLst>
+          </p:cNvPr>
+          <p:cNvSpPr>
+            <a:spLocks noGrp="1" noRot="1" noChangeAspect="1" noMove="1" noResize="1" noEditPoints="1" noAdjustHandles="1" noChangeArrowheads="1" noChangeShapeType="1" noTextEdit="1"/>
+          </p:cNvSpPr>
+          <p:nvPr>
+            <p:extLst>
+              <p:ext uri="{386F3935-93C4-4BCD-93E2-E3B085C9AB24}">
+                <p16:designElem xmlns:p16="http://schemas.microsoft.com/office/powerpoint/2015/main" val="1"/>
+              </p:ext>
+            </p:extLst>
+          </p:nvPr>
+        </p:nvSpPr>
+        <p:spPr>
+          <a:xfrm>
+            <a:off x="0" y="0"/>
+            <a:ext cx="1438656" cy="6858000"/>
+          </a:xfrm>
+          <a:prstGeom prst="rect">
+            <a:avLst/>
+          </a:prstGeom>
+          <a:solidFill>
+            <a:schemeClr val="accent1">
+              <a:lumMod val="50000"/>
+            </a:schemeClr>
+          </a:solidFill>
+          <a:ln>
+            <a:noFill/>
+          </a:ln>
+        </p:spPr>
+        <p:style>
+          <a:lnRef idx="2">
+            <a:schemeClr val="accent1">
+              <a:shade val="50000"/>
+            </a:schemeClr>
+          </a:lnRef>
+          <a:fillRef idx="1003">
+            <a:schemeClr val="lt1"/>
+          </a:fillRef>
+          <a:effectRef idx="0">
+            <a:schemeClr val="accent1"/>
+          </a:effectRef>
+          <a:fontRef idx="minor">
+            <a:schemeClr val="lt1"/>
+          </a:fontRef>
+        </p:style>
+        <p:txBody>
+          <a:bodyPr rtlCol="0" anchor="ctr"/>
+          <a:lstStyle/>
+          <a:p>
+            <a:pPr algn="ctr"/>
+            <a:endParaRPr lang="en-US">
+              <a:solidFill>
+                <a:schemeClr val="accent2"/>
+              </a:solidFill>
+            </a:endParaRPr>
+          </a:p>
+        </p:txBody>
+      </p:sp>
+      <p:grpSp>
+        <p:nvGrpSpPr>
+          <p:cNvPr id="12" name="Group 11">
+            <a:extLst>
+              <a:ext uri="{FF2B5EF4-FFF2-40B4-BE49-F238E27FC236}">
+                <a16:creationId xmlns:a16="http://schemas.microsoft.com/office/drawing/2014/main" id="{A3F7C935-E41E-4E8D-91DF-D3BAB9521DF0}"/>
+              </a:ext>
+              <a:ext uri="{C183D7F6-B498-43B3-948B-1728B52AA6E4}">
+                <adec:decorative xmlns:adec="http://schemas.microsoft.com/office/drawing/2017/decorative" val="1"/>
+              </a:ext>
+            </a:extLst>
+          </p:cNvPr>
+          <p:cNvGrpSpPr>
+            <a:grpSpLocks noGrp="1" noUngrp="1" noRot="1" noChangeAspect="1" noMove="1" noResize="1"/>
+          </p:cNvGrpSpPr>
+          <p:nvPr>
+            <p:extLst>
+              <p:ext uri="{386F3935-93C4-4BCD-93E2-E3B085C9AB24}">
+                <p16:designElem xmlns:p16="http://schemas.microsoft.com/office/powerpoint/2015/main" val="1"/>
+              </p:ext>
+            </p:extLst>
+          </p:nvPr>
+        </p:nvGrpSpPr>
+        <p:grpSpPr>
+          <a:xfrm>
+            <a:off x="80045" y="4435646"/>
+            <a:ext cx="1419541" cy="1660354"/>
+            <a:chOff x="10292292" y="2963333"/>
+            <a:chExt cx="1896535" cy="2218267"/>
+          </a:xfrm>
+        </p:grpSpPr>
+        <p:cxnSp>
+          <p:nvCxnSpPr>
+            <p:cNvPr id="13" name="Straight Connector 12">
+              <a:extLst>
+                <a:ext uri="{FF2B5EF4-FFF2-40B4-BE49-F238E27FC236}">
+                  <a16:creationId xmlns:a16="http://schemas.microsoft.com/office/drawing/2014/main" id="{4FB64230-1B44-4C76-9885-0BBE5C736CC8}"/>
+                </a:ext>
+                <a:ext uri="{C183D7F6-B498-43B3-948B-1728B52AA6E4}">
+                  <adec:decorative xmlns:adec="http://schemas.microsoft.com/office/drawing/2017/decorative" val="1"/>
+                </a:ext>
+              </a:extLst>
+            </p:cNvPr>
+            <p:cNvCxnSpPr/>
+            <p:nvPr>
+              <p:extLst>
+                <p:ext uri="{386F3935-93C4-4BCD-93E2-E3B085C9AB24}">
+                  <p16:designElem xmlns:p16="http://schemas.microsoft.com/office/powerpoint/2015/main" val="1"/>
+                </p:ext>
+              </p:extLst>
+            </p:nvPr>
+          </p:nvCxnSpPr>
+          <p:spPr>
+            <a:xfrm flipH="1">
+              <a:off x="11276012" y="2963333"/>
+              <a:ext cx="912814" cy="912812"/>
+            </a:xfrm>
+            <a:prstGeom prst="line">
+              <a:avLst/>
+            </a:prstGeom>
+            <a:ln w="9525">
+              <a:solidFill>
+                <a:srgbClr val="FFFFFF"/>
+              </a:solidFill>
+            </a:ln>
+          </p:spPr>
+          <p:style>
+            <a:lnRef idx="2">
+              <a:schemeClr val="accent1"/>
+            </a:lnRef>
+            <a:fillRef idx="0">
+              <a:schemeClr val="accent1"/>
+            </a:fillRef>
+            <a:effectRef idx="1">
+              <a:schemeClr val="accent1"/>
+            </a:effectRef>
+            <a:fontRef idx="minor">
+              <a:schemeClr val="tx1"/>
+            </a:fontRef>
+          </p:style>
+        </p:cxnSp>
+        <p:cxnSp>
+          <p:nvCxnSpPr>
+            <p:cNvPr id="14" name="Straight Connector 13">
+              <a:extLst>
+                <a:ext uri="{FF2B5EF4-FFF2-40B4-BE49-F238E27FC236}">
+                  <a16:creationId xmlns:a16="http://schemas.microsoft.com/office/drawing/2014/main" id="{D3F7F181-4FFE-4F8E-A3D0-1A8ECDEFFB37}"/>
+                </a:ext>
+                <a:ext uri="{C183D7F6-B498-43B3-948B-1728B52AA6E4}">
+                  <adec:decorative xmlns:adec="http://schemas.microsoft.com/office/drawing/2017/decorative" val="1"/>
+                </a:ext>
+              </a:extLst>
+            </p:cNvPr>
+            <p:cNvCxnSpPr>
+              <a:cxnSpLocks/>
+            </p:cNvCxnSpPr>
+            <p:nvPr>
+              <p:extLst>
+                <p:ext uri="{386F3935-93C4-4BCD-93E2-E3B085C9AB24}">
+                  <p16:designElem xmlns:p16="http://schemas.microsoft.com/office/powerpoint/2015/main" val="1"/>
+                </p:ext>
+              </p:extLst>
+            </p:nvPr>
+          </p:nvCxnSpPr>
+          <p:spPr>
+            <a:xfrm flipH="1">
+              <a:off x="10292292" y="3190344"/>
+              <a:ext cx="1896535" cy="1896533"/>
+            </a:xfrm>
+            <a:prstGeom prst="line">
+              <a:avLst/>
+            </a:prstGeom>
+            <a:ln w="9525">
+              <a:solidFill>
+                <a:srgbClr val="FFFFFF"/>
+              </a:solidFill>
+            </a:ln>
+          </p:spPr>
+          <p:style>
+            <a:lnRef idx="2">
+              <a:schemeClr val="accent1"/>
+            </a:lnRef>
+            <a:fillRef idx="0">
+              <a:schemeClr val="accent1"/>
+            </a:fillRef>
+            <a:effectRef idx="1">
+              <a:schemeClr val="accent1"/>
+            </a:effectRef>
+            <a:fontRef idx="minor">
+              <a:schemeClr val="tx1"/>
+            </a:fontRef>
+          </p:style>
+        </p:cxnSp>
+        <p:cxnSp>
+          <p:nvCxnSpPr>
+            <p:cNvPr id="15" name="Straight Connector 14">
+              <a:extLst>
+                <a:ext uri="{FF2B5EF4-FFF2-40B4-BE49-F238E27FC236}">
+                  <a16:creationId xmlns:a16="http://schemas.microsoft.com/office/drawing/2014/main" id="{2066495D-EC57-44E4-8DED-0DC2E07AA2FF}"/>
+                </a:ext>
+                <a:ext uri="{C183D7F6-B498-43B3-948B-1728B52AA6E4}">
+                  <adec:decorative xmlns:adec="http://schemas.microsoft.com/office/drawing/2017/decorative" val="1"/>
+                </a:ext>
+              </a:extLst>
+            </p:cNvPr>
+            <p:cNvCxnSpPr/>
+            <p:nvPr>
+              <p:extLst>
+                <p:ext uri="{386F3935-93C4-4BCD-93E2-E3B085C9AB24}">
+                  <p16:designElem xmlns:p16="http://schemas.microsoft.com/office/powerpoint/2015/main" val="1"/>
+                </p:ext>
+              </p:extLst>
+            </p:nvPr>
+          </p:nvCxnSpPr>
+          <p:spPr>
+            <a:xfrm flipH="1">
+              <a:off x="10292292" y="3285067"/>
+              <a:ext cx="1896534" cy="1896533"/>
+            </a:xfrm>
+            <a:prstGeom prst="line">
+              <a:avLst/>
+            </a:prstGeom>
+            <a:ln w="9525">
+              <a:solidFill>
+                <a:srgbClr val="FFFFFF"/>
+              </a:solidFill>
+            </a:ln>
+          </p:spPr>
+          <p:style>
+            <a:lnRef idx="2">
+              <a:schemeClr val="accent1"/>
+            </a:lnRef>
+            <a:fillRef idx="0">
+              <a:schemeClr val="accent1"/>
+            </a:fillRef>
+            <a:effectRef idx="1">
+              <a:schemeClr val="accent1"/>
+            </a:effectRef>
+            <a:fontRef idx="minor">
+              <a:schemeClr val="tx1"/>
+            </a:fontRef>
+          </p:style>
+        </p:cxnSp>
+        <p:cxnSp>
+          <p:nvCxnSpPr>
+            <p:cNvPr id="16" name="Straight Connector 15">
+              <a:extLst>
+                <a:ext uri="{FF2B5EF4-FFF2-40B4-BE49-F238E27FC236}">
+                  <a16:creationId xmlns:a16="http://schemas.microsoft.com/office/drawing/2014/main" id="{0E0DA2F2-D672-4417-8072-9ED4FA5CC59F}"/>
+                </a:ext>
+                <a:ext uri="{C183D7F6-B498-43B3-948B-1728B52AA6E4}">
+                  <adec:decorative xmlns:adec="http://schemas.microsoft.com/office/drawing/2017/decorative" val="1"/>
+                </a:ext>
+              </a:extLst>
+            </p:cNvPr>
+            <p:cNvCxnSpPr/>
+            <p:nvPr>
+              <p:extLst>
+                <p:ext uri="{386F3935-93C4-4BCD-93E2-E3B085C9AB24}">
+                  <p16:designElem xmlns:p16="http://schemas.microsoft.com/office/powerpoint/2015/main" val="1"/>
+                </p:ext>
+              </p:extLst>
+            </p:nvPr>
+          </p:nvCxnSpPr>
+          <p:spPr>
+            <a:xfrm flipH="1">
+              <a:off x="10443103" y="3131080"/>
+              <a:ext cx="1745722" cy="1745720"/>
+            </a:xfrm>
+            <a:prstGeom prst="line">
+              <a:avLst/>
+            </a:prstGeom>
+            <a:ln w="28575">
+              <a:solidFill>
+                <a:srgbClr val="FFFFFF"/>
+              </a:solidFill>
+            </a:ln>
+          </p:spPr>
+          <p:style>
+            <a:lnRef idx="2">
+              <a:schemeClr val="accent1"/>
+            </a:lnRef>
+            <a:fillRef idx="0">
+              <a:schemeClr val="accent1"/>
+            </a:fillRef>
+            <a:effectRef idx="1">
+              <a:schemeClr val="accent1"/>
+            </a:effectRef>
+            <a:fontRef idx="minor">
+              <a:schemeClr val="tx1"/>
+            </a:fontRef>
+          </p:style>
+        </p:cxnSp>
+        <p:cxnSp>
+          <p:nvCxnSpPr>
+            <p:cNvPr id="17" name="Straight Connector 16">
+              <a:extLst>
+                <a:ext uri="{FF2B5EF4-FFF2-40B4-BE49-F238E27FC236}">
+                  <a16:creationId xmlns:a16="http://schemas.microsoft.com/office/drawing/2014/main" id="{30E8BACB-AEC7-46A5-A3AD-4D1BBE8715BA}"/>
+                </a:ext>
+                <a:ext uri="{C183D7F6-B498-43B3-948B-1728B52AA6E4}">
+                  <adec:decorative xmlns:adec="http://schemas.microsoft.com/office/drawing/2017/decorative" val="1"/>
+                </a:ext>
+              </a:extLst>
+            </p:cNvPr>
+            <p:cNvCxnSpPr/>
+            <p:nvPr>
+              <p:extLst>
+                <p:ext uri="{386F3935-93C4-4BCD-93E2-E3B085C9AB24}">
+                  <p16:designElem xmlns:p16="http://schemas.microsoft.com/office/powerpoint/2015/main" val="1"/>
+                </p:ext>
+              </p:extLst>
+            </p:nvPr>
+          </p:nvCxnSpPr>
+          <p:spPr>
+            <a:xfrm flipH="1">
+              <a:off x="10918826" y="3683001"/>
+              <a:ext cx="1270001" cy="1269999"/>
+            </a:xfrm>
+            <a:prstGeom prst="line">
+              <a:avLst/>
+            </a:prstGeom>
+            <a:ln w="28575">
+              <a:solidFill>
+                <a:srgbClr val="FFFFFF"/>
+              </a:solidFill>
+            </a:ln>
+          </p:spPr>
+          <p:style>
+            <a:lnRef idx="2">
+              <a:schemeClr val="accent1"/>
+            </a:lnRef>
+            <a:fillRef idx="0">
+              <a:schemeClr val="accent1"/>
+            </a:fillRef>
+            <a:effectRef idx="1">
+              <a:schemeClr val="accent1"/>
+            </a:effectRef>
+            <a:fontRef idx="minor">
+              <a:schemeClr val="tx1"/>
+            </a:fontRef>
+          </p:style>
+        </p:cxnSp>
+      </p:grpSp>
+      <p:sp>
+        <p:nvSpPr>
+          <p:cNvPr id="19" name="Rectangle 18">
+            <a:extLst>
+              <a:ext uri="{FF2B5EF4-FFF2-40B4-BE49-F238E27FC236}">
+                <a16:creationId xmlns:a16="http://schemas.microsoft.com/office/drawing/2014/main" id="{08452CCF-4A27-488A-AAF4-424933CFC925}"/>
+              </a:ext>
+              <a:ext uri="{C183D7F6-B498-43B3-948B-1728B52AA6E4}">
+                <adec:decorative xmlns:adec="http://schemas.microsoft.com/office/drawing/2017/decorative" val="1"/>
+              </a:ext>
+            </a:extLst>
+          </p:cNvPr>
+          <p:cNvSpPr>
+            <a:spLocks noGrp="1" noRot="1" noChangeAspect="1" noMove="1" noResize="1" noEditPoints="1" noAdjustHandles="1" noChangeArrowheads="1" noChangeShapeType="1" noTextEdit="1"/>
+          </p:cNvSpPr>
+          <p:nvPr>
+            <p:extLst>
+              <p:ext uri="{386F3935-93C4-4BCD-93E2-E3B085C9AB24}">
+                <p16:designElem xmlns:p16="http://schemas.microsoft.com/office/powerpoint/2015/main" val="1"/>
+              </p:ext>
+            </p:extLst>
+          </p:nvPr>
+        </p:nvSpPr>
+        <p:spPr>
+          <a:xfrm>
+            <a:off x="1374212" y="0"/>
+            <a:ext cx="4657345" cy="6858000"/>
+          </a:xfrm>
+          <a:prstGeom prst="rect">
+            <a:avLst/>
+          </a:prstGeom>
+          <a:solidFill>
+            <a:schemeClr val="accent1">
+              <a:lumMod val="75000"/>
+            </a:schemeClr>
+          </a:solidFill>
+          <a:ln>
+            <a:noFill/>
+          </a:ln>
+          <a:effectLst/>
+        </p:spPr>
+        <p:style>
+          <a:lnRef idx="2">
+            <a:schemeClr val="accent1">
+              <a:shade val="50000"/>
+            </a:schemeClr>
+          </a:lnRef>
+          <a:fillRef idx="1001">
+            <a:schemeClr val="dk2"/>
+          </a:fillRef>
+          <a:effectRef idx="0">
+            <a:schemeClr val="accent1"/>
+          </a:effectRef>
+          <a:fontRef idx="minor">
+            <a:schemeClr val="lt1"/>
+          </a:fontRef>
+        </p:style>
+        <p:txBody>
+          <a:bodyPr rtlCol="0" anchor="ctr"/>
+          <a:lstStyle/>
+          <a:p>
+            <a:pPr algn="ctr"/>
+            <a:endParaRPr lang="en-US"/>
+          </a:p>
+        </p:txBody>
+      </p:sp>
+      <p:sp>
+        <p:nvSpPr>
           <p:cNvPr id="2" name="Title 1">
             <a:extLst>
               <a:ext uri="{FF2B5EF4-FFF2-40B4-BE49-F238E27FC236}">
-                <a16:creationId xmlns:a16="http://schemas.microsoft.com/office/drawing/2014/main" id="{D0995FC1-552E-14FA-6269-C9F931387DF2}"/>
+                <a16:creationId xmlns:a16="http://schemas.microsoft.com/office/drawing/2014/main" id="{EF702D40-BDFF-8042-ED46-ECB70A1188D2}"/>
               </a:ext>
             </a:extLst>
           </p:cNvPr>
@@ -3334,27 +6376,38 @@
             <a:spLocks noGrp="1"/>
           </p:cNvSpPr>
           <p:nvPr>
-            <p:ph type="ctrTitle"/>
-          </p:nvPr>
-        </p:nvSpPr>
-        <p:spPr/>
-        <p:txBody>
-          <a:bodyPr/>
-          <a:lstStyle/>
-          <a:p>
-            <a:r>
-              <a:rPr lang="en-US" dirty="0"/>
-              <a:t>Email and Roster Manager	</a:t>
-            </a:r>
-          </a:p>
-        </p:txBody>
-      </p:sp>
-      <p:sp>
-        <p:nvSpPr>
-          <p:cNvPr id="3" name="Subtitle 2">
+            <p:ph type="title"/>
+          </p:nvPr>
+        </p:nvSpPr>
+        <p:spPr>
+          <a:xfrm>
+            <a:off x="1794731" y="648952"/>
+            <a:ext cx="3705269" cy="5308599"/>
+          </a:xfrm>
+        </p:spPr>
+        <p:txBody>
+          <a:bodyPr>
+            <a:normAutofit/>
+          </a:bodyPr>
+          <a:lstStyle/>
+          <a:p>
+            <a:r>
+              <a:rPr lang="en-US" sz="5400" dirty="0">
+                <a:solidFill>
+                  <a:srgbClr val="FFFFFF"/>
+                </a:solidFill>
+              </a:rPr>
+              <a:t>About Me</a:t>
+            </a:r>
+          </a:p>
+        </p:txBody>
+      </p:sp>
+      <p:sp>
+        <p:nvSpPr>
+          <p:cNvPr id="3" name="Content Placeholder 2">
             <a:extLst>
               <a:ext uri="{FF2B5EF4-FFF2-40B4-BE49-F238E27FC236}">
-                <a16:creationId xmlns:a16="http://schemas.microsoft.com/office/drawing/2014/main" id="{1214215B-9633-F8DA-DA23-CBC97E7DF051}"/>
+                <a16:creationId xmlns:a16="http://schemas.microsoft.com/office/drawing/2014/main" id="{2120DF0A-49C9-1121-56B0-B0BA5D1527CC}"/>
               </a:ext>
             </a:extLst>
           </p:cNvPr>
@@ -3362,29 +6415,951 @@
             <a:spLocks noGrp="1"/>
           </p:cNvSpPr>
           <p:nvPr>
-            <p:ph type="subTitle" idx="1"/>
-          </p:nvPr>
-        </p:nvSpPr>
-        <p:spPr/>
-        <p:txBody>
-          <a:bodyPr/>
-          <a:lstStyle/>
-          <a:p>
-            <a:r>
-              <a:rPr lang="en-US" dirty="0"/>
-              <a:t>A google Scripts Web App Created by </a:t>
-            </a:r>
-            <a:r>
-              <a:rPr lang="en-US"/>
-              <a:t>Shelby Womack</a:t>
-            </a:r>
+            <p:ph idx="1"/>
+          </p:nvPr>
+        </p:nvSpPr>
+        <p:spPr>
+          <a:xfrm>
+            <a:off x="6516553" y="685800"/>
+            <a:ext cx="4754563" cy="5410200"/>
+          </a:xfrm>
+        </p:spPr>
+        <p:txBody>
+          <a:bodyPr>
+            <a:normAutofit/>
+          </a:bodyPr>
+          <a:lstStyle/>
+          <a:p>
+            <a:r>
+              <a:rPr lang="en-US" sz="2400" dirty="0">
+                <a:solidFill>
+                  <a:srgbClr val="FFFFFF"/>
+                </a:solidFill>
+              </a:rPr>
+              <a:t>My name is Shelby Womack</a:t>
+            </a:r>
+          </a:p>
+          <a:p>
+            <a:endParaRPr lang="en-US" sz="2400" dirty="0">
+              <a:solidFill>
+                <a:srgbClr val="FFFFFF"/>
+              </a:solidFill>
+            </a:endParaRPr>
+          </a:p>
+          <a:p>
+            <a:r>
+              <a:rPr lang="en-US" sz="2400" dirty="0">
+                <a:solidFill>
+                  <a:srgbClr val="FFFFFF"/>
+                </a:solidFill>
+              </a:rPr>
+              <a:t>Husband and father of Three</a:t>
+            </a:r>
+          </a:p>
+          <a:p>
+            <a:endParaRPr lang="en-US" sz="2400" dirty="0">
+              <a:solidFill>
+                <a:srgbClr val="FFFFFF"/>
+              </a:solidFill>
+            </a:endParaRPr>
+          </a:p>
+          <a:p>
+            <a:r>
+              <a:rPr lang="en-US" sz="2400" dirty="0">
+                <a:solidFill>
+                  <a:srgbClr val="FFFFFF"/>
+                </a:solidFill>
+              </a:rPr>
+              <a:t>Obsessed with automation and ice cream</a:t>
+            </a:r>
+          </a:p>
+          <a:p>
+            <a:pPr marL="0" indent="0">
+              <a:buNone/>
+            </a:pPr>
+            <a:endParaRPr lang="en-US" sz="2400" dirty="0">
+              <a:solidFill>
+                <a:srgbClr val="FFFFFF"/>
+              </a:solidFill>
+            </a:endParaRPr>
           </a:p>
         </p:txBody>
       </p:sp>
     </p:spTree>
     <p:extLst>
       <p:ext uri="{BB962C8B-B14F-4D97-AF65-F5344CB8AC3E}">
-        <p14:creationId xmlns:p14="http://schemas.microsoft.com/office/powerpoint/2010/main" val="2890325253"/>
+        <p14:creationId xmlns:p14="http://schemas.microsoft.com/office/powerpoint/2010/main" val="181132000"/>
+      </p:ext>
+    </p:extLst>
+  </p:cSld>
+  <p:clrMapOvr>
+    <a:masterClrMapping/>
+  </p:clrMapOvr>
+</p:sld>
+</file>
+
+<file path=ppt/slides/slide3.xml><?xml version="1.0" encoding="utf-8"?>
+<p:sld xmlns:a="http://schemas.openxmlformats.org/drawingml/2006/main" xmlns:r="http://schemas.openxmlformats.org/officeDocument/2006/relationships" xmlns:p="http://schemas.openxmlformats.org/presentationml/2006/main">
+  <p:cSld>
+    <p:bg>
+      <p:bgPr>
+        <a:solidFill>
+          <a:schemeClr val="accent1"/>
+        </a:solidFill>
+        <a:effectLst/>
+      </p:bgPr>
+    </p:bg>
+    <p:spTree>
+      <p:nvGrpSpPr>
+        <p:cNvPr id="1" name=""/>
+        <p:cNvGrpSpPr/>
+        <p:nvPr/>
+      </p:nvGrpSpPr>
+      <p:grpSpPr>
+        <a:xfrm>
+          <a:off x="0" y="0"/>
+          <a:ext cx="0" cy="0"/>
+          <a:chOff x="0" y="0"/>
+          <a:chExt cx="0" cy="0"/>
+        </a:xfrm>
+      </p:grpSpPr>
+      <p:sp>
+        <p:nvSpPr>
+          <p:cNvPr id="2" name="Title 1">
+            <a:extLst>
+              <a:ext uri="{FF2B5EF4-FFF2-40B4-BE49-F238E27FC236}">
+                <a16:creationId xmlns:a16="http://schemas.microsoft.com/office/drawing/2014/main" id="{6B7891D5-035E-5D59-C744-96C0987E4276}"/>
+              </a:ext>
+            </a:extLst>
+          </p:cNvPr>
+          <p:cNvSpPr>
+            <a:spLocks noGrp="1"/>
+          </p:cNvSpPr>
+          <p:nvPr>
+            <p:ph type="title"/>
+          </p:nvPr>
+        </p:nvSpPr>
+        <p:spPr/>
+        <p:txBody>
+          <a:bodyPr>
+            <a:normAutofit/>
+          </a:bodyPr>
+          <a:lstStyle/>
+          <a:p>
+            <a:r>
+              <a:rPr lang="en-US" sz="4400" dirty="0"/>
+              <a:t>Project Introduction</a:t>
+            </a:r>
+          </a:p>
+        </p:txBody>
+      </p:sp>
+      <p:sp>
+        <p:nvSpPr>
+          <p:cNvPr id="3" name="Content Placeholder 2">
+            <a:extLst>
+              <a:ext uri="{FF2B5EF4-FFF2-40B4-BE49-F238E27FC236}">
+                <a16:creationId xmlns:a16="http://schemas.microsoft.com/office/drawing/2014/main" id="{F5CC46BF-C55A-A103-312D-A28B206F959D}"/>
+              </a:ext>
+            </a:extLst>
+          </p:cNvPr>
+          <p:cNvSpPr>
+            <a:spLocks noGrp="1"/>
+          </p:cNvSpPr>
+          <p:nvPr>
+            <p:ph idx="1"/>
+          </p:nvPr>
+        </p:nvSpPr>
+        <p:spPr>
+          <a:xfrm>
+            <a:off x="684212" y="217714"/>
+            <a:ext cx="10745788" cy="4083353"/>
+          </a:xfrm>
+        </p:spPr>
+        <p:txBody>
+          <a:bodyPr>
+            <a:normAutofit/>
+          </a:bodyPr>
+          <a:lstStyle/>
+          <a:p>
+            <a:r>
+              <a:rPr lang="en-US" sz="2400" dirty="0">
+                <a:solidFill>
+                  <a:schemeClr val="tx1"/>
+                </a:solidFill>
+              </a:rPr>
+              <a:t>Web Application</a:t>
+            </a:r>
+          </a:p>
+          <a:p>
+            <a:r>
+              <a:rPr lang="en-US" sz="2400" dirty="0">
+                <a:solidFill>
+                  <a:schemeClr val="tx1"/>
+                </a:solidFill>
+              </a:rPr>
+              <a:t>Google Apps Scripts</a:t>
+            </a:r>
+          </a:p>
+          <a:p>
+            <a:r>
+              <a:rPr lang="en-US" sz="2400" dirty="0">
+                <a:solidFill>
+                  <a:schemeClr val="tx1"/>
+                </a:solidFill>
+              </a:rPr>
+              <a:t>Fetches and Parses emails</a:t>
+            </a:r>
+          </a:p>
+          <a:p>
+            <a:r>
+              <a:rPr lang="en-US" sz="2400" dirty="0">
+                <a:solidFill>
+                  <a:schemeClr val="tx1"/>
+                </a:solidFill>
+              </a:rPr>
+              <a:t>Writes relevant data into user-chosen Google Spreadsheets</a:t>
+            </a:r>
+          </a:p>
+          <a:p>
+            <a:endParaRPr lang="en-US" sz="2400" dirty="0">
+              <a:solidFill>
+                <a:schemeClr val="tx1"/>
+              </a:solidFill>
+            </a:endParaRPr>
+          </a:p>
+        </p:txBody>
+      </p:sp>
+    </p:spTree>
+    <p:extLst>
+      <p:ext uri="{BB962C8B-B14F-4D97-AF65-F5344CB8AC3E}">
+        <p14:creationId xmlns:p14="http://schemas.microsoft.com/office/powerpoint/2010/main" val="2548113628"/>
+      </p:ext>
+    </p:extLst>
+  </p:cSld>
+  <p:clrMapOvr>
+    <a:masterClrMapping/>
+  </p:clrMapOvr>
+</p:sld>
+</file>
+
+<file path=ppt/slides/slide4.xml><?xml version="1.0" encoding="utf-8"?>
+<p:sld xmlns:a="http://schemas.openxmlformats.org/drawingml/2006/main" xmlns:r="http://schemas.openxmlformats.org/officeDocument/2006/relationships" xmlns:p="http://schemas.openxmlformats.org/presentationml/2006/main">
+  <p:cSld>
+    <p:bg>
+      <p:bgPr>
+        <a:solidFill>
+          <a:schemeClr val="accent1"/>
+        </a:solidFill>
+        <a:effectLst/>
+      </p:bgPr>
+    </p:bg>
+    <p:spTree>
+      <p:nvGrpSpPr>
+        <p:cNvPr id="1" name=""/>
+        <p:cNvGrpSpPr/>
+        <p:nvPr/>
+      </p:nvGrpSpPr>
+      <p:grpSpPr>
+        <a:xfrm>
+          <a:off x="0" y="0"/>
+          <a:ext cx="0" cy="0"/>
+          <a:chOff x="0" y="0"/>
+          <a:chExt cx="0" cy="0"/>
+        </a:xfrm>
+      </p:grpSpPr>
+      <p:sp>
+        <p:nvSpPr>
+          <p:cNvPr id="2" name="Title 1">
+            <a:extLst>
+              <a:ext uri="{FF2B5EF4-FFF2-40B4-BE49-F238E27FC236}">
+                <a16:creationId xmlns:a16="http://schemas.microsoft.com/office/drawing/2014/main" id="{87D55472-A87D-D05B-095A-9A4049BB67AA}"/>
+              </a:ext>
+            </a:extLst>
+          </p:cNvPr>
+          <p:cNvSpPr>
+            <a:spLocks noGrp="1"/>
+          </p:cNvSpPr>
+          <p:nvPr>
+            <p:ph type="title"/>
+          </p:nvPr>
+        </p:nvSpPr>
+        <p:spPr>
+          <a:xfrm>
+            <a:off x="0" y="0"/>
+            <a:ext cx="3810000" cy="1507067"/>
+          </a:xfrm>
+        </p:spPr>
+        <p:txBody>
+          <a:bodyPr/>
+          <a:lstStyle/>
+          <a:p>
+            <a:r>
+              <a:rPr lang="en-US" dirty="0"/>
+              <a:t>How it works </a:t>
+            </a:r>
+          </a:p>
+        </p:txBody>
+      </p:sp>
+      <p:sp>
+        <p:nvSpPr>
+          <p:cNvPr id="3" name="Content Placeholder 2">
+            <a:extLst>
+              <a:ext uri="{FF2B5EF4-FFF2-40B4-BE49-F238E27FC236}">
+                <a16:creationId xmlns:a16="http://schemas.microsoft.com/office/drawing/2014/main" id="{04D9A691-405B-E52E-621B-62829A0D72EA}"/>
+              </a:ext>
+            </a:extLst>
+          </p:cNvPr>
+          <p:cNvSpPr>
+            <a:spLocks noGrp="1"/>
+          </p:cNvSpPr>
+          <p:nvPr>
+            <p:ph idx="1"/>
+          </p:nvPr>
+        </p:nvSpPr>
+        <p:spPr>
+          <a:xfrm>
+            <a:off x="4746170" y="0"/>
+            <a:ext cx="7445829" cy="6858000"/>
+          </a:xfrm>
+        </p:spPr>
+        <p:txBody>
+          <a:bodyPr>
+            <a:normAutofit/>
+          </a:bodyPr>
+          <a:lstStyle/>
+          <a:p>
+            <a:r>
+              <a:rPr lang="en-US" sz="2400" dirty="0">
+                <a:solidFill>
+                  <a:schemeClr val="tx1"/>
+                </a:solidFill>
+              </a:rPr>
+              <a:t>Google Cloud Console </a:t>
+            </a:r>
+          </a:p>
+          <a:p>
+            <a:r>
+              <a:rPr lang="en-US" sz="2400" dirty="0">
+                <a:solidFill>
+                  <a:schemeClr val="tx1"/>
+                </a:solidFill>
+              </a:rPr>
+              <a:t>Authentication:</a:t>
+            </a:r>
+          </a:p>
+          <a:p>
+            <a:r>
+              <a:rPr lang="en-US" sz="2400" dirty="0">
+                <a:solidFill>
+                  <a:schemeClr val="tx1"/>
+                </a:solidFill>
+              </a:rPr>
+              <a:t>Gmail API  </a:t>
+            </a:r>
+          </a:p>
+          <a:p>
+            <a:r>
+              <a:rPr lang="en-US" sz="2400" dirty="0">
+                <a:solidFill>
+                  <a:schemeClr val="tx1"/>
+                </a:solidFill>
+              </a:rPr>
+              <a:t>Parsing</a:t>
+            </a:r>
+          </a:p>
+          <a:p>
+            <a:r>
+              <a:rPr lang="en-US" sz="2400" dirty="0">
+                <a:solidFill>
+                  <a:schemeClr val="tx1"/>
+                </a:solidFill>
+              </a:rPr>
+              <a:t>Processing</a:t>
+            </a:r>
+          </a:p>
+          <a:p>
+            <a:r>
+              <a:rPr lang="en-US" sz="2400" dirty="0">
+                <a:solidFill>
+                  <a:schemeClr val="tx1"/>
+                </a:solidFill>
+              </a:rPr>
+              <a:t>Integration</a:t>
+            </a:r>
+          </a:p>
+          <a:p>
+            <a:r>
+              <a:rPr lang="en-US" sz="2400" dirty="0">
+                <a:solidFill>
+                  <a:schemeClr val="tx1"/>
+                </a:solidFill>
+              </a:rPr>
+              <a:t>Automation</a:t>
+            </a:r>
+          </a:p>
+          <a:p>
+            <a:r>
+              <a:rPr lang="en-US" sz="2400" dirty="0">
+                <a:solidFill>
+                  <a:schemeClr val="tx1"/>
+                </a:solidFill>
+              </a:rPr>
+              <a:t>Error Handling</a:t>
+            </a:r>
+          </a:p>
+        </p:txBody>
+      </p:sp>
+    </p:spTree>
+    <p:extLst>
+      <p:ext uri="{BB962C8B-B14F-4D97-AF65-F5344CB8AC3E}">
+        <p14:creationId xmlns:p14="http://schemas.microsoft.com/office/powerpoint/2010/main" val="1095713568"/>
+      </p:ext>
+    </p:extLst>
+  </p:cSld>
+  <p:clrMapOvr>
+    <a:masterClrMapping/>
+  </p:clrMapOvr>
+</p:sld>
+</file>
+
+<file path=ppt/slides/slide5.xml><?xml version="1.0" encoding="utf-8"?>
+<p:sld xmlns:a="http://schemas.openxmlformats.org/drawingml/2006/main" xmlns:r="http://schemas.openxmlformats.org/officeDocument/2006/relationships" xmlns:p="http://schemas.openxmlformats.org/presentationml/2006/main">
+  <p:cSld>
+    <p:spTree>
+      <p:nvGrpSpPr>
+        <p:cNvPr id="1" name=""/>
+        <p:cNvGrpSpPr/>
+        <p:nvPr/>
+      </p:nvGrpSpPr>
+      <p:grpSpPr>
+        <a:xfrm>
+          <a:off x="0" y="0"/>
+          <a:ext cx="0" cy="0"/>
+          <a:chOff x="0" y="0"/>
+          <a:chExt cx="0" cy="0"/>
+        </a:xfrm>
+      </p:grpSpPr>
+      <p:sp>
+        <p:nvSpPr>
+          <p:cNvPr id="2" name="Title 1">
+            <a:extLst>
+              <a:ext uri="{FF2B5EF4-FFF2-40B4-BE49-F238E27FC236}">
+                <a16:creationId xmlns:a16="http://schemas.microsoft.com/office/drawing/2014/main" id="{D3A18D81-713F-C4E8-1A4E-F0707B1E247C}"/>
+              </a:ext>
+            </a:extLst>
+          </p:cNvPr>
+          <p:cNvSpPr>
+            <a:spLocks noGrp="1"/>
+          </p:cNvSpPr>
+          <p:nvPr>
+            <p:ph type="title"/>
+          </p:nvPr>
+        </p:nvSpPr>
+        <p:spPr/>
+        <p:txBody>
+          <a:bodyPr>
+            <a:normAutofit/>
+          </a:bodyPr>
+          <a:lstStyle/>
+          <a:p>
+            <a:r>
+              <a:rPr lang="en-US" sz="4000" dirty="0">
+                <a:solidFill>
+                  <a:schemeClr val="bg1"/>
+                </a:solidFill>
+              </a:rPr>
+              <a:t>Looking Toward the future</a:t>
+            </a:r>
+          </a:p>
+        </p:txBody>
+      </p:sp>
+      <p:sp>
+        <p:nvSpPr>
+          <p:cNvPr id="3" name="Content Placeholder 2">
+            <a:extLst>
+              <a:ext uri="{FF2B5EF4-FFF2-40B4-BE49-F238E27FC236}">
+                <a16:creationId xmlns:a16="http://schemas.microsoft.com/office/drawing/2014/main" id="{E1D25DDD-5754-9690-D7F1-707FED2FAE84}"/>
+              </a:ext>
+            </a:extLst>
+          </p:cNvPr>
+          <p:cNvSpPr>
+            <a:spLocks noGrp="1"/>
+          </p:cNvSpPr>
+          <p:nvPr>
+            <p:ph idx="1"/>
+          </p:nvPr>
+        </p:nvSpPr>
+        <p:spPr/>
+        <p:txBody>
+          <a:bodyPr>
+            <a:normAutofit/>
+          </a:bodyPr>
+          <a:lstStyle/>
+          <a:p>
+            <a:r>
+              <a:rPr lang="en-US" sz="2800" dirty="0">
+                <a:solidFill>
+                  <a:schemeClr val="tx1"/>
+                </a:solidFill>
+              </a:rPr>
+              <a:t>Additional Features</a:t>
+            </a:r>
+          </a:p>
+          <a:p>
+            <a:r>
+              <a:rPr lang="en-US" sz="2800" dirty="0">
+                <a:solidFill>
+                  <a:schemeClr val="tx1"/>
+                </a:solidFill>
+              </a:rPr>
+              <a:t>Customization</a:t>
+            </a:r>
+          </a:p>
+          <a:p>
+            <a:r>
+              <a:rPr lang="en-US" sz="2800" dirty="0">
+                <a:solidFill>
+                  <a:schemeClr val="tx1"/>
+                </a:solidFill>
+              </a:rPr>
+              <a:t>Real Time Analytics</a:t>
+            </a:r>
+          </a:p>
+          <a:p>
+            <a:r>
+              <a:rPr lang="en-US" sz="2800" dirty="0">
+                <a:solidFill>
+                  <a:schemeClr val="tx1"/>
+                </a:solidFill>
+              </a:rPr>
+              <a:t>Scalability</a:t>
+            </a:r>
+          </a:p>
+          <a:p>
+            <a:r>
+              <a:rPr lang="en-US" sz="2800" dirty="0">
+                <a:solidFill>
+                  <a:schemeClr val="tx1"/>
+                </a:solidFill>
+              </a:rPr>
+              <a:t>Public Release</a:t>
+            </a:r>
+          </a:p>
+        </p:txBody>
+      </p:sp>
+    </p:spTree>
+    <p:extLst>
+      <p:ext uri="{BB962C8B-B14F-4D97-AF65-F5344CB8AC3E}">
+        <p14:creationId xmlns:p14="http://schemas.microsoft.com/office/powerpoint/2010/main" val="1530604066"/>
+      </p:ext>
+    </p:extLst>
+  </p:cSld>
+  <p:clrMapOvr>
+    <a:masterClrMapping/>
+  </p:clrMapOvr>
+</p:sld>
+</file>
+
+<file path=ppt/slides/slide6.xml><?xml version="1.0" encoding="utf-8"?>
+<p:sld xmlns:a="http://schemas.openxmlformats.org/drawingml/2006/main" xmlns:r="http://schemas.openxmlformats.org/officeDocument/2006/relationships" xmlns:p="http://schemas.openxmlformats.org/presentationml/2006/main">
+  <p:cSld>
+    <p:spTree>
+      <p:nvGrpSpPr>
+        <p:cNvPr id="1" name=""/>
+        <p:cNvGrpSpPr/>
+        <p:nvPr/>
+      </p:nvGrpSpPr>
+      <p:grpSpPr>
+        <a:xfrm>
+          <a:off x="0" y="0"/>
+          <a:ext cx="0" cy="0"/>
+          <a:chOff x="0" y="0"/>
+          <a:chExt cx="0" cy="0"/>
+        </a:xfrm>
+      </p:grpSpPr>
+      <p:sp>
+        <p:nvSpPr>
+          <p:cNvPr id="2" name="Title 1">
+            <a:extLst>
+              <a:ext uri="{FF2B5EF4-FFF2-40B4-BE49-F238E27FC236}">
+                <a16:creationId xmlns:a16="http://schemas.microsoft.com/office/drawing/2014/main" id="{6A5D6BC1-00C5-7CFA-9C9F-82DBEE682C26}"/>
+              </a:ext>
+            </a:extLst>
+          </p:cNvPr>
+          <p:cNvSpPr>
+            <a:spLocks noGrp="1"/>
+          </p:cNvSpPr>
+          <p:nvPr>
+            <p:ph type="title"/>
+          </p:nvPr>
+        </p:nvSpPr>
+        <p:spPr/>
+        <p:txBody>
+          <a:bodyPr>
+            <a:normAutofit/>
+          </a:bodyPr>
+          <a:lstStyle/>
+          <a:p>
+            <a:r>
+              <a:rPr lang="en-US" sz="4400" dirty="0"/>
+              <a:t>What I learned</a:t>
+            </a:r>
+          </a:p>
+        </p:txBody>
+      </p:sp>
+      <p:sp>
+        <p:nvSpPr>
+          <p:cNvPr id="3" name="Content Placeholder 2">
+            <a:extLst>
+              <a:ext uri="{FF2B5EF4-FFF2-40B4-BE49-F238E27FC236}">
+                <a16:creationId xmlns:a16="http://schemas.microsoft.com/office/drawing/2014/main" id="{BFC3C03E-1710-19C5-5F9A-6F535926BB7B}"/>
+              </a:ext>
+            </a:extLst>
+          </p:cNvPr>
+          <p:cNvSpPr>
+            <a:spLocks noGrp="1"/>
+          </p:cNvSpPr>
+          <p:nvPr>
+            <p:ph idx="1"/>
+          </p:nvPr>
+        </p:nvSpPr>
+        <p:spPr/>
+        <p:txBody>
+          <a:bodyPr>
+            <a:normAutofit/>
+          </a:bodyPr>
+          <a:lstStyle/>
+          <a:p>
+            <a:r>
+              <a:rPr lang="en-US" sz="2800" dirty="0">
+                <a:solidFill>
+                  <a:schemeClr val="bg1"/>
+                </a:solidFill>
+              </a:rPr>
+              <a:t>Google Cloud Console efficiency</a:t>
+            </a:r>
+          </a:p>
+          <a:p>
+            <a:r>
+              <a:rPr lang="en-US" sz="2800" dirty="0">
+                <a:solidFill>
+                  <a:schemeClr val="bg1"/>
+                </a:solidFill>
+              </a:rPr>
+              <a:t>Deeper understanding of APIs</a:t>
+            </a:r>
+          </a:p>
+          <a:p>
+            <a:r>
+              <a:rPr lang="en-US" sz="2800" dirty="0">
+                <a:solidFill>
+                  <a:schemeClr val="bg1"/>
+                </a:solidFill>
+              </a:rPr>
+              <a:t>Use of Oauth2</a:t>
+            </a:r>
+          </a:p>
+          <a:p>
+            <a:r>
+              <a:rPr lang="en-US" sz="2800" dirty="0">
+                <a:solidFill>
+                  <a:schemeClr val="bg1"/>
+                </a:solidFill>
+              </a:rPr>
+              <a:t>Use of Scopes </a:t>
+            </a:r>
+          </a:p>
+          <a:p>
+            <a:r>
+              <a:rPr lang="en-US" sz="2800" dirty="0">
+                <a:solidFill>
+                  <a:schemeClr val="bg1"/>
+                </a:solidFill>
+              </a:rPr>
+              <a:t>Use of keys and secrets</a:t>
+            </a:r>
+          </a:p>
+          <a:p>
+            <a:r>
+              <a:rPr lang="en-US" sz="2800" dirty="0">
+                <a:solidFill>
+                  <a:schemeClr val="bg1"/>
+                </a:solidFill>
+              </a:rPr>
+              <a:t>Publishing an App on Google</a:t>
+            </a:r>
+          </a:p>
+        </p:txBody>
+      </p:sp>
+    </p:spTree>
+    <p:extLst>
+      <p:ext uri="{BB962C8B-B14F-4D97-AF65-F5344CB8AC3E}">
+        <p14:creationId xmlns:p14="http://schemas.microsoft.com/office/powerpoint/2010/main" val="3181701884"/>
+      </p:ext>
+    </p:extLst>
+  </p:cSld>
+  <p:clrMapOvr>
+    <a:masterClrMapping/>
+  </p:clrMapOvr>
+</p:sld>
+</file>
+
+<file path=ppt/slides/slide7.xml><?xml version="1.0" encoding="utf-8"?>
+<p:sld xmlns:a="http://schemas.openxmlformats.org/drawingml/2006/main" xmlns:r="http://schemas.openxmlformats.org/officeDocument/2006/relationships" xmlns:p="http://schemas.openxmlformats.org/presentationml/2006/main">
+  <p:cSld>
+    <p:bg>
+      <p:bgPr>
+        <a:solidFill>
+          <a:schemeClr val="accent2"/>
+        </a:solidFill>
+        <a:effectLst/>
+      </p:bgPr>
+    </p:bg>
+    <p:spTree>
+      <p:nvGrpSpPr>
+        <p:cNvPr id="1" name=""/>
+        <p:cNvGrpSpPr/>
+        <p:nvPr/>
+      </p:nvGrpSpPr>
+      <p:grpSpPr>
+        <a:xfrm>
+          <a:off x="0" y="0"/>
+          <a:ext cx="0" cy="0"/>
+          <a:chOff x="0" y="0"/>
+          <a:chExt cx="0" cy="0"/>
+        </a:xfrm>
+      </p:grpSpPr>
+      <p:sp>
+        <p:nvSpPr>
+          <p:cNvPr id="2" name="Title 1">
+            <a:extLst>
+              <a:ext uri="{FF2B5EF4-FFF2-40B4-BE49-F238E27FC236}">
+                <a16:creationId xmlns:a16="http://schemas.microsoft.com/office/drawing/2014/main" id="{63B9595D-8855-5715-67FB-60F884771896}"/>
+              </a:ext>
+            </a:extLst>
+          </p:cNvPr>
+          <p:cNvSpPr>
+            <a:spLocks noGrp="1"/>
+          </p:cNvSpPr>
+          <p:nvPr>
+            <p:ph type="title"/>
+          </p:nvPr>
+        </p:nvSpPr>
+        <p:spPr>
+          <a:xfrm>
+            <a:off x="510040" y="328989"/>
+            <a:ext cx="8534400" cy="1507067"/>
+          </a:xfrm>
+        </p:spPr>
+        <p:txBody>
+          <a:bodyPr/>
+          <a:lstStyle/>
+          <a:p>
+            <a:r>
+              <a:rPr lang="en-US" dirty="0"/>
+              <a:t>Resources</a:t>
+            </a:r>
+          </a:p>
+        </p:txBody>
+      </p:sp>
+      <p:sp>
+        <p:nvSpPr>
+          <p:cNvPr id="3" name="Content Placeholder 2">
+            <a:extLst>
+              <a:ext uri="{FF2B5EF4-FFF2-40B4-BE49-F238E27FC236}">
+                <a16:creationId xmlns:a16="http://schemas.microsoft.com/office/drawing/2014/main" id="{3A66FCBC-95D5-63CF-D51D-7E58A54734EB}"/>
+              </a:ext>
+            </a:extLst>
+          </p:cNvPr>
+          <p:cNvSpPr>
+            <a:spLocks noGrp="1"/>
+          </p:cNvSpPr>
+          <p:nvPr>
+            <p:ph idx="1"/>
+          </p:nvPr>
+        </p:nvSpPr>
+        <p:spPr>
+          <a:xfrm>
+            <a:off x="510040" y="2315027"/>
+            <a:ext cx="11681960" cy="3615267"/>
+          </a:xfrm>
+        </p:spPr>
+        <p:txBody>
+          <a:bodyPr>
+            <a:normAutofit/>
+          </a:bodyPr>
+          <a:lstStyle/>
+          <a:p>
+            <a:pPr marL="0" indent="0">
+              <a:buNone/>
+            </a:pPr>
+            <a:r>
+              <a:rPr lang="en-US" sz="2400" dirty="0">
+                <a:solidFill>
+                  <a:schemeClr val="bg1"/>
+                </a:solidFill>
+              </a:rPr>
+              <a:t>Google Scripts Documentation: </a:t>
+            </a:r>
+            <a:r>
+              <a:rPr lang="en-US" sz="2400" dirty="0">
+                <a:solidFill>
+                  <a:schemeClr val="bg1"/>
+                </a:solidFill>
+                <a:hlinkClick r:id="rId2"/>
+              </a:rPr>
+              <a:t>https://developers.google.com/apps-script</a:t>
+            </a:r>
+            <a:endParaRPr lang="en-US" sz="2400" dirty="0">
+              <a:solidFill>
+                <a:schemeClr val="bg1"/>
+              </a:solidFill>
+            </a:endParaRPr>
+          </a:p>
+          <a:p>
+            <a:pPr marL="0" indent="0">
+              <a:buNone/>
+            </a:pPr>
+            <a:r>
+              <a:rPr lang="en-US" sz="2400" dirty="0">
+                <a:solidFill>
+                  <a:schemeClr val="bg1"/>
+                </a:solidFill>
+              </a:rPr>
+              <a:t>Stack Overflow: </a:t>
+            </a:r>
+            <a:r>
+              <a:rPr lang="en-US" sz="2400" dirty="0">
+                <a:solidFill>
+                  <a:schemeClr val="bg1"/>
+                </a:solidFill>
+                <a:hlinkClick r:id="rId3"/>
+              </a:rPr>
+              <a:t>https://stackoverflow.com/</a:t>
+            </a:r>
+            <a:endParaRPr lang="en-US" sz="2400" dirty="0">
+              <a:solidFill>
+                <a:schemeClr val="bg1"/>
+              </a:solidFill>
+            </a:endParaRPr>
+          </a:p>
+          <a:p>
+            <a:pPr marL="0" indent="0">
+              <a:buNone/>
+            </a:pPr>
+            <a:r>
+              <a:rPr lang="en-US" sz="2400" dirty="0">
+                <a:solidFill>
+                  <a:schemeClr val="bg1"/>
+                </a:solidFill>
+              </a:rPr>
+              <a:t>Gmail API Documentation: </a:t>
+            </a:r>
+            <a:r>
+              <a:rPr lang="en-US" sz="2400" dirty="0">
+                <a:solidFill>
+                  <a:schemeClr val="bg1"/>
+                </a:solidFill>
+                <a:hlinkClick r:id="rId4"/>
+              </a:rPr>
+              <a:t>https://developers.google.com/gmail/api/guides</a:t>
+            </a:r>
+            <a:endParaRPr lang="en-US" sz="2400" dirty="0">
+              <a:solidFill>
+                <a:schemeClr val="bg1"/>
+              </a:solidFill>
+            </a:endParaRPr>
+          </a:p>
+          <a:p>
+            <a:pPr marL="0" indent="0">
+              <a:buNone/>
+            </a:pPr>
+            <a:r>
+              <a:rPr lang="en-US" sz="2400" dirty="0">
+                <a:solidFill>
+                  <a:schemeClr val="bg1"/>
+                </a:solidFill>
+              </a:rPr>
+              <a:t>Google Sheets Docs: </a:t>
+            </a:r>
+            <a:r>
+              <a:rPr lang="en-US" sz="2400" dirty="0">
+                <a:solidFill>
+                  <a:schemeClr val="bg1"/>
+                </a:solidFill>
+                <a:hlinkClick r:id="rId5"/>
+              </a:rPr>
+              <a:t>https://developers.google.com/sheets/api/guides/concepts</a:t>
+            </a:r>
+            <a:endParaRPr lang="en-US" sz="2400" dirty="0">
+              <a:solidFill>
+                <a:schemeClr val="bg1"/>
+              </a:solidFill>
+            </a:endParaRPr>
+          </a:p>
+          <a:p>
+            <a:pPr marL="0" indent="0">
+              <a:buNone/>
+            </a:pPr>
+            <a:r>
+              <a:rPr lang="en-US" sz="2400" dirty="0">
+                <a:solidFill>
+                  <a:schemeClr val="bg1"/>
+                </a:solidFill>
+              </a:rPr>
+              <a:t>Google Workspace Docs: </a:t>
+            </a:r>
+            <a:r>
+              <a:rPr lang="en-US" sz="2400" dirty="0">
+                <a:solidFill>
+                  <a:schemeClr val="bg1"/>
+                </a:solidFill>
+                <a:hlinkClick r:id="rId6"/>
+              </a:rPr>
+              <a:t>https://developers.google.com/workspace</a:t>
+            </a:r>
+            <a:endParaRPr lang="en-US" sz="2400" dirty="0">
+              <a:solidFill>
+                <a:schemeClr val="bg1"/>
+              </a:solidFill>
+            </a:endParaRPr>
+          </a:p>
+          <a:p>
+            <a:pPr marL="0" indent="0">
+              <a:buNone/>
+            </a:pPr>
+            <a:endParaRPr lang="en-US" sz="2400" dirty="0">
+              <a:solidFill>
+                <a:schemeClr val="bg1"/>
+              </a:solidFill>
+            </a:endParaRPr>
+          </a:p>
+          <a:p>
+            <a:pPr marL="0" indent="0">
+              <a:buNone/>
+            </a:pPr>
+            <a:endParaRPr lang="en-US" sz="2400" dirty="0">
+              <a:solidFill>
+                <a:schemeClr val="bg1"/>
+              </a:solidFill>
+            </a:endParaRPr>
+          </a:p>
+          <a:p>
+            <a:pPr marL="0" indent="0">
+              <a:buNone/>
+            </a:pPr>
+            <a:endParaRPr lang="en-US" sz="2400" dirty="0">
+              <a:solidFill>
+                <a:schemeClr val="bg1"/>
+              </a:solidFill>
+            </a:endParaRPr>
+          </a:p>
+        </p:txBody>
+      </p:sp>
+    </p:spTree>
+    <p:extLst>
+      <p:ext uri="{BB962C8B-B14F-4D97-AF65-F5344CB8AC3E}">
+        <p14:creationId xmlns:p14="http://schemas.microsoft.com/office/powerpoint/2010/main" val="4148339154"/>
       </p:ext>
     </p:extLst>
   </p:cSld>
@@ -3395,9 +7370,9 @@
 </file>
 
 <file path=ppt/theme/theme1.xml><?xml version="1.0" encoding="utf-8"?>
-<a:theme xmlns:a="http://schemas.openxmlformats.org/drawingml/2006/main" name="Office Theme">
+<a:theme xmlns:a="http://schemas.openxmlformats.org/drawingml/2006/main" name="Slice">
   <a:themeElements>
-    <a:clrScheme name="Office">
+    <a:clrScheme name="Slice">
       <a:dk1>
         <a:sysClr val="windowText" lastClr="000000"/>
       </a:dk1>
@@ -3405,100 +7380,48 @@
         <a:sysClr val="window" lastClr="FFFFFF"/>
       </a:lt1>
       <a:dk2>
-        <a:srgbClr val="0E2841"/>
+        <a:srgbClr val="146194"/>
       </a:dk2>
       <a:lt2>
-        <a:srgbClr val="E8E8E8"/>
+        <a:srgbClr val="76DBF4"/>
       </a:lt2>
       <a:accent1>
-        <a:srgbClr val="156082"/>
+        <a:srgbClr val="052F61"/>
       </a:accent1>
       <a:accent2>
-        <a:srgbClr val="E97132"/>
+        <a:srgbClr val="A50E82"/>
       </a:accent2>
       <a:accent3>
-        <a:srgbClr val="196B24"/>
+        <a:srgbClr val="14967C"/>
       </a:accent3>
       <a:accent4>
-        <a:srgbClr val="0F9ED5"/>
+        <a:srgbClr val="6A9E1F"/>
       </a:accent4>
       <a:accent5>
-        <a:srgbClr val="A02B93"/>
+        <a:srgbClr val="E87D37"/>
       </a:accent5>
       <a:accent6>
-        <a:srgbClr val="4EA72E"/>
+        <a:srgbClr val="C62324"/>
       </a:accent6>
       <a:hlink>
-        <a:srgbClr val="467886"/>
+        <a:srgbClr val="0D2E46"/>
       </a:hlink>
       <a:folHlink>
-        <a:srgbClr val="96607D"/>
+        <a:srgbClr val="356A95"/>
       </a:folHlink>
     </a:clrScheme>
-    <a:fontScheme name="Office">
+    <a:fontScheme name="Slice">
       <a:majorFont>
-        <a:latin typeface="Aptos Display" panose="02110004020202020204"/>
+        <a:latin typeface="Century Gothic" panose="020B0502020202020204"/>
         <a:ea typeface=""/>
         <a:cs typeface=""/>
-        <a:font script="Jpan" typeface="游ゴシック Light"/>
-        <a:font script="Hang" typeface="맑은 고딕"/>
-        <a:font script="Hans" typeface="等线 Light"/>
-        <a:font script="Hant" typeface="新細明體"/>
-        <a:font script="Arab" typeface="Times New Roman"/>
-        <a:font script="Hebr" typeface="Times New Roman"/>
-        <a:font script="Thai" typeface="Angsana New"/>
-        <a:font script="Ethi" typeface="Nyala"/>
-        <a:font script="Beng" typeface="Vrinda"/>
-        <a:font script="Gujr" typeface="Shruti"/>
-        <a:font script="Khmr" typeface="MoolBoran"/>
-        <a:font script="Knda" typeface="Tunga"/>
-        <a:font script="Guru" typeface="Raavi"/>
-        <a:font script="Cans" typeface="Euphemia"/>
-        <a:font script="Cher" typeface="Plantagenet Cherokee"/>
-        <a:font script="Yiii" typeface="Microsoft Yi Baiti"/>
-        <a:font script="Tibt" typeface="Microsoft Himalaya"/>
-        <a:font script="Thaa" typeface="MV Boli"/>
-        <a:font script="Deva" typeface="Mangal"/>
-        <a:font script="Telu" typeface="Gautami"/>
-        <a:font script="Taml" typeface="Latha"/>
-        <a:font script="Syrc" typeface="Estrangelo Edessa"/>
-        <a:font script="Orya" typeface="Kalinga"/>
-        <a:font script="Mlym" typeface="Kartika"/>
-        <a:font script="Laoo" typeface="DokChampa"/>
-        <a:font script="Sinh" typeface="Iskoola Pota"/>
-        <a:font script="Mong" typeface="Mongolian Baiti"/>
-        <a:font script="Viet" typeface="Times New Roman"/>
-        <a:font script="Uigh" typeface="Microsoft Uighur"/>
-        <a:font script="Geor" typeface="Sylfaen"/>
-        <a:font script="Armn" typeface="Arial"/>
-        <a:font script="Bugi" typeface="Leelawadee UI"/>
-        <a:font script="Bopo" typeface="Microsoft JhengHei"/>
-        <a:font script="Java" typeface="Javanese Text"/>
-        <a:font script="Lisu" typeface="Segoe UI"/>
-        <a:font script="Mymr" typeface="Myanmar Text"/>
-        <a:font script="Nkoo" typeface="Ebrima"/>
-        <a:font script="Olck" typeface="Nirmala UI"/>
-        <a:font script="Osma" typeface="Ebrima"/>
-        <a:font script="Phag" typeface="Phagspa"/>
-        <a:font script="Syrn" typeface="Estrangelo Edessa"/>
-        <a:font script="Syrj" typeface="Estrangelo Edessa"/>
-        <a:font script="Syre" typeface="Estrangelo Edessa"/>
-        <a:font script="Sora" typeface="Nirmala UI"/>
-        <a:font script="Tale" typeface="Microsoft Tai Le"/>
-        <a:font script="Talu" typeface="Microsoft New Tai Lue"/>
-        <a:font script="Tfng" typeface="Ebrima"/>
-      </a:majorFont>
-      <a:minorFont>
-        <a:latin typeface="Aptos" panose="02110004020202020204"/>
-        <a:ea typeface=""/>
-        <a:cs typeface=""/>
-        <a:font script="Jpan" typeface="游ゴシック"/>
-        <a:font script="Hang" typeface="맑은 고딕"/>
-        <a:font script="Hans" typeface="等线"/>
-        <a:font script="Hant" typeface="新細明體"/>
-        <a:font script="Arab" typeface="Arial"/>
-        <a:font script="Hebr" typeface="Arial"/>
-        <a:font script="Thai" typeface="Cordia New"/>
+        <a:font script="Jpan" typeface="メイリオ"/>
+        <a:font script="Hang" typeface="HY중고딕"/>
+        <a:font script="Hans" typeface="幼圆"/>
+        <a:font script="Hant" typeface="微軟正黑體"/>
+        <a:font script="Arab" typeface="Tahoma"/>
+        <a:font script="Hebr" typeface="Gisha"/>
+        <a:font script="Thai" typeface="DilleniaUPC"/>
         <a:font script="Ethi" typeface="Nyala"/>
         <a:font script="Beng" typeface="Vrinda"/>
         <a:font script="Gujr" typeface="Shruti"/>
@@ -3519,29 +7442,47 @@
         <a:font script="Laoo" typeface="DokChampa"/>
         <a:font script="Sinh" typeface="Iskoola Pota"/>
         <a:font script="Mong" typeface="Mongolian Baiti"/>
-        <a:font script="Viet" typeface="Arial"/>
+        <a:font script="Viet" typeface="Tahoma"/>
         <a:font script="Uigh" typeface="Microsoft Uighur"/>
         <a:font script="Geor" typeface="Sylfaen"/>
-        <a:font script="Armn" typeface="Arial"/>
-        <a:font script="Bugi" typeface="Leelawadee UI"/>
-        <a:font script="Bopo" typeface="Microsoft JhengHei"/>
-        <a:font script="Java" typeface="Javanese Text"/>
-        <a:font script="Lisu" typeface="Segoe UI"/>
-        <a:font script="Mymr" typeface="Myanmar Text"/>
-        <a:font script="Nkoo" typeface="Ebrima"/>
-        <a:font script="Olck" typeface="Nirmala UI"/>
-        <a:font script="Osma" typeface="Ebrima"/>
-        <a:font script="Phag" typeface="Phagspa"/>
-        <a:font script="Syrn" typeface="Estrangelo Edessa"/>
-        <a:font script="Syrj" typeface="Estrangelo Edessa"/>
-        <a:font script="Syre" typeface="Estrangelo Edessa"/>
-        <a:font script="Sora" typeface="Nirmala UI"/>
-        <a:font script="Tale" typeface="Microsoft Tai Le"/>
-        <a:font script="Talu" typeface="Microsoft New Tai Lue"/>
-        <a:font script="Tfng" typeface="Ebrima"/>
+      </a:majorFont>
+      <a:minorFont>
+        <a:latin typeface="Century Gothic" panose="020B0502020202020204"/>
+        <a:ea typeface=""/>
+        <a:cs typeface=""/>
+        <a:font script="Jpan" typeface="メイリオ"/>
+        <a:font script="Hang" typeface="HY중고딕"/>
+        <a:font script="Hans" typeface="幼圆"/>
+        <a:font script="Hant" typeface="微軟正黑體"/>
+        <a:font script="Arab" typeface="Tahoma"/>
+        <a:font script="Hebr" typeface="Gisha"/>
+        <a:font script="Thai" typeface="DilleniaUPC"/>
+        <a:font script="Ethi" typeface="Nyala"/>
+        <a:font script="Beng" typeface="Vrinda"/>
+        <a:font script="Gujr" typeface="Shruti"/>
+        <a:font script="Khmr" typeface="DaunPenh"/>
+        <a:font script="Knda" typeface="Tunga"/>
+        <a:font script="Guru" typeface="Raavi"/>
+        <a:font script="Cans" typeface="Euphemia"/>
+        <a:font script="Cher" typeface="Plantagenet Cherokee"/>
+        <a:font script="Yiii" typeface="Microsoft Yi Baiti"/>
+        <a:font script="Tibt" typeface="Microsoft Himalaya"/>
+        <a:font script="Thaa" typeface="MV Boli"/>
+        <a:font script="Deva" typeface="Mangal"/>
+        <a:font script="Telu" typeface="Gautami"/>
+        <a:font script="Taml" typeface="Latha"/>
+        <a:font script="Syrc" typeface="Estrangelo Edessa"/>
+        <a:font script="Orya" typeface="Kalinga"/>
+        <a:font script="Mlym" typeface="Kartika"/>
+        <a:font script="Laoo" typeface="DokChampa"/>
+        <a:font script="Sinh" typeface="Iskoola Pota"/>
+        <a:font script="Mong" typeface="Mongolian Baiti"/>
+        <a:font script="Viet" typeface="Tahoma"/>
+        <a:font script="Uigh" typeface="Microsoft Uighur"/>
+        <a:font script="Geor" typeface="Sylfaen"/>
       </a:minorFont>
     </a:fontScheme>
-    <a:fmtScheme name="Office">
+    <a:fmtScheme name="Slice">
       <a:fillStyleLst>
         <a:solidFill>
           <a:schemeClr val="phClr"/>
@@ -3550,23 +7491,16 @@
           <a:gsLst>
             <a:gs pos="0">
               <a:schemeClr val="phClr">
+                <a:tint val="62000"/>
+                <a:hueMod val="94000"/>
+                <a:satMod val="140000"/>
                 <a:lumMod val="110000"/>
-                <a:satMod val="105000"/>
-                <a:tint val="67000"/>
-              </a:schemeClr>
-            </a:gs>
-            <a:gs pos="50000">
-              <a:schemeClr val="phClr">
-                <a:lumMod val="105000"/>
-                <a:satMod val="103000"/>
-                <a:tint val="73000"/>
               </a:schemeClr>
             </a:gs>
             <a:gs pos="100000">
               <a:schemeClr val="phClr">
-                <a:lumMod val="105000"/>
-                <a:satMod val="109000"/>
-                <a:tint val="81000"/>
+                <a:tint val="84000"/>
+                <a:satMod val="160000"/>
               </a:schemeClr>
             </a:gs>
           </a:gsLst>
@@ -3576,23 +7510,16 @@
           <a:gsLst>
             <a:gs pos="0">
               <a:schemeClr val="phClr">
-                <a:satMod val="103000"/>
-                <a:lumMod val="102000"/>
-                <a:tint val="94000"/>
-              </a:schemeClr>
-            </a:gs>
-            <a:gs pos="50000">
-              <a:schemeClr val="phClr">
-                <a:satMod val="110000"/>
-                <a:lumMod val="100000"/>
-                <a:shade val="100000"/>
+                <a:tint val="98000"/>
+                <a:hueMod val="94000"/>
+                <a:satMod val="130000"/>
+                <a:lumMod val="128000"/>
               </a:schemeClr>
             </a:gs>
             <a:gs pos="100000">
               <a:schemeClr val="phClr">
-                <a:lumMod val="99000"/>
-                <a:satMod val="120000"/>
-                <a:shade val="78000"/>
+                <a:shade val="94000"/>
+                <a:lumMod val="88000"/>
               </a:schemeClr>
             </a:gs>
           </a:gsLst>
@@ -3600,26 +7527,29 @@
         </a:gradFill>
       </a:fillStyleLst>
       <a:lnStyleLst>
-        <a:ln w="12700" cap="flat" cmpd="sng" algn="ctr">
+        <a:ln w="9525" cap="rnd" cmpd="sng" algn="ctr">
+          <a:solidFill>
+            <a:schemeClr val="phClr">
+              <a:tint val="76000"/>
+              <a:alpha val="60000"/>
+              <a:hueMod val="94000"/>
+            </a:schemeClr>
+          </a:solidFill>
+          <a:prstDash val="solid"/>
+        </a:ln>
+        <a:ln w="15875" cap="rnd" cmpd="sng" algn="ctr">
+          <a:solidFill>
+            <a:schemeClr val="phClr">
+              <a:hueMod val="94000"/>
+            </a:schemeClr>
+          </a:solidFill>
+          <a:prstDash val="solid"/>
+        </a:ln>
+        <a:ln w="28575" cap="rnd" cmpd="sng" algn="ctr">
           <a:solidFill>
             <a:schemeClr val="phClr"/>
           </a:solidFill>
           <a:prstDash val="solid"/>
-          <a:miter lim="800000"/>
-        </a:ln>
-        <a:ln w="19050" cap="flat" cmpd="sng" algn="ctr">
-          <a:solidFill>
-            <a:schemeClr val="phClr"/>
-          </a:solidFill>
-          <a:prstDash val="solid"/>
-          <a:miter lim="800000"/>
-        </a:ln>
-        <a:ln w="25400" cap="flat" cmpd="sng" algn="ctr">
-          <a:solidFill>
-            <a:schemeClr val="phClr"/>
-          </a:solidFill>
-          <a:prstDash val="solid"/>
-          <a:miter lim="800000"/>
         </a:ln>
       </a:lnStyleLst>
       <a:effectStyleLst>
@@ -3627,83 +7557,87 @@
           <a:effectLst/>
         </a:effectStyle>
         <a:effectStyle>
-          <a:effectLst/>
+          <a:effectLst>
+            <a:innerShdw blurRad="25400" dist="12700" dir="13500000">
+              <a:srgbClr val="000000">
+                <a:alpha val="45000"/>
+              </a:srgbClr>
+            </a:innerShdw>
+          </a:effectLst>
         </a:effectStyle>
         <a:effectStyle>
           <a:effectLst>
-            <a:outerShdw blurRad="57150" dist="19050" dir="5400000" algn="ctr" rotWithShape="0">
+            <a:outerShdw blurRad="50800" dist="38100" dir="5400000" rotWithShape="0">
               <a:srgbClr val="000000">
-                <a:alpha val="63000"/>
+                <a:alpha val="46000"/>
               </a:srgbClr>
             </a:outerShdw>
           </a:effectLst>
+          <a:scene3d>
+            <a:camera prst="orthographicFront">
+              <a:rot lat="0" lon="0" rev="0"/>
+            </a:camera>
+            <a:lightRig rig="threePt" dir="t"/>
+          </a:scene3d>
+          <a:sp3d prstMaterial="plastic">
+            <a:bevelT w="25400" h="25400"/>
+          </a:sp3d>
         </a:effectStyle>
       </a:effectStyleLst>
       <a:bgFillStyleLst>
         <a:solidFill>
           <a:schemeClr val="phClr"/>
         </a:solidFill>
-        <a:solidFill>
-          <a:schemeClr val="phClr">
-            <a:tint val="95000"/>
-            <a:satMod val="170000"/>
-          </a:schemeClr>
-        </a:solidFill>
+        <a:gradFill rotWithShape="1">
+          <a:gsLst>
+            <a:gs pos="10000">
+              <a:schemeClr val="phClr">
+                <a:tint val="97000"/>
+                <a:hueMod val="92000"/>
+                <a:satMod val="169000"/>
+                <a:lumMod val="164000"/>
+              </a:schemeClr>
+            </a:gs>
+            <a:gs pos="100000">
+              <a:schemeClr val="phClr">
+                <a:shade val="96000"/>
+                <a:satMod val="120000"/>
+                <a:lumMod val="90000"/>
+              </a:schemeClr>
+            </a:gs>
+          </a:gsLst>
+          <a:lin ang="6120000" scaled="1"/>
+        </a:gradFill>
         <a:gradFill rotWithShape="1">
           <a:gsLst>
             <a:gs pos="0">
               <a:schemeClr val="phClr">
-                <a:tint val="93000"/>
-                <a:satMod val="150000"/>
-                <a:shade val="98000"/>
-                <a:lumMod val="102000"/>
-              </a:schemeClr>
-            </a:gs>
-            <a:gs pos="50000">
-              <a:schemeClr val="phClr">
-                <a:tint val="98000"/>
-                <a:satMod val="130000"/>
-                <a:shade val="90000"/>
-                <a:lumMod val="103000"/>
+                <a:tint val="97000"/>
+                <a:hueMod val="92000"/>
+                <a:satMod val="169000"/>
+                <a:lumMod val="164000"/>
               </a:schemeClr>
             </a:gs>
             <a:gs pos="100000">
               <a:schemeClr val="phClr">
-                <a:shade val="63000"/>
+                <a:shade val="96000"/>
                 <a:satMod val="120000"/>
+                <a:lumMod val="90000"/>
               </a:schemeClr>
             </a:gs>
           </a:gsLst>
-          <a:lin ang="5400000" scaled="0"/>
+          <a:path path="circle">
+            <a:fillToRect b="100000"/>
+          </a:path>
         </a:gradFill>
       </a:bgFillStyleLst>
     </a:fmtScheme>
   </a:themeElements>
-  <a:objectDefaults>
-    <a:lnDef>
-      <a:spPr/>
-      <a:bodyPr/>
-      <a:lstStyle/>
-      <a:style>
-        <a:lnRef idx="2">
-          <a:schemeClr val="accent1"/>
-        </a:lnRef>
-        <a:fillRef idx="0">
-          <a:schemeClr val="accent1"/>
-        </a:fillRef>
-        <a:effectRef idx="1">
-          <a:schemeClr val="accent1"/>
-        </a:effectRef>
-        <a:fontRef idx="minor">
-          <a:schemeClr val="tx1"/>
-        </a:fontRef>
-      </a:style>
-    </a:lnDef>
-  </a:objectDefaults>
+  <a:objectDefaults/>
   <a:extraClrSchemeLst/>
   <a:extLst>
     <a:ext uri="{05A4C25C-085E-4340-85A3-A5531E510DB2}">
-      <thm15:themeFamily xmlns:thm15="http://schemas.microsoft.com/office/thememl/2012/main" name="Office Theme" id="{2E142A2C-CD16-42D6-873A-C26D2A0506FA}" vid="{1BDDFF52-6CD6-40A5-AB3C-68EB2F1E4D0A}"/>
+      <thm15:themeFamily xmlns:thm15="http://schemas.microsoft.com/office/thememl/2012/main" name="Slice" id="{0507925B-6AC9-4358-8E18-C330545D08F8}" vid="{13FEC7C6-62A9-40C4-99D2-581AACACAA2F}"/>
     </a:ext>
   </a:extLst>
 </a:theme>

--- a/Presentation/Email and Roster Manager.pptx
+++ b/Presentation/Email and Roster Manager.pptx
@@ -131,7 +131,7 @@
   <pc:docChgLst>
     <pc:chgData name="Shelby Womack" userId="ad7a5156cd3203ca" providerId="LiveId" clId="{EC62061A-80C7-47AA-AD29-6CEE5135B2BE}"/>
     <pc:docChg chg="undo redo custSel addSld delSld modSld sldOrd modMainMaster">
-      <pc:chgData name="Shelby Womack" userId="ad7a5156cd3203ca" providerId="LiveId" clId="{EC62061A-80C7-47AA-AD29-6CEE5135B2BE}" dt="2024-04-24T17:57:48.606" v="2307" actId="1076"/>
+      <pc:chgData name="Shelby Womack" userId="ad7a5156cd3203ca" providerId="LiveId" clId="{EC62061A-80C7-47AA-AD29-6CEE5135B2BE}" dt="2024-04-24T20:19:05.746" v="2308" actId="20577"/>
       <pc:docMkLst>
         <pc:docMk/>
       </pc:docMkLst>
@@ -221,7 +221,7 @@
         </pc:spChg>
       </pc:sldChg>
       <pc:sldChg chg="modSp new mod setBg">
-        <pc:chgData name="Shelby Womack" userId="ad7a5156cd3203ca" providerId="LiveId" clId="{EC62061A-80C7-47AA-AD29-6CEE5135B2BE}" dt="2024-04-24T17:27:09.158" v="1778" actId="20577"/>
+        <pc:chgData name="Shelby Womack" userId="ad7a5156cd3203ca" providerId="LiveId" clId="{EC62061A-80C7-47AA-AD29-6CEE5135B2BE}" dt="2024-04-24T20:19:05.746" v="2308" actId="20577"/>
         <pc:sldMkLst>
           <pc:docMk/>
           <pc:sldMk cId="1095713568" sldId="259"/>
@@ -235,7 +235,7 @@
           </ac:spMkLst>
         </pc:spChg>
         <pc:spChg chg="mod">
-          <ac:chgData name="Shelby Womack" userId="ad7a5156cd3203ca" providerId="LiveId" clId="{EC62061A-80C7-47AA-AD29-6CEE5135B2BE}" dt="2024-04-24T17:27:09.158" v="1778" actId="20577"/>
+          <ac:chgData name="Shelby Womack" userId="ad7a5156cd3203ca" providerId="LiveId" clId="{EC62061A-80C7-47AA-AD29-6CEE5135B2BE}" dt="2024-04-24T20:19:05.746" v="2308" actId="20577"/>
           <ac:spMkLst>
             <pc:docMk/>
             <pc:sldMk cId="1095713568" sldId="259"/>
@@ -6739,13 +6739,18 @@
           </a:p>
           <a:p>
             <a:r>
-              <a:rPr lang="en-US" sz="2400" dirty="0">
+              <a:rPr lang="en-US" sz="2400">
                 <a:solidFill>
                   <a:schemeClr val="tx1"/>
                 </a:solidFill>
               </a:rPr>
-              <a:t>Authentication:</a:t>
-            </a:r>
+              <a:t>Authentication</a:t>
+            </a:r>
+            <a:endParaRPr lang="en-US" sz="2400" dirty="0">
+              <a:solidFill>
+                <a:schemeClr val="tx1"/>
+              </a:solidFill>
+            </a:endParaRPr>
           </a:p>
           <a:p>
             <a:r>

--- a/Presentation/Email and Roster Manager.pptx
+++ b/Presentation/Email and Roster Manager.pptx
@@ -121,7 +121,7 @@
 <file path=ppt/revisionInfo.xml><?xml version="1.0" encoding="utf-8"?>
 <p1510:revInfo xmlns:a="http://schemas.openxmlformats.org/drawingml/2006/main" xmlns:r="http://schemas.openxmlformats.org/officeDocument/2006/relationships" xmlns:p1510="http://schemas.microsoft.com/office/powerpoint/2015/10/main">
   <p1510:revLst>
-    <p1510:client id="{EC62061A-80C7-47AA-AD29-6CEE5135B2BE}" v="27" dt="2024-04-24T17:57:18.816"/>
+    <p1510:client id="{EC62061A-80C7-47AA-AD29-6CEE5135B2BE}" v="30" dt="2024-04-25T17:08:25.878"/>
   </p1510:revLst>
 </p1510:revInfo>
 </file>
@@ -131,7 +131,7 @@
   <pc:docChgLst>
     <pc:chgData name="Shelby Womack" userId="ad7a5156cd3203ca" providerId="LiveId" clId="{EC62061A-80C7-47AA-AD29-6CEE5135B2BE}"/>
     <pc:docChg chg="undo redo custSel addSld delSld modSld sldOrd modMainMaster">
-      <pc:chgData name="Shelby Womack" userId="ad7a5156cd3203ca" providerId="LiveId" clId="{EC62061A-80C7-47AA-AD29-6CEE5135B2BE}" dt="2024-04-24T20:19:05.746" v="2308" actId="20577"/>
+      <pc:chgData name="Shelby Womack" userId="ad7a5156cd3203ca" providerId="LiveId" clId="{EC62061A-80C7-47AA-AD29-6CEE5135B2BE}" dt="2024-04-25T17:08:42.621" v="2346" actId="27636"/>
       <pc:docMkLst>
         <pc:docMk/>
       </pc:docMkLst>
@@ -401,7 +401,7 @@
         </pc:spChg>
       </pc:sldChg>
       <pc:sldChg chg="modSp new mod setBg">
-        <pc:chgData name="Shelby Womack" userId="ad7a5156cd3203ca" providerId="LiveId" clId="{EC62061A-80C7-47AA-AD29-6CEE5135B2BE}" dt="2024-04-24T17:57:48.606" v="2307" actId="1076"/>
+        <pc:chgData name="Shelby Womack" userId="ad7a5156cd3203ca" providerId="LiveId" clId="{EC62061A-80C7-47AA-AD29-6CEE5135B2BE}" dt="2024-04-25T17:08:42.621" v="2346" actId="27636"/>
         <pc:sldMkLst>
           <pc:docMk/>
           <pc:sldMk cId="4148339154" sldId="263"/>
@@ -415,7 +415,7 @@
           </ac:spMkLst>
         </pc:spChg>
         <pc:spChg chg="mod">
-          <ac:chgData name="Shelby Womack" userId="ad7a5156cd3203ca" providerId="LiveId" clId="{EC62061A-80C7-47AA-AD29-6CEE5135B2BE}" dt="2024-04-24T17:57:48.606" v="2307" actId="1076"/>
+          <ac:chgData name="Shelby Womack" userId="ad7a5156cd3203ca" providerId="LiveId" clId="{EC62061A-80C7-47AA-AD29-6CEE5135B2BE}" dt="2024-04-25T17:08:42.621" v="2346" actId="27636"/>
           <ac:spMkLst>
             <pc:docMk/>
             <pc:sldMk cId="4148339154" sldId="263"/>
@@ -626,7 +626,7 @@
           <a:p>
             <a:fld id="{732EEB44-E32F-4EDD-9550-1B249E681FA6}" type="datetimeFigureOut">
               <a:rPr lang="en-US" smtClean="0"/>
-              <a:t>4/24/2024</a:t>
+              <a:t>4/25/2024</a:t>
             </a:fld>
             <a:endParaRPr lang="en-US"/>
           </a:p>
@@ -1062,7 +1062,7 @@
           <a:p>
             <a:fld id="{732EEB44-E32F-4EDD-9550-1B249E681FA6}" type="datetimeFigureOut">
               <a:rPr lang="en-US" smtClean="0"/>
-              <a:t>4/24/2024</a:t>
+              <a:t>4/25/2024</a:t>
             </a:fld>
             <a:endParaRPr lang="en-US"/>
           </a:p>
@@ -1312,7 +1312,7 @@
           <a:p>
             <a:fld id="{732EEB44-E32F-4EDD-9550-1B249E681FA6}" type="datetimeFigureOut">
               <a:rPr lang="en-US" smtClean="0"/>
-              <a:t>4/24/2024</a:t>
+              <a:t>4/25/2024</a:t>
             </a:fld>
             <a:endParaRPr lang="en-US"/>
           </a:p>
@@ -1620,7 +1620,7 @@
           <a:p>
             <a:fld id="{732EEB44-E32F-4EDD-9550-1B249E681FA6}" type="datetimeFigureOut">
               <a:rPr lang="en-US" smtClean="0"/>
-              <a:t>4/24/2024</a:t>
+              <a:t>4/25/2024</a:t>
             </a:fld>
             <a:endParaRPr lang="en-US"/>
           </a:p>
@@ -1938,7 +1938,7 @@
           <a:p>
             <a:fld id="{732EEB44-E32F-4EDD-9550-1B249E681FA6}" type="datetimeFigureOut">
               <a:rPr lang="en-US" smtClean="0"/>
-              <a:t>4/24/2024</a:t>
+              <a:t>4/25/2024</a:t>
             </a:fld>
             <a:endParaRPr lang="en-US"/>
           </a:p>
@@ -2240,7 +2240,7 @@
           <a:p>
             <a:fld id="{732EEB44-E32F-4EDD-9550-1B249E681FA6}" type="datetimeFigureOut">
               <a:rPr lang="en-US" smtClean="0"/>
-              <a:t>4/24/2024</a:t>
+              <a:t>4/25/2024</a:t>
             </a:fld>
             <a:endParaRPr lang="en-US"/>
           </a:p>
@@ -2607,7 +2607,7 @@
           <a:p>
             <a:fld id="{732EEB44-E32F-4EDD-9550-1B249E681FA6}" type="datetimeFigureOut">
               <a:rPr lang="en-US" smtClean="0"/>
-              <a:t>4/24/2024</a:t>
+              <a:t>4/25/2024</a:t>
             </a:fld>
             <a:endParaRPr lang="en-US"/>
           </a:p>
@@ -2781,7 +2781,7 @@
           <a:p>
             <a:fld id="{732EEB44-E32F-4EDD-9550-1B249E681FA6}" type="datetimeFigureOut">
               <a:rPr lang="en-US" smtClean="0"/>
-              <a:t>4/24/2024</a:t>
+              <a:t>4/25/2024</a:t>
             </a:fld>
             <a:endParaRPr lang="en-US"/>
           </a:p>
@@ -2961,7 +2961,7 @@
           <a:p>
             <a:fld id="{732EEB44-E32F-4EDD-9550-1B249E681FA6}" type="datetimeFigureOut">
               <a:rPr lang="en-US" smtClean="0"/>
-              <a:t>4/24/2024</a:t>
+              <a:t>4/25/2024</a:t>
             </a:fld>
             <a:endParaRPr lang="en-US"/>
           </a:p>
@@ -3131,7 +3131,7 @@
           <a:p>
             <a:fld id="{732EEB44-E32F-4EDD-9550-1B249E681FA6}" type="datetimeFigureOut">
               <a:rPr lang="en-US" smtClean="0"/>
-              <a:t>4/24/2024</a:t>
+              <a:t>4/25/2024</a:t>
             </a:fld>
             <a:endParaRPr lang="en-US"/>
           </a:p>
@@ -3381,7 +3381,7 @@
           <a:p>
             <a:fld id="{732EEB44-E32F-4EDD-9550-1B249E681FA6}" type="datetimeFigureOut">
               <a:rPr lang="en-US" smtClean="0"/>
-              <a:t>4/24/2024</a:t>
+              <a:t>4/25/2024</a:t>
             </a:fld>
             <a:endParaRPr lang="en-US"/>
           </a:p>
@@ -3617,7 +3617,7 @@
           <a:p>
             <a:fld id="{732EEB44-E32F-4EDD-9550-1B249E681FA6}" type="datetimeFigureOut">
               <a:rPr lang="en-US" smtClean="0"/>
-              <a:t>4/24/2024</a:t>
+              <a:t>4/25/2024</a:t>
             </a:fld>
             <a:endParaRPr lang="en-US"/>
           </a:p>
@@ -3999,7 +3999,7 @@
           <a:p>
             <a:fld id="{732EEB44-E32F-4EDD-9550-1B249E681FA6}" type="datetimeFigureOut">
               <a:rPr lang="en-US" smtClean="0"/>
-              <a:t>4/24/2024</a:t>
+              <a:t>4/25/2024</a:t>
             </a:fld>
             <a:endParaRPr lang="en-US"/>
           </a:p>
@@ -4117,7 +4117,7 @@
           <a:p>
             <a:fld id="{732EEB44-E32F-4EDD-9550-1B249E681FA6}" type="datetimeFigureOut">
               <a:rPr lang="en-US" smtClean="0"/>
-              <a:t>4/24/2024</a:t>
+              <a:t>4/25/2024</a:t>
             </a:fld>
             <a:endParaRPr lang="en-US"/>
           </a:p>
@@ -4212,7 +4212,7 @@
           <a:p>
             <a:fld id="{732EEB44-E32F-4EDD-9550-1B249E681FA6}" type="datetimeFigureOut">
               <a:rPr lang="en-US" smtClean="0"/>
-              <a:t>4/24/2024</a:t>
+              <a:t>4/25/2024</a:t>
             </a:fld>
             <a:endParaRPr lang="en-US"/>
           </a:p>
@@ -4467,7 +4467,7 @@
           <a:p>
             <a:fld id="{732EEB44-E32F-4EDD-9550-1B249E681FA6}" type="datetimeFigureOut">
               <a:rPr lang="en-US" smtClean="0"/>
-              <a:t>4/24/2024</a:t>
+              <a:t>4/25/2024</a:t>
             </a:fld>
             <a:endParaRPr lang="en-US"/>
           </a:p>
@@ -4750,7 +4750,7 @@
           <a:p>
             <a:fld id="{732EEB44-E32F-4EDD-9550-1B249E681FA6}" type="datetimeFigureOut">
               <a:rPr lang="en-US" smtClean="0"/>
-              <a:t>4/24/2024</a:t>
+              <a:t>4/25/2024</a:t>
             </a:fld>
             <a:endParaRPr lang="en-US"/>
           </a:p>
@@ -5156,7 +5156,7 @@
           <a:p>
             <a:fld id="{732EEB44-E32F-4EDD-9550-1B249E681FA6}" type="datetimeFigureOut">
               <a:rPr lang="en-US" smtClean="0"/>
-              <a:t>4/24/2024</a:t>
+              <a:t>4/25/2024</a:t>
             </a:fld>
             <a:endParaRPr lang="en-US"/>
           </a:p>
@@ -7185,8 +7185,8 @@
         </p:nvSpPr>
         <p:spPr>
           <a:xfrm>
-            <a:off x="510040" y="2315027"/>
-            <a:ext cx="11681960" cy="3615267"/>
+            <a:off x="510040" y="1371600"/>
+            <a:ext cx="11681960" cy="6324599"/>
           </a:xfrm>
         </p:spPr>
         <p:txBody>
@@ -7198,23 +7198,6 @@
             <a:pPr marL="0" indent="0">
               <a:buNone/>
             </a:pPr>
-            <a:r>
-              <a:rPr lang="en-US" sz="2400" dirty="0">
-                <a:solidFill>
-                  <a:schemeClr val="bg1"/>
-                </a:solidFill>
-              </a:rPr>
-              <a:t>Google Scripts Documentation: </a:t>
-            </a:r>
-            <a:r>
-              <a:rPr lang="en-US" sz="2400" dirty="0">
-                <a:solidFill>
-                  <a:schemeClr val="bg1"/>
-                </a:solidFill>
-                <a:hlinkClick r:id="rId2"/>
-              </a:rPr>
-              <a:t>https://developers.google.com/apps-script</a:t>
-            </a:r>
             <a:endParaRPr lang="en-US" sz="2400" dirty="0">
               <a:solidFill>
                 <a:schemeClr val="bg1"/>
@@ -7225,23 +7208,6 @@
             <a:pPr marL="0" indent="0">
               <a:buNone/>
             </a:pPr>
-            <a:r>
-              <a:rPr lang="en-US" sz="2400" dirty="0">
-                <a:solidFill>
-                  <a:schemeClr val="bg1"/>
-                </a:solidFill>
-              </a:rPr>
-              <a:t>Stack Overflow: </a:t>
-            </a:r>
-            <a:r>
-              <a:rPr lang="en-US" sz="2400" dirty="0">
-                <a:solidFill>
-                  <a:schemeClr val="bg1"/>
-                </a:solidFill>
-                <a:hlinkClick r:id="rId3"/>
-              </a:rPr>
-              <a:t>https://stackoverflow.com/</a:t>
-            </a:r>
             <a:endParaRPr lang="en-US" sz="2400" dirty="0">
               <a:solidFill>
                 <a:schemeClr val="bg1"/>
@@ -7258,16 +7224,16 @@
                   <a:schemeClr val="bg1"/>
                 </a:solidFill>
               </a:rPr>
-              <a:t>Gmail API Documentation: </a:t>
+              <a:t>Google Scripts Documentation: </a:t>
             </a:r>
             <a:r>
               <a:rPr lang="en-US" sz="2400" dirty="0">
                 <a:solidFill>
                   <a:schemeClr val="bg1"/>
                 </a:solidFill>
-                <a:hlinkClick r:id="rId4"/>
+                <a:hlinkClick r:id="rId2"/>
               </a:rPr>
-              <a:t>https://developers.google.com/gmail/api/guides</a:t>
+              <a:t>https://developers.google.com/apps-script</a:t>
             </a:r>
             <a:endParaRPr lang="en-US" sz="2400" dirty="0">
               <a:solidFill>
@@ -7285,16 +7251,16 @@
                   <a:schemeClr val="bg1"/>
                 </a:solidFill>
               </a:rPr>
-              <a:t>Google Sheets Docs: </a:t>
+              <a:t>Stack Overflow: </a:t>
             </a:r>
             <a:r>
               <a:rPr lang="en-US" sz="2400" dirty="0">
                 <a:solidFill>
                   <a:schemeClr val="bg1"/>
                 </a:solidFill>
-                <a:hlinkClick r:id="rId5"/>
+                <a:hlinkClick r:id="rId3"/>
               </a:rPr>
-              <a:t>https://developers.google.com/sheets/api/guides/concepts</a:t>
+              <a:t>https://stackoverflow.com/questions/11485271/google-oauth-2-authorization-error-redirect-uri-mismatch</a:t>
             </a:r>
             <a:endParaRPr lang="en-US" sz="2400" dirty="0">
               <a:solidFill>
@@ -7312,6 +7278,60 @@
                   <a:schemeClr val="bg1"/>
                 </a:solidFill>
               </a:rPr>
+              <a:t>Gmail API Documentation: </a:t>
+            </a:r>
+            <a:r>
+              <a:rPr lang="en-US" sz="2400" dirty="0">
+                <a:solidFill>
+                  <a:schemeClr val="bg1"/>
+                </a:solidFill>
+                <a:hlinkClick r:id="rId4"/>
+              </a:rPr>
+              <a:t>https://developers.google.com/gmail/api/guides</a:t>
+            </a:r>
+            <a:endParaRPr lang="en-US" sz="2400" dirty="0">
+              <a:solidFill>
+                <a:schemeClr val="bg1"/>
+              </a:solidFill>
+            </a:endParaRPr>
+          </a:p>
+          <a:p>
+            <a:pPr marL="0" indent="0">
+              <a:buNone/>
+            </a:pPr>
+            <a:r>
+              <a:rPr lang="en-US" sz="2400" dirty="0">
+                <a:solidFill>
+                  <a:schemeClr val="bg1"/>
+                </a:solidFill>
+              </a:rPr>
+              <a:t>Google Sheets Docs: </a:t>
+            </a:r>
+            <a:r>
+              <a:rPr lang="en-US" sz="2400" dirty="0">
+                <a:solidFill>
+                  <a:schemeClr val="bg1"/>
+                </a:solidFill>
+                <a:hlinkClick r:id="rId5"/>
+              </a:rPr>
+              <a:t>https://developers.google.com/sheets/api/guides/concepts</a:t>
+            </a:r>
+            <a:endParaRPr lang="en-US" sz="2400" dirty="0">
+              <a:solidFill>
+                <a:schemeClr val="bg1"/>
+              </a:solidFill>
+            </a:endParaRPr>
+          </a:p>
+          <a:p>
+            <a:pPr marL="0" indent="0">
+              <a:buNone/>
+            </a:pPr>
+            <a:r>
+              <a:rPr lang="en-US" sz="2400" dirty="0">
+                <a:solidFill>
+                  <a:schemeClr val="bg1"/>
+                </a:solidFill>
+              </a:rPr>
               <a:t>Google Workspace Docs: </a:t>
             </a:r>
             <a:r>
@@ -7323,6 +7343,43 @@
               </a:rPr>
               <a:t>https://developers.google.com/workspace</a:t>
             </a:r>
+            <a:endParaRPr lang="en-US" sz="2400" dirty="0">
+              <a:solidFill>
+                <a:schemeClr val="bg1"/>
+              </a:solidFill>
+            </a:endParaRPr>
+          </a:p>
+          <a:p>
+            <a:pPr marL="0" indent="0">
+              <a:buNone/>
+            </a:pPr>
+            <a:r>
+              <a:rPr lang="en-US" sz="2400" dirty="0">
+                <a:solidFill>
+                  <a:schemeClr val="bg1"/>
+                </a:solidFill>
+              </a:rPr>
+              <a:t>Google Drive API Docs: </a:t>
+            </a:r>
+            <a:r>
+              <a:rPr lang="en-US" sz="2400" dirty="0">
+                <a:solidFill>
+                  <a:schemeClr val="bg1"/>
+                </a:solidFill>
+                <a:hlinkClick r:id="rId7"/>
+              </a:rPr>
+              <a:t>https://developers.google.com/drive/api/guides/about-sdk</a:t>
+            </a:r>
+            <a:endParaRPr lang="en-US" sz="2400" dirty="0">
+              <a:solidFill>
+                <a:schemeClr val="bg1"/>
+              </a:solidFill>
+            </a:endParaRPr>
+          </a:p>
+          <a:p>
+            <a:pPr marL="0" indent="0">
+              <a:buNone/>
+            </a:pPr>
             <a:endParaRPr lang="en-US" sz="2400" dirty="0">
               <a:solidFill>
                 <a:schemeClr val="bg1"/>

--- a/Presentation/Email and Roster Manager.pptx
+++ b/Presentation/Email and Roster Manager.pptx
@@ -131,7 +131,7 @@
   <pc:docChgLst>
     <pc:chgData name="Shelby Womack" userId="ad7a5156cd3203ca" providerId="LiveId" clId="{EC62061A-80C7-47AA-AD29-6CEE5135B2BE}"/>
     <pc:docChg chg="undo redo custSel addSld delSld modSld sldOrd modMainMaster">
-      <pc:chgData name="Shelby Womack" userId="ad7a5156cd3203ca" providerId="LiveId" clId="{EC62061A-80C7-47AA-AD29-6CEE5135B2BE}" dt="2024-04-25T17:08:42.621" v="2346" actId="27636"/>
+      <pc:chgData name="Shelby Womack" userId="ad7a5156cd3203ca" providerId="LiveId" clId="{EC62061A-80C7-47AA-AD29-6CEE5135B2BE}" dt="2024-04-29T18:27:07.507" v="2362" actId="20577"/>
       <pc:docMkLst>
         <pc:docMk/>
       </pc:docMkLst>
@@ -221,7 +221,7 @@
         </pc:spChg>
       </pc:sldChg>
       <pc:sldChg chg="modSp new mod setBg">
-        <pc:chgData name="Shelby Womack" userId="ad7a5156cd3203ca" providerId="LiveId" clId="{EC62061A-80C7-47AA-AD29-6CEE5135B2BE}" dt="2024-04-24T20:19:05.746" v="2308" actId="20577"/>
+        <pc:chgData name="Shelby Womack" userId="ad7a5156cd3203ca" providerId="LiveId" clId="{EC62061A-80C7-47AA-AD29-6CEE5135B2BE}" dt="2024-04-29T18:27:07.507" v="2362" actId="20577"/>
         <pc:sldMkLst>
           <pc:docMk/>
           <pc:sldMk cId="1095713568" sldId="259"/>
@@ -235,7 +235,7 @@
           </ac:spMkLst>
         </pc:spChg>
         <pc:spChg chg="mod">
-          <ac:chgData name="Shelby Womack" userId="ad7a5156cd3203ca" providerId="LiveId" clId="{EC62061A-80C7-47AA-AD29-6CEE5135B2BE}" dt="2024-04-24T20:19:05.746" v="2308" actId="20577"/>
+          <ac:chgData name="Shelby Womack" userId="ad7a5156cd3203ca" providerId="LiveId" clId="{EC62061A-80C7-47AA-AD29-6CEE5135B2BE}" dt="2024-04-29T18:27:07.507" v="2362" actId="20577"/>
           <ac:spMkLst>
             <pc:docMk/>
             <pc:sldMk cId="1095713568" sldId="259"/>
@@ -626,7 +626,7 @@
           <a:p>
             <a:fld id="{732EEB44-E32F-4EDD-9550-1B249E681FA6}" type="datetimeFigureOut">
               <a:rPr lang="en-US" smtClean="0"/>
-              <a:t>4/25/2024</a:t>
+              <a:t>4/29/2024</a:t>
             </a:fld>
             <a:endParaRPr lang="en-US"/>
           </a:p>
@@ -1062,7 +1062,7 @@
           <a:p>
             <a:fld id="{732EEB44-E32F-4EDD-9550-1B249E681FA6}" type="datetimeFigureOut">
               <a:rPr lang="en-US" smtClean="0"/>
-              <a:t>4/25/2024</a:t>
+              <a:t>4/29/2024</a:t>
             </a:fld>
             <a:endParaRPr lang="en-US"/>
           </a:p>
@@ -1312,7 +1312,7 @@
           <a:p>
             <a:fld id="{732EEB44-E32F-4EDD-9550-1B249E681FA6}" type="datetimeFigureOut">
               <a:rPr lang="en-US" smtClean="0"/>
-              <a:t>4/25/2024</a:t>
+              <a:t>4/29/2024</a:t>
             </a:fld>
             <a:endParaRPr lang="en-US"/>
           </a:p>
@@ -1620,7 +1620,7 @@
           <a:p>
             <a:fld id="{732EEB44-E32F-4EDD-9550-1B249E681FA6}" type="datetimeFigureOut">
               <a:rPr lang="en-US" smtClean="0"/>
-              <a:t>4/25/2024</a:t>
+              <a:t>4/29/2024</a:t>
             </a:fld>
             <a:endParaRPr lang="en-US"/>
           </a:p>
@@ -1938,7 +1938,7 @@
           <a:p>
             <a:fld id="{732EEB44-E32F-4EDD-9550-1B249E681FA6}" type="datetimeFigureOut">
               <a:rPr lang="en-US" smtClean="0"/>
-              <a:t>4/25/2024</a:t>
+              <a:t>4/29/2024</a:t>
             </a:fld>
             <a:endParaRPr lang="en-US"/>
           </a:p>
@@ -2240,7 +2240,7 @@
           <a:p>
             <a:fld id="{732EEB44-E32F-4EDD-9550-1B249E681FA6}" type="datetimeFigureOut">
               <a:rPr lang="en-US" smtClean="0"/>
-              <a:t>4/25/2024</a:t>
+              <a:t>4/29/2024</a:t>
             </a:fld>
             <a:endParaRPr lang="en-US"/>
           </a:p>
@@ -2607,7 +2607,7 @@
           <a:p>
             <a:fld id="{732EEB44-E32F-4EDD-9550-1B249E681FA6}" type="datetimeFigureOut">
               <a:rPr lang="en-US" smtClean="0"/>
-              <a:t>4/25/2024</a:t>
+              <a:t>4/29/2024</a:t>
             </a:fld>
             <a:endParaRPr lang="en-US"/>
           </a:p>
@@ -2781,7 +2781,7 @@
           <a:p>
             <a:fld id="{732EEB44-E32F-4EDD-9550-1B249E681FA6}" type="datetimeFigureOut">
               <a:rPr lang="en-US" smtClean="0"/>
-              <a:t>4/25/2024</a:t>
+              <a:t>4/29/2024</a:t>
             </a:fld>
             <a:endParaRPr lang="en-US"/>
           </a:p>
@@ -2961,7 +2961,7 @@
           <a:p>
             <a:fld id="{732EEB44-E32F-4EDD-9550-1B249E681FA6}" type="datetimeFigureOut">
               <a:rPr lang="en-US" smtClean="0"/>
-              <a:t>4/25/2024</a:t>
+              <a:t>4/29/2024</a:t>
             </a:fld>
             <a:endParaRPr lang="en-US"/>
           </a:p>
@@ -3131,7 +3131,7 @@
           <a:p>
             <a:fld id="{732EEB44-E32F-4EDD-9550-1B249E681FA6}" type="datetimeFigureOut">
               <a:rPr lang="en-US" smtClean="0"/>
-              <a:t>4/25/2024</a:t>
+              <a:t>4/29/2024</a:t>
             </a:fld>
             <a:endParaRPr lang="en-US"/>
           </a:p>
@@ -3381,7 +3381,7 @@
           <a:p>
             <a:fld id="{732EEB44-E32F-4EDD-9550-1B249E681FA6}" type="datetimeFigureOut">
               <a:rPr lang="en-US" smtClean="0"/>
-              <a:t>4/25/2024</a:t>
+              <a:t>4/29/2024</a:t>
             </a:fld>
             <a:endParaRPr lang="en-US"/>
           </a:p>
@@ -3617,7 +3617,7 @@
           <a:p>
             <a:fld id="{732EEB44-E32F-4EDD-9550-1B249E681FA6}" type="datetimeFigureOut">
               <a:rPr lang="en-US" smtClean="0"/>
-              <a:t>4/25/2024</a:t>
+              <a:t>4/29/2024</a:t>
             </a:fld>
             <a:endParaRPr lang="en-US"/>
           </a:p>
@@ -3999,7 +3999,7 @@
           <a:p>
             <a:fld id="{732EEB44-E32F-4EDD-9550-1B249E681FA6}" type="datetimeFigureOut">
               <a:rPr lang="en-US" smtClean="0"/>
-              <a:t>4/25/2024</a:t>
+              <a:t>4/29/2024</a:t>
             </a:fld>
             <a:endParaRPr lang="en-US"/>
           </a:p>
@@ -4117,7 +4117,7 @@
           <a:p>
             <a:fld id="{732EEB44-E32F-4EDD-9550-1B249E681FA6}" type="datetimeFigureOut">
               <a:rPr lang="en-US" smtClean="0"/>
-              <a:t>4/25/2024</a:t>
+              <a:t>4/29/2024</a:t>
             </a:fld>
             <a:endParaRPr lang="en-US"/>
           </a:p>
@@ -4212,7 +4212,7 @@
           <a:p>
             <a:fld id="{732EEB44-E32F-4EDD-9550-1B249E681FA6}" type="datetimeFigureOut">
               <a:rPr lang="en-US" smtClean="0"/>
-              <a:t>4/25/2024</a:t>
+              <a:t>4/29/2024</a:t>
             </a:fld>
             <a:endParaRPr lang="en-US"/>
           </a:p>
@@ -4467,7 +4467,7 @@
           <a:p>
             <a:fld id="{732EEB44-E32F-4EDD-9550-1B249E681FA6}" type="datetimeFigureOut">
               <a:rPr lang="en-US" smtClean="0"/>
-              <a:t>4/25/2024</a:t>
+              <a:t>4/29/2024</a:t>
             </a:fld>
             <a:endParaRPr lang="en-US"/>
           </a:p>
@@ -4750,7 +4750,7 @@
           <a:p>
             <a:fld id="{732EEB44-E32F-4EDD-9550-1B249E681FA6}" type="datetimeFigureOut">
               <a:rPr lang="en-US" smtClean="0"/>
-              <a:t>4/25/2024</a:t>
+              <a:t>4/29/2024</a:t>
             </a:fld>
             <a:endParaRPr lang="en-US"/>
           </a:p>
@@ -5156,7 +5156,7 @@
           <a:p>
             <a:fld id="{732EEB44-E32F-4EDD-9550-1B249E681FA6}" type="datetimeFigureOut">
               <a:rPr lang="en-US" smtClean="0"/>
-              <a:t>4/25/2024</a:t>
+              <a:t>4/29/2024</a:t>
             </a:fld>
             <a:endParaRPr lang="en-US"/>
           </a:p>
@@ -6739,68 +6739,48 @@
           </a:p>
           <a:p>
             <a:r>
-              <a:rPr lang="en-US" sz="2400">
+              <a:rPr lang="en-US" sz="2400" dirty="0">
                 <a:solidFill>
                   <a:schemeClr val="tx1"/>
                 </a:solidFill>
               </a:rPr>
               <a:t>Authentication</a:t>
+            </a:r>
+          </a:p>
+          <a:p>
+            <a:r>
+              <a:rPr lang="en-US" sz="2400" dirty="0">
+                <a:solidFill>
+                  <a:schemeClr val="tx1"/>
+                </a:solidFill>
+              </a:rPr>
+              <a:t>Gmail API  </a:t>
+            </a:r>
+          </a:p>
+          <a:p>
+            <a:r>
+              <a:rPr lang="en-US" sz="2400" dirty="0">
+                <a:solidFill>
+                  <a:schemeClr val="tx1"/>
+                </a:solidFill>
+              </a:rPr>
+              <a:t>Automation</a:t>
+            </a:r>
+          </a:p>
+          <a:p>
+            <a:r>
+              <a:rPr lang="en-US" sz="2400">
+                <a:solidFill>
+                  <a:schemeClr val="tx1"/>
+                </a:solidFill>
+              </a:rPr>
+              <a:t>Processing</a:t>
             </a:r>
             <a:endParaRPr lang="en-US" sz="2400" dirty="0">
               <a:solidFill>
                 <a:schemeClr val="tx1"/>
               </a:solidFill>
             </a:endParaRPr>
-          </a:p>
-          <a:p>
-            <a:r>
-              <a:rPr lang="en-US" sz="2400" dirty="0">
-                <a:solidFill>
-                  <a:schemeClr val="tx1"/>
-                </a:solidFill>
-              </a:rPr>
-              <a:t>Gmail API  </a:t>
-            </a:r>
-          </a:p>
-          <a:p>
-            <a:r>
-              <a:rPr lang="en-US" sz="2400" dirty="0">
-                <a:solidFill>
-                  <a:schemeClr val="tx1"/>
-                </a:solidFill>
-              </a:rPr>
-              <a:t>Parsing</a:t>
-            </a:r>
-          </a:p>
-          <a:p>
-            <a:r>
-              <a:rPr lang="en-US" sz="2400" dirty="0">
-                <a:solidFill>
-                  <a:schemeClr val="tx1"/>
-                </a:solidFill>
-              </a:rPr>
-              <a:t>Processing</a:t>
-            </a:r>
-          </a:p>
-          <a:p>
-            <a:r>
-              <a:rPr lang="en-US" sz="2400" dirty="0">
-                <a:solidFill>
-                  <a:schemeClr val="tx1"/>
-                </a:solidFill>
-              </a:rPr>
-              <a:t>Integration</a:t>
-            </a:r>
-          </a:p>
-          <a:p>
-            <a:r>
-              <a:rPr lang="en-US" sz="2400" dirty="0">
-                <a:solidFill>
-                  <a:schemeClr val="tx1"/>
-                </a:solidFill>
-              </a:rPr>
-              <a:t>Automation</a:t>
-            </a:r>
           </a:p>
           <a:p>
             <a:r>

--- a/Presentation/Email and Roster Manager.pptx
+++ b/Presentation/Email and Roster Manager.pptx
@@ -131,7 +131,7 @@
   <pc:docChgLst>
     <pc:chgData name="Shelby Womack" userId="ad7a5156cd3203ca" providerId="LiveId" clId="{EC62061A-80C7-47AA-AD29-6CEE5135B2BE}"/>
     <pc:docChg chg="undo redo custSel addSld delSld modSld sldOrd modMainMaster">
-      <pc:chgData name="Shelby Womack" userId="ad7a5156cd3203ca" providerId="LiveId" clId="{EC62061A-80C7-47AA-AD29-6CEE5135B2BE}" dt="2024-04-29T18:27:07.507" v="2362" actId="20577"/>
+      <pc:chgData name="Shelby Womack" userId="ad7a5156cd3203ca" providerId="LiveId" clId="{EC62061A-80C7-47AA-AD29-6CEE5135B2BE}" dt="2024-04-29T20:59:36.494" v="2389" actId="20577"/>
       <pc:docMkLst>
         <pc:docMk/>
       </pc:docMkLst>
@@ -221,7 +221,7 @@
         </pc:spChg>
       </pc:sldChg>
       <pc:sldChg chg="modSp new mod setBg">
-        <pc:chgData name="Shelby Womack" userId="ad7a5156cd3203ca" providerId="LiveId" clId="{EC62061A-80C7-47AA-AD29-6CEE5135B2BE}" dt="2024-04-29T18:27:07.507" v="2362" actId="20577"/>
+        <pc:chgData name="Shelby Womack" userId="ad7a5156cd3203ca" providerId="LiveId" clId="{EC62061A-80C7-47AA-AD29-6CEE5135B2BE}" dt="2024-04-29T20:58:49.104" v="2377" actId="20577"/>
         <pc:sldMkLst>
           <pc:docMk/>
           <pc:sldMk cId="1095713568" sldId="259"/>
@@ -235,7 +235,7 @@
           </ac:spMkLst>
         </pc:spChg>
         <pc:spChg chg="mod">
-          <ac:chgData name="Shelby Womack" userId="ad7a5156cd3203ca" providerId="LiveId" clId="{EC62061A-80C7-47AA-AD29-6CEE5135B2BE}" dt="2024-04-29T18:27:07.507" v="2362" actId="20577"/>
+          <ac:chgData name="Shelby Womack" userId="ad7a5156cd3203ca" providerId="LiveId" clId="{EC62061A-80C7-47AA-AD29-6CEE5135B2BE}" dt="2024-04-29T20:58:49.104" v="2377" actId="20577"/>
           <ac:spMkLst>
             <pc:docMk/>
             <pc:sldMk cId="1095713568" sldId="259"/>
@@ -347,7 +347,7 @@
         </pc:picChg>
       </pc:sldChg>
       <pc:sldChg chg="modSp new mod">
-        <pc:chgData name="Shelby Womack" userId="ad7a5156cd3203ca" providerId="LiveId" clId="{EC62061A-80C7-47AA-AD29-6CEE5135B2BE}" dt="2024-04-24T17:34:01.955" v="1921" actId="20577"/>
+        <pc:chgData name="Shelby Womack" userId="ad7a5156cd3203ca" providerId="LiveId" clId="{EC62061A-80C7-47AA-AD29-6CEE5135B2BE}" dt="2024-04-29T20:59:36.494" v="2389" actId="20577"/>
         <pc:sldMkLst>
           <pc:docMk/>
           <pc:sldMk cId="1530604066" sldId="261"/>
@@ -361,7 +361,7 @@
           </ac:spMkLst>
         </pc:spChg>
         <pc:spChg chg="mod">
-          <ac:chgData name="Shelby Womack" userId="ad7a5156cd3203ca" providerId="LiveId" clId="{EC62061A-80C7-47AA-AD29-6CEE5135B2BE}" dt="2024-04-24T17:34:01.955" v="1921" actId="20577"/>
+          <ac:chgData name="Shelby Womack" userId="ad7a5156cd3203ca" providerId="LiveId" clId="{EC62061A-80C7-47AA-AD29-6CEE5135B2BE}" dt="2024-04-29T20:59:36.494" v="2389" actId="20577"/>
           <ac:spMkLst>
             <pc:docMk/>
             <pc:sldMk cId="1530604066" sldId="261"/>
@@ -6769,18 +6769,23 @@
           </a:p>
           <a:p>
             <a:r>
-              <a:rPr lang="en-US" sz="2400">
+              <a:rPr lang="en-US" sz="2400" dirty="0">
                 <a:solidFill>
                   <a:schemeClr val="tx1"/>
                 </a:solidFill>
               </a:rPr>
               <a:t>Processing</a:t>
             </a:r>
-            <a:endParaRPr lang="en-US" sz="2400" dirty="0">
-              <a:solidFill>
-                <a:schemeClr val="tx1"/>
-              </a:solidFill>
-            </a:endParaRPr>
+          </a:p>
+          <a:p>
+            <a:r>
+              <a:rPr lang="en-US" sz="2400" dirty="0">
+                <a:solidFill>
+                  <a:schemeClr val="tx1"/>
+                </a:solidFill>
+              </a:rPr>
+              <a:t>Integration</a:t>
+            </a:r>
           </a:p>
           <a:p>
             <a:r>
@@ -6892,23 +6897,18 @@
           </a:p>
           <a:p>
             <a:r>
-              <a:rPr lang="en-US" sz="2800" dirty="0">
+              <a:rPr lang="en-US" sz="2800">
                 <a:solidFill>
                   <a:schemeClr val="tx1"/>
                 </a:solidFill>
               </a:rPr>
               <a:t>Customization</a:t>
             </a:r>
-          </a:p>
-          <a:p>
-            <a:r>
-              <a:rPr lang="en-US" sz="2800" dirty="0">
-                <a:solidFill>
-                  <a:schemeClr val="tx1"/>
-                </a:solidFill>
-              </a:rPr>
-              <a:t>Real Time Analytics</a:t>
-            </a:r>
+            <a:endParaRPr lang="en-US" sz="2800" dirty="0">
+              <a:solidFill>
+                <a:schemeClr val="tx1"/>
+              </a:solidFill>
+            </a:endParaRPr>
           </a:p>
           <a:p>
             <a:r>
